--- a/project3.pptx
+++ b/project3.pptx
@@ -9,14 +9,15 @@
     <p:sldId id="258" r:id="rId3"/>
     <p:sldId id="259" r:id="rId4"/>
     <p:sldId id="260" r:id="rId5"/>
-    <p:sldId id="261" r:id="rId6"/>
-    <p:sldId id="263" r:id="rId7"/>
-    <p:sldId id="267" r:id="rId8"/>
-    <p:sldId id="262" r:id="rId9"/>
-    <p:sldId id="266" r:id="rId10"/>
-    <p:sldId id="265" r:id="rId11"/>
-    <p:sldId id="264" r:id="rId12"/>
-    <p:sldId id="268" r:id="rId13"/>
+    <p:sldId id="270" r:id="rId6"/>
+    <p:sldId id="261" r:id="rId7"/>
+    <p:sldId id="263" r:id="rId8"/>
+    <p:sldId id="267" r:id="rId9"/>
+    <p:sldId id="262" r:id="rId10"/>
+    <p:sldId id="266" r:id="rId11"/>
+    <p:sldId id="265" r:id="rId12"/>
+    <p:sldId id="271" r:id="rId13"/>
+    <p:sldId id="264" r:id="rId14"/>
   </p:sldIdLst>
   <p:sldSz cx="12192000" cy="6858000"/>
   <p:notesSz cx="6858000" cy="9144000"/>
@@ -126,9 +127,434 @@
 <file path=ppt/revisionInfo.xml><?xml version="1.0" encoding="utf-8"?>
 <p1510:revInfo xmlns:a="http://schemas.openxmlformats.org/drawingml/2006/main" xmlns:r="http://schemas.openxmlformats.org/officeDocument/2006/relationships" xmlns:p1510="http://schemas.microsoft.com/office/powerpoint/2015/10/main">
   <p1510:revLst>
-    <p1510:client id="{B939E157-0202-413A-BADB-12019F646C4F}" v="156" dt="2018-12-22T04:02:10.518"/>
+    <p1510:client id="{68066EA1-A904-4D87-9C14-C5A9EA7109B9}" v="46" dt="2019-03-29T05:20:23.504"/>
   </p1510:revLst>
 </p1510:revInfo>
+</file>
+
+<file path=ppt/changesInfos/changesInfo1.xml><?xml version="1.0" encoding="utf-8"?>
+<pc:chgInfo xmlns:a="http://schemas.openxmlformats.org/drawingml/2006/main" xmlns:r="http://schemas.openxmlformats.org/officeDocument/2006/relationships" xmlns:ac="http://schemas.microsoft.com/office/drawing/2013/main/command" xmlns:pc="http://schemas.microsoft.com/office/powerpoint/2013/main/command">
+  <pc:docChgLst>
+    <pc:chgData name="Eamon Fleming" userId="d0a4bbcbf0d24725" providerId="LiveId" clId="{68066EA1-A904-4D87-9C14-C5A9EA7109B9}"/>
+    <pc:docChg chg="undo redo custSel addSld delSld modSld sldOrd">
+      <pc:chgData name="Eamon Fleming" userId="d0a4bbcbf0d24725" providerId="LiveId" clId="{68066EA1-A904-4D87-9C14-C5A9EA7109B9}" dt="2019-03-29T05:24:03.981" v="10440" actId="14100"/>
+      <pc:docMkLst>
+        <pc:docMk/>
+      </pc:docMkLst>
+      <pc:sldChg chg="modSp">
+        <pc:chgData name="Eamon Fleming" userId="d0a4bbcbf0d24725" providerId="LiveId" clId="{68066EA1-A904-4D87-9C14-C5A9EA7109B9}" dt="2019-03-27T08:11:28.928" v="6206" actId="1076"/>
+        <pc:sldMkLst>
+          <pc:docMk/>
+          <pc:sldMk cId="4091966259" sldId="258"/>
+        </pc:sldMkLst>
+        <pc:spChg chg="mod">
+          <ac:chgData name="Eamon Fleming" userId="d0a4bbcbf0d24725" providerId="LiveId" clId="{68066EA1-A904-4D87-9C14-C5A9EA7109B9}" dt="2019-03-27T08:11:28.928" v="6206" actId="1076"/>
+          <ac:spMkLst>
+            <pc:docMk/>
+            <pc:sldMk cId="4091966259" sldId="258"/>
+            <ac:spMk id="3" creationId="{88C6E433-2B24-4C87-99A5-B0A7E1C17C3E}"/>
+          </ac:spMkLst>
+        </pc:spChg>
+      </pc:sldChg>
+      <pc:sldChg chg="addSp modSp">
+        <pc:chgData name="Eamon Fleming" userId="d0a4bbcbf0d24725" providerId="LiveId" clId="{68066EA1-A904-4D87-9C14-C5A9EA7109B9}" dt="2019-03-27T08:12:23.527" v="6216" actId="113"/>
+        <pc:sldMkLst>
+          <pc:docMk/>
+          <pc:sldMk cId="3968465318" sldId="259"/>
+        </pc:sldMkLst>
+        <pc:spChg chg="mod">
+          <ac:chgData name="Eamon Fleming" userId="d0a4bbcbf0d24725" providerId="LiveId" clId="{68066EA1-A904-4D87-9C14-C5A9EA7109B9}" dt="2019-03-27T08:12:23.527" v="6216" actId="113"/>
+          <ac:spMkLst>
+            <pc:docMk/>
+            <pc:sldMk cId="3968465318" sldId="259"/>
+            <ac:spMk id="3" creationId="{88C6E433-2B24-4C87-99A5-B0A7E1C17C3E}"/>
+          </ac:spMkLst>
+        </pc:spChg>
+        <pc:spChg chg="add mod">
+          <ac:chgData name="Eamon Fleming" userId="d0a4bbcbf0d24725" providerId="LiveId" clId="{68066EA1-A904-4D87-9C14-C5A9EA7109B9}" dt="2019-03-26T12:33:34.194" v="2297" actId="1076"/>
+          <ac:spMkLst>
+            <pc:docMk/>
+            <pc:sldMk cId="3968465318" sldId="259"/>
+            <ac:spMk id="6" creationId="{FE78397D-2074-42A0-9BD9-CBA8BAEE80A6}"/>
+          </ac:spMkLst>
+        </pc:spChg>
+      </pc:sldChg>
+      <pc:sldChg chg="addSp delSp modSp">
+        <pc:chgData name="Eamon Fleming" userId="d0a4bbcbf0d24725" providerId="LiveId" clId="{68066EA1-A904-4D87-9C14-C5A9EA7109B9}" dt="2019-03-27T08:26:01.829" v="6378" actId="114"/>
+        <pc:sldMkLst>
+          <pc:docMk/>
+          <pc:sldMk cId="401923557" sldId="260"/>
+        </pc:sldMkLst>
+        <pc:spChg chg="mod">
+          <ac:chgData name="Eamon Fleming" userId="d0a4bbcbf0d24725" providerId="LiveId" clId="{68066EA1-A904-4D87-9C14-C5A9EA7109B9}" dt="2019-03-26T12:54:25.645" v="3080" actId="20577"/>
+          <ac:spMkLst>
+            <pc:docMk/>
+            <pc:sldMk cId="401923557" sldId="260"/>
+            <ac:spMk id="2" creationId="{31ACD9C7-4049-43E6-8FD9-A75263344DEC}"/>
+          </ac:spMkLst>
+        </pc:spChg>
+        <pc:spChg chg="mod">
+          <ac:chgData name="Eamon Fleming" userId="d0a4bbcbf0d24725" providerId="LiveId" clId="{68066EA1-A904-4D87-9C14-C5A9EA7109B9}" dt="2019-03-27T08:26:01.829" v="6378" actId="114"/>
+          <ac:spMkLst>
+            <pc:docMk/>
+            <pc:sldMk cId="401923557" sldId="260"/>
+            <ac:spMk id="3" creationId="{88C6E433-2B24-4C87-99A5-B0A7E1C17C3E}"/>
+          </ac:spMkLst>
+        </pc:spChg>
+        <pc:spChg chg="mod">
+          <ac:chgData name="Eamon Fleming" userId="d0a4bbcbf0d24725" providerId="LiveId" clId="{68066EA1-A904-4D87-9C14-C5A9EA7109B9}" dt="2019-03-27T08:23:48.705" v="6284" actId="14100"/>
+          <ac:spMkLst>
+            <pc:docMk/>
+            <pc:sldMk cId="401923557" sldId="260"/>
+            <ac:spMk id="4" creationId="{625F161E-84CD-49C7-AD62-666D4B15CC8F}"/>
+          </ac:spMkLst>
+        </pc:spChg>
+        <pc:spChg chg="add del mod">
+          <ac:chgData name="Eamon Fleming" userId="d0a4bbcbf0d24725" providerId="LiveId" clId="{68066EA1-A904-4D87-9C14-C5A9EA7109B9}" dt="2019-03-27T08:25:22.048" v="6335" actId="478"/>
+          <ac:spMkLst>
+            <pc:docMk/>
+            <pc:sldMk cId="401923557" sldId="260"/>
+            <ac:spMk id="9" creationId="{A44F1752-6DB7-4923-823D-2D14B6F4B72B}"/>
+          </ac:spMkLst>
+        </pc:spChg>
+        <pc:picChg chg="del">
+          <ac:chgData name="Eamon Fleming" userId="d0a4bbcbf0d24725" providerId="LiveId" clId="{68066EA1-A904-4D87-9C14-C5A9EA7109B9}" dt="2019-03-27T08:15:41.391" v="6255" actId="478"/>
+          <ac:picMkLst>
+            <pc:docMk/>
+            <pc:sldMk cId="401923557" sldId="260"/>
+            <ac:picMk id="5" creationId="{61CF85AF-E170-4CE3-A796-FDB5473D6B60}"/>
+          </ac:picMkLst>
+        </pc:picChg>
+        <pc:picChg chg="add mod">
+          <ac:chgData name="Eamon Fleming" userId="d0a4bbcbf0d24725" providerId="LiveId" clId="{68066EA1-A904-4D87-9C14-C5A9EA7109B9}" dt="2019-03-27T08:24:18.844" v="6329" actId="1037"/>
+          <ac:picMkLst>
+            <pc:docMk/>
+            <pc:sldMk cId="401923557" sldId="260"/>
+            <ac:picMk id="6" creationId="{5CAB6DD5-CD00-4435-9D16-2C6929270C1E}"/>
+          </ac:picMkLst>
+        </pc:picChg>
+        <pc:picChg chg="add del">
+          <ac:chgData name="Eamon Fleming" userId="d0a4bbcbf0d24725" providerId="LiveId" clId="{68066EA1-A904-4D87-9C14-C5A9EA7109B9}" dt="2019-03-27T08:20:10.631" v="6264" actId="478"/>
+          <ac:picMkLst>
+            <pc:docMk/>
+            <pc:sldMk cId="401923557" sldId="260"/>
+            <ac:picMk id="7" creationId="{F539068E-7230-4E6B-95DD-2F223A2763FA}"/>
+          </ac:picMkLst>
+        </pc:picChg>
+        <pc:picChg chg="add del">
+          <ac:chgData name="Eamon Fleming" userId="d0a4bbcbf0d24725" providerId="LiveId" clId="{68066EA1-A904-4D87-9C14-C5A9EA7109B9}" dt="2019-03-27T08:20:19.427" v="6266" actId="478"/>
+          <ac:picMkLst>
+            <pc:docMk/>
+            <pc:sldMk cId="401923557" sldId="260"/>
+            <ac:picMk id="1026" creationId="{1E63EC3B-FD2F-4C58-BCD9-332CF3DE943A}"/>
+          </ac:picMkLst>
+        </pc:picChg>
+      </pc:sldChg>
+      <pc:sldChg chg="modSp">
+        <pc:chgData name="Eamon Fleming" userId="d0a4bbcbf0d24725" providerId="LiveId" clId="{68066EA1-A904-4D87-9C14-C5A9EA7109B9}" dt="2019-03-26T13:28:50.476" v="5305" actId="1037"/>
+        <pc:sldMkLst>
+          <pc:docMk/>
+          <pc:sldMk cId="949863280" sldId="261"/>
+        </pc:sldMkLst>
+        <pc:spChg chg="mod">
+          <ac:chgData name="Eamon Fleming" userId="d0a4bbcbf0d24725" providerId="LiveId" clId="{68066EA1-A904-4D87-9C14-C5A9EA7109B9}" dt="2019-03-26T13:28:50.476" v="5305" actId="1037"/>
+          <ac:spMkLst>
+            <pc:docMk/>
+            <pc:sldMk cId="949863280" sldId="261"/>
+            <ac:spMk id="2" creationId="{31ACD9C7-4049-43E6-8FD9-A75263344DEC}"/>
+          </ac:spMkLst>
+        </pc:spChg>
+      </pc:sldChg>
+      <pc:sldChg chg="modSp">
+        <pc:chgData name="Eamon Fleming" userId="d0a4bbcbf0d24725" providerId="LiveId" clId="{68066EA1-A904-4D87-9C14-C5A9EA7109B9}" dt="2019-03-26T13:30:58.540" v="5367" actId="207"/>
+        <pc:sldMkLst>
+          <pc:docMk/>
+          <pc:sldMk cId="993618477" sldId="262"/>
+        </pc:sldMkLst>
+        <pc:spChg chg="mod">
+          <ac:chgData name="Eamon Fleming" userId="d0a4bbcbf0d24725" providerId="LiveId" clId="{68066EA1-A904-4D87-9C14-C5A9EA7109B9}" dt="2019-03-26T13:30:58.540" v="5367" actId="207"/>
+          <ac:spMkLst>
+            <pc:docMk/>
+            <pc:sldMk cId="993618477" sldId="262"/>
+            <ac:spMk id="2" creationId="{31ACD9C7-4049-43E6-8FD9-A75263344DEC}"/>
+          </ac:spMkLst>
+        </pc:spChg>
+      </pc:sldChg>
+      <pc:sldChg chg="modSp">
+        <pc:chgData name="Eamon Fleming" userId="d0a4bbcbf0d24725" providerId="LiveId" clId="{68066EA1-A904-4D87-9C14-C5A9EA7109B9}" dt="2019-03-26T13:27:28.154" v="5297" actId="207"/>
+        <pc:sldMkLst>
+          <pc:docMk/>
+          <pc:sldMk cId="2790969951" sldId="263"/>
+        </pc:sldMkLst>
+        <pc:spChg chg="mod">
+          <ac:chgData name="Eamon Fleming" userId="d0a4bbcbf0d24725" providerId="LiveId" clId="{68066EA1-A904-4D87-9C14-C5A9EA7109B9}" dt="2019-03-26T13:27:28.154" v="5297" actId="207"/>
+          <ac:spMkLst>
+            <pc:docMk/>
+            <pc:sldMk cId="2790969951" sldId="263"/>
+            <ac:spMk id="2" creationId="{31ACD9C7-4049-43E6-8FD9-A75263344DEC}"/>
+          </ac:spMkLst>
+        </pc:spChg>
+      </pc:sldChg>
+      <pc:sldChg chg="addSp delSp modSp">
+        <pc:chgData name="Eamon Fleming" userId="d0a4bbcbf0d24725" providerId="LiveId" clId="{68066EA1-A904-4D87-9C14-C5A9EA7109B9}" dt="2019-03-29T05:24:03.981" v="10440" actId="14100"/>
+        <pc:sldMkLst>
+          <pc:docMk/>
+          <pc:sldMk cId="3767220424" sldId="264"/>
+        </pc:sldMkLst>
+        <pc:spChg chg="mod">
+          <ac:chgData name="Eamon Fleming" userId="d0a4bbcbf0d24725" providerId="LiveId" clId="{68066EA1-A904-4D87-9C14-C5A9EA7109B9}" dt="2019-03-29T05:16:06.858" v="10140" actId="20577"/>
+          <ac:spMkLst>
+            <pc:docMk/>
+            <pc:sldMk cId="3767220424" sldId="264"/>
+            <ac:spMk id="2" creationId="{31ACD9C7-4049-43E6-8FD9-A75263344DEC}"/>
+          </ac:spMkLst>
+        </pc:spChg>
+        <pc:spChg chg="mod">
+          <ac:chgData name="Eamon Fleming" userId="d0a4bbcbf0d24725" providerId="LiveId" clId="{68066EA1-A904-4D87-9C14-C5A9EA7109B9}" dt="2019-03-29T05:19:52.395" v="10263" actId="1036"/>
+          <ac:spMkLst>
+            <pc:docMk/>
+            <pc:sldMk cId="3767220424" sldId="264"/>
+            <ac:spMk id="3" creationId="{88C6E433-2B24-4C87-99A5-B0A7E1C17C3E}"/>
+          </ac:spMkLst>
+        </pc:spChg>
+        <pc:spChg chg="add del mod">
+          <ac:chgData name="Eamon Fleming" userId="d0a4bbcbf0d24725" providerId="LiveId" clId="{68066EA1-A904-4D87-9C14-C5A9EA7109B9}" dt="2019-03-29T05:19:19.655" v="10253" actId="478"/>
+          <ac:spMkLst>
+            <pc:docMk/>
+            <pc:sldMk cId="3767220424" sldId="264"/>
+            <ac:spMk id="4" creationId="{625F161E-84CD-49C7-AD62-666D4B15CC8F}"/>
+          </ac:spMkLst>
+        </pc:spChg>
+        <pc:spChg chg="mod">
+          <ac:chgData name="Eamon Fleming" userId="d0a4bbcbf0d24725" providerId="LiveId" clId="{68066EA1-A904-4D87-9C14-C5A9EA7109B9}" dt="2019-03-29T05:24:03.981" v="10440" actId="14100"/>
+          <ac:spMkLst>
+            <pc:docMk/>
+            <pc:sldMk cId="3767220424" sldId="264"/>
+            <ac:spMk id="8" creationId="{24CDB0F6-FBEB-48DF-A167-218F361EE5F9}"/>
+          </ac:spMkLst>
+        </pc:spChg>
+        <pc:spChg chg="mod">
+          <ac:chgData name="Eamon Fleming" userId="d0a4bbcbf0d24725" providerId="LiveId" clId="{68066EA1-A904-4D87-9C14-C5A9EA7109B9}" dt="2019-03-29T05:20:37.916" v="10301" actId="14100"/>
+          <ac:spMkLst>
+            <pc:docMk/>
+            <pc:sldMk cId="3767220424" sldId="264"/>
+            <ac:spMk id="9" creationId="{AD3DCD18-5AC9-4FE8-9610-B46093024439}"/>
+          </ac:spMkLst>
+        </pc:spChg>
+        <pc:spChg chg="add del mod">
+          <ac:chgData name="Eamon Fleming" userId="d0a4bbcbf0d24725" providerId="LiveId" clId="{68066EA1-A904-4D87-9C14-C5A9EA7109B9}" dt="2019-03-29T05:19:11.360" v="10251"/>
+          <ac:spMkLst>
+            <pc:docMk/>
+            <pc:sldMk cId="3767220424" sldId="264"/>
+            <ac:spMk id="10" creationId="{9F5EA4C6-F54A-4F9B-9E83-BD28F526B700}"/>
+          </ac:spMkLst>
+        </pc:spChg>
+        <pc:spChg chg="add ord">
+          <ac:chgData name="Eamon Fleming" userId="d0a4bbcbf0d24725" providerId="LiveId" clId="{68066EA1-A904-4D87-9C14-C5A9EA7109B9}" dt="2019-03-29T05:19:31.149" v="10255" actId="167"/>
+          <ac:spMkLst>
+            <pc:docMk/>
+            <pc:sldMk cId="3767220424" sldId="264"/>
+            <ac:spMk id="11" creationId="{FEA7CC29-C0BE-4548-BD35-60C4ACC916E7}"/>
+          </ac:spMkLst>
+        </pc:spChg>
+        <pc:picChg chg="add mod">
+          <ac:chgData name="Eamon Fleming" userId="d0a4bbcbf0d24725" providerId="LiveId" clId="{68066EA1-A904-4D87-9C14-C5A9EA7109B9}" dt="2019-03-29T05:20:07.024" v="10298" actId="1035"/>
+          <ac:picMkLst>
+            <pc:docMk/>
+            <pc:sldMk cId="3767220424" sldId="264"/>
+            <ac:picMk id="6" creationId="{FDF4D396-01EB-4113-B8AF-F2FEAD034E1E}"/>
+          </ac:picMkLst>
+        </pc:picChg>
+        <pc:picChg chg="del">
+          <ac:chgData name="Eamon Fleming" userId="d0a4bbcbf0d24725" providerId="LiveId" clId="{68066EA1-A904-4D87-9C14-C5A9EA7109B9}" dt="2019-03-29T05:10:53.321" v="10085" actId="478"/>
+          <ac:picMkLst>
+            <pc:docMk/>
+            <pc:sldMk cId="3767220424" sldId="264"/>
+            <ac:picMk id="7" creationId="{1E11FB8E-2AF3-4EDA-8B5C-062A15C287A9}"/>
+          </ac:picMkLst>
+        </pc:picChg>
+      </pc:sldChg>
+      <pc:sldChg chg="modSp">
+        <pc:chgData name="Eamon Fleming" userId="d0a4bbcbf0d24725" providerId="LiveId" clId="{68066EA1-A904-4D87-9C14-C5A9EA7109B9}" dt="2019-03-26T13:42:01.871" v="5845" actId="20577"/>
+        <pc:sldMkLst>
+          <pc:docMk/>
+          <pc:sldMk cId="3344811976" sldId="265"/>
+        </pc:sldMkLst>
+        <pc:spChg chg="mod">
+          <ac:chgData name="Eamon Fleming" userId="d0a4bbcbf0d24725" providerId="LiveId" clId="{68066EA1-A904-4D87-9C14-C5A9EA7109B9}" dt="2019-03-26T13:42:01.871" v="5845" actId="20577"/>
+          <ac:spMkLst>
+            <pc:docMk/>
+            <pc:sldMk cId="3344811976" sldId="265"/>
+            <ac:spMk id="2" creationId="{31ACD9C7-4049-43E6-8FD9-A75263344DEC}"/>
+          </ac:spMkLst>
+        </pc:spChg>
+      </pc:sldChg>
+      <pc:sldChg chg="modSp">
+        <pc:chgData name="Eamon Fleming" userId="d0a4bbcbf0d24725" providerId="LiveId" clId="{68066EA1-A904-4D87-9C14-C5A9EA7109B9}" dt="2019-03-26T13:34:38.149" v="5589" actId="20577"/>
+        <pc:sldMkLst>
+          <pc:docMk/>
+          <pc:sldMk cId="161934225" sldId="266"/>
+        </pc:sldMkLst>
+        <pc:spChg chg="mod">
+          <ac:chgData name="Eamon Fleming" userId="d0a4bbcbf0d24725" providerId="LiveId" clId="{68066EA1-A904-4D87-9C14-C5A9EA7109B9}" dt="2019-03-26T13:34:38.149" v="5589" actId="20577"/>
+          <ac:spMkLst>
+            <pc:docMk/>
+            <pc:sldMk cId="161934225" sldId="266"/>
+            <ac:spMk id="2" creationId="{31ACD9C7-4049-43E6-8FD9-A75263344DEC}"/>
+          </ac:spMkLst>
+        </pc:spChg>
+      </pc:sldChg>
+      <pc:sldChg chg="modSp">
+        <pc:chgData name="Eamon Fleming" userId="d0a4bbcbf0d24725" providerId="LiveId" clId="{68066EA1-A904-4D87-9C14-C5A9EA7109B9}" dt="2019-03-26T13:34:49.460" v="5597" actId="20577"/>
+        <pc:sldMkLst>
+          <pc:docMk/>
+          <pc:sldMk cId="2238359159" sldId="267"/>
+        </pc:sldMkLst>
+        <pc:spChg chg="mod">
+          <ac:chgData name="Eamon Fleming" userId="d0a4bbcbf0d24725" providerId="LiveId" clId="{68066EA1-A904-4D87-9C14-C5A9EA7109B9}" dt="2019-03-26T13:34:49.460" v="5597" actId="20577"/>
+          <ac:spMkLst>
+            <pc:docMk/>
+            <pc:sldMk cId="2238359159" sldId="267"/>
+            <ac:spMk id="2" creationId="{31ACD9C7-4049-43E6-8FD9-A75263344DEC}"/>
+          </ac:spMkLst>
+        </pc:spChg>
+      </pc:sldChg>
+      <pc:sldChg chg="del">
+        <pc:chgData name="Eamon Fleming" userId="d0a4bbcbf0d24725" providerId="LiveId" clId="{68066EA1-A904-4D87-9C14-C5A9EA7109B9}" dt="2019-03-28T09:49:23.827" v="6384" actId="2696"/>
+        <pc:sldMkLst>
+          <pc:docMk/>
+          <pc:sldMk cId="2794814256" sldId="268"/>
+        </pc:sldMkLst>
+      </pc:sldChg>
+      <pc:sldChg chg="addSp delSp modSp add">
+        <pc:chgData name="Eamon Fleming" userId="d0a4bbcbf0d24725" providerId="LiveId" clId="{68066EA1-A904-4D87-9C14-C5A9EA7109B9}" dt="2019-03-27T08:27:10.254" v="6383" actId="1038"/>
+        <pc:sldMkLst>
+          <pc:docMk/>
+          <pc:sldMk cId="2521292726" sldId="270"/>
+        </pc:sldMkLst>
+        <pc:spChg chg="mod">
+          <ac:chgData name="Eamon Fleming" userId="d0a4bbcbf0d24725" providerId="LiveId" clId="{68066EA1-A904-4D87-9C14-C5A9EA7109B9}" dt="2019-03-26T12:59:08.057" v="3513" actId="20577"/>
+          <ac:spMkLst>
+            <pc:docMk/>
+            <pc:sldMk cId="2521292726" sldId="270"/>
+            <ac:spMk id="2" creationId="{31ACD9C7-4049-43E6-8FD9-A75263344DEC}"/>
+          </ac:spMkLst>
+        </pc:spChg>
+        <pc:spChg chg="mod">
+          <ac:chgData name="Eamon Fleming" userId="d0a4bbcbf0d24725" providerId="LiveId" clId="{68066EA1-A904-4D87-9C14-C5A9EA7109B9}" dt="2019-03-27T08:26:54.495" v="6379" actId="1076"/>
+          <ac:spMkLst>
+            <pc:docMk/>
+            <pc:sldMk cId="2521292726" sldId="270"/>
+            <ac:spMk id="3" creationId="{88C6E433-2B24-4C87-99A5-B0A7E1C17C3E}"/>
+          </ac:spMkLst>
+        </pc:spChg>
+        <pc:spChg chg="mod">
+          <ac:chgData name="Eamon Fleming" userId="d0a4bbcbf0d24725" providerId="LiveId" clId="{68066EA1-A904-4D87-9C14-C5A9EA7109B9}" dt="2019-03-27T08:27:01.147" v="6380" actId="14100"/>
+          <ac:spMkLst>
+            <pc:docMk/>
+            <pc:sldMk cId="2521292726" sldId="270"/>
+            <ac:spMk id="4" creationId="{625F161E-84CD-49C7-AD62-666D4B15CC8F}"/>
+          </ac:spMkLst>
+        </pc:spChg>
+        <pc:spChg chg="add mod">
+          <ac:chgData name="Eamon Fleming" userId="d0a4bbcbf0d24725" providerId="LiveId" clId="{68066EA1-A904-4D87-9C14-C5A9EA7109B9}" dt="2019-03-27T08:27:10.254" v="6383" actId="1038"/>
+          <ac:spMkLst>
+            <pc:docMk/>
+            <pc:sldMk cId="2521292726" sldId="270"/>
+            <ac:spMk id="6" creationId="{461E3CC4-AAD3-4E56-9E3A-2E6B5C46ED0A}"/>
+          </ac:spMkLst>
+        </pc:spChg>
+        <pc:picChg chg="del">
+          <ac:chgData name="Eamon Fleming" userId="d0a4bbcbf0d24725" providerId="LiveId" clId="{68066EA1-A904-4D87-9C14-C5A9EA7109B9}" dt="2019-03-27T08:14:00.229" v="6226" actId="478"/>
+          <ac:picMkLst>
+            <pc:docMk/>
+            <pc:sldMk cId="2521292726" sldId="270"/>
+            <ac:picMk id="5" creationId="{61CF85AF-E170-4CE3-A796-FDB5473D6B60}"/>
+          </ac:picMkLst>
+        </pc:picChg>
+        <pc:picChg chg="mod">
+          <ac:chgData name="Eamon Fleming" userId="d0a4bbcbf0d24725" providerId="LiveId" clId="{68066EA1-A904-4D87-9C14-C5A9EA7109B9}" dt="2019-03-27T08:27:10.254" v="6383" actId="1038"/>
+          <ac:picMkLst>
+            <pc:docMk/>
+            <pc:sldMk cId="2521292726" sldId="270"/>
+            <ac:picMk id="7" creationId="{F539068E-7230-4E6B-95DD-2F223A2763FA}"/>
+          </ac:picMkLst>
+        </pc:picChg>
+      </pc:sldChg>
+      <pc:sldChg chg="addSp delSp modSp add ord">
+        <pc:chgData name="Eamon Fleming" userId="d0a4bbcbf0d24725" providerId="LiveId" clId="{68066EA1-A904-4D87-9C14-C5A9EA7109B9}" dt="2019-03-28T11:34:47.881" v="10074" actId="478"/>
+        <pc:sldMkLst>
+          <pc:docMk/>
+          <pc:sldMk cId="3541864863" sldId="271"/>
+        </pc:sldMkLst>
+        <pc:spChg chg="mod">
+          <ac:chgData name="Eamon Fleming" userId="d0a4bbcbf0d24725" providerId="LiveId" clId="{68066EA1-A904-4D87-9C14-C5A9EA7109B9}" dt="2019-03-28T11:26:19.189" v="9914" actId="20577"/>
+          <ac:spMkLst>
+            <pc:docMk/>
+            <pc:sldMk cId="3541864863" sldId="271"/>
+            <ac:spMk id="2" creationId="{31ACD9C7-4049-43E6-8FD9-A75263344DEC}"/>
+          </ac:spMkLst>
+        </pc:spChg>
+        <pc:spChg chg="mod">
+          <ac:chgData name="Eamon Fleming" userId="d0a4bbcbf0d24725" providerId="LiveId" clId="{68066EA1-A904-4D87-9C14-C5A9EA7109B9}" dt="2019-03-28T10:43:13.709" v="8084" actId="1076"/>
+          <ac:spMkLst>
+            <pc:docMk/>
+            <pc:sldMk cId="3541864863" sldId="271"/>
+            <ac:spMk id="3" creationId="{88C6E433-2B24-4C87-99A5-B0A7E1C17C3E}"/>
+          </ac:spMkLst>
+        </pc:spChg>
+        <pc:spChg chg="mod">
+          <ac:chgData name="Eamon Fleming" userId="d0a4bbcbf0d24725" providerId="LiveId" clId="{68066EA1-A904-4D87-9C14-C5A9EA7109B9}" dt="2019-03-28T09:53:04.169" v="6454" actId="14100"/>
+          <ac:spMkLst>
+            <pc:docMk/>
+            <pc:sldMk cId="3541864863" sldId="271"/>
+            <ac:spMk id="4" creationId="{625F161E-84CD-49C7-AD62-666D4B15CC8F}"/>
+          </ac:spMkLst>
+        </pc:spChg>
+        <pc:spChg chg="add del">
+          <ac:chgData name="Eamon Fleming" userId="d0a4bbcbf0d24725" providerId="LiveId" clId="{68066EA1-A904-4D87-9C14-C5A9EA7109B9}" dt="2019-03-28T09:50:27.154" v="6434"/>
+          <ac:spMkLst>
+            <pc:docMk/>
+            <pc:sldMk cId="3541864863" sldId="271"/>
+            <ac:spMk id="5" creationId="{B48848B7-E6E3-4DE0-AE3E-B5C158EBB589}"/>
+          </ac:spMkLst>
+        </pc:spChg>
+        <pc:spChg chg="add mod">
+          <ac:chgData name="Eamon Fleming" userId="d0a4bbcbf0d24725" providerId="LiveId" clId="{68066EA1-A904-4D87-9C14-C5A9EA7109B9}" dt="2019-03-28T11:31:42.119" v="10064" actId="14100"/>
+          <ac:spMkLst>
+            <pc:docMk/>
+            <pc:sldMk cId="3541864863" sldId="271"/>
+            <ac:spMk id="7" creationId="{51B37108-1808-470A-94A9-244C9276FEDA}"/>
+          </ac:spMkLst>
+        </pc:spChg>
+        <pc:spChg chg="add mod">
+          <ac:chgData name="Eamon Fleming" userId="d0a4bbcbf0d24725" providerId="LiveId" clId="{68066EA1-A904-4D87-9C14-C5A9EA7109B9}" dt="2019-03-28T11:31:28.510" v="10063" actId="1036"/>
+          <ac:spMkLst>
+            <pc:docMk/>
+            <pc:sldMk cId="3541864863" sldId="271"/>
+            <ac:spMk id="8" creationId="{FBF16527-6E15-4ECD-B8B0-49BB61C94868}"/>
+          </ac:spMkLst>
+        </pc:spChg>
+        <pc:spChg chg="add del mod">
+          <ac:chgData name="Eamon Fleming" userId="d0a4bbcbf0d24725" providerId="LiveId" clId="{68066EA1-A904-4D87-9C14-C5A9EA7109B9}" dt="2019-03-28T11:34:47.881" v="10074" actId="478"/>
+          <ac:spMkLst>
+            <pc:docMk/>
+            <pc:sldMk cId="3541864863" sldId="271"/>
+            <ac:spMk id="9" creationId="{A7B1287E-945E-487D-A44F-3AB3DE03C9BB}"/>
+          </ac:spMkLst>
+        </pc:spChg>
+        <pc:picChg chg="del">
+          <ac:chgData name="Eamon Fleming" userId="d0a4bbcbf0d24725" providerId="LiveId" clId="{68066EA1-A904-4D87-9C14-C5A9EA7109B9}" dt="2019-03-28T09:52:19.013" v="6444" actId="478"/>
+          <ac:picMkLst>
+            <pc:docMk/>
+            <pc:sldMk cId="3541864863" sldId="271"/>
+            <ac:picMk id="6" creationId="{863B093B-97E0-450D-82AF-E7A18F0FFB1E}"/>
+          </ac:picMkLst>
+        </pc:picChg>
+      </pc:sldChg>
+    </pc:docChg>
+  </pc:docChgLst>
+</pc:chgInfo>
 </file>
 
 <file path=ppt/slideLayouts/slideLayout1.xml><?xml version="1.0" encoding="utf-8"?>
@@ -467,7 +893,7 @@
             <a:fld id="{5923F103-BC34-4FE4-A40E-EDDEECFDA5D0}" type="datetimeFigureOut">
               <a:rPr lang="en-US" dirty="0"/>
               <a:pPr/>
-              <a:t>12/21/2018</a:t>
+              <a:t>3/27/2019</a:t>
             </a:fld>
             <a:endParaRPr lang="en-US" dirty="0"/>
           </a:p>
@@ -1555,7 +1981,7 @@
           <a:p>
             <a:fld id="{923A1CC3-2375-41D4-9E03-427CAF2A4C1A}" type="datetimeFigureOut">
               <a:rPr lang="en-US" dirty="0"/>
-              <a:t>12/21/2018</a:t>
+              <a:t>3/27/2019</a:t>
             </a:fld>
             <a:endParaRPr lang="en-US" dirty="0"/>
           </a:p>
@@ -2535,7 +2961,7 @@
           <a:p>
             <a:fld id="{AFF16868-8199-4C2C-A5B1-63AEE139F88E}" type="datetimeFigureOut">
               <a:rPr lang="en-US" dirty="0"/>
-              <a:t>12/21/2018</a:t>
+              <a:t>3/27/2019</a:t>
             </a:fld>
             <a:endParaRPr lang="en-US" dirty="0"/>
           </a:p>
@@ -3669,7 +4095,7 @@
           <a:p>
             <a:fld id="{AAD9FF7F-6988-44CC-821B-644E70CD2F73}" type="datetimeFigureOut">
               <a:rPr lang="en-US" dirty="0"/>
-              <a:t>12/21/2018</a:t>
+              <a:t>3/27/2019</a:t>
             </a:fld>
             <a:endParaRPr lang="en-US" dirty="0"/>
           </a:p>
@@ -4702,7 +5128,7 @@
           <a:p>
             <a:fld id="{5C12C299-16B2-4475-990D-751901EACC14}" type="datetimeFigureOut">
               <a:rPr lang="en-US" dirty="0"/>
-              <a:t>12/21/2018</a:t>
+              <a:t>3/27/2019</a:t>
             </a:fld>
             <a:endParaRPr lang="en-US" dirty="0"/>
           </a:p>
@@ -5362,7 +5788,7 @@
           <a:p>
             <a:fld id="{9FE86839-B9D8-4651-8783-F325ECE74E65}" type="datetimeFigureOut">
               <a:rPr lang="en-US" dirty="0"/>
-              <a:t>12/21/2018</a:t>
+              <a:t>3/27/2019</a:t>
             </a:fld>
             <a:endParaRPr lang="en-US" dirty="0"/>
           </a:p>
@@ -6223,7 +6649,7 @@
           <a:p>
             <a:fld id="{FD484F64-32F6-45C5-931F-ADC1662401D0}" type="datetimeFigureOut">
               <a:rPr lang="en-US" dirty="0"/>
-              <a:t>12/21/2018</a:t>
+              <a:t>3/27/2019</a:t>
             </a:fld>
             <a:endParaRPr lang="en-US" dirty="0"/>
           </a:p>
@@ -6413,7 +6839,7 @@
           <a:p>
             <a:fld id="{53086D93-FCAC-47E0-A2EE-787E62CA814C}" type="datetimeFigureOut">
               <a:rPr lang="en-US" dirty="0"/>
-              <a:t>12/21/2018</a:t>
+              <a:t>3/27/2019</a:t>
             </a:fld>
             <a:endParaRPr lang="en-US" dirty="0"/>
           </a:p>
@@ -7385,7 +7811,7 @@
           <a:p>
             <a:fld id="{CDA879A6-0FD0-4734-A311-86BFCA472E6E}" type="datetimeFigureOut">
               <a:rPr lang="en-US" dirty="0"/>
-              <a:t>12/21/2018</a:t>
+              <a:t>3/27/2019</a:t>
             </a:fld>
             <a:endParaRPr lang="en-US" dirty="0"/>
           </a:p>
@@ -7596,7 +8022,7 @@
           <a:p>
             <a:fld id="{19C9CA7B-DFD4-44B5-8C60-D14B8CD1FB59}" type="datetimeFigureOut">
               <a:rPr lang="en-US" dirty="0"/>
-              <a:t>12/21/2018</a:t>
+              <a:t>3/27/2019</a:t>
             </a:fld>
             <a:endParaRPr lang="en-US" dirty="0"/>
           </a:p>
@@ -8630,7 +9056,7 @@
           <a:p>
             <a:fld id="{F34E6425-0181-43F2-84FC-787E803FD2F8}" type="datetimeFigureOut">
               <a:rPr lang="en-US" dirty="0"/>
-              <a:t>12/21/2018</a:t>
+              <a:t>3/27/2019</a:t>
             </a:fld>
             <a:endParaRPr lang="en-US" dirty="0"/>
           </a:p>
@@ -8902,7 +9328,7 @@
           <a:p>
             <a:fld id="{3BDB8791-F1B0-41E7-B7FD-A781E65C4266}" type="datetimeFigureOut">
               <a:rPr lang="en-US" dirty="0"/>
-              <a:t>12/21/2018</a:t>
+              <a:t>3/27/2019</a:t>
             </a:fld>
             <a:endParaRPr lang="en-US" dirty="0"/>
           </a:p>
@@ -9312,7 +9738,7 @@
           <a:p>
             <a:fld id="{5FDD63B2-E120-4ED8-B27B-C685F510A5FE}" type="datetimeFigureOut">
               <a:rPr lang="en-US" dirty="0"/>
-              <a:t>12/21/2018</a:t>
+              <a:t>3/27/2019</a:t>
             </a:fld>
             <a:endParaRPr lang="en-US" dirty="0"/>
           </a:p>
@@ -9439,7 +9865,7 @@
           <a:p>
             <a:fld id="{7AA18ACC-A947-437B-A130-35BD54FDF1E9}" type="datetimeFigureOut">
               <a:rPr lang="en-US" dirty="0"/>
-              <a:t>12/21/2018</a:t>
+              <a:t>3/27/2019</a:t>
             </a:fld>
             <a:endParaRPr lang="en-US" dirty="0"/>
           </a:p>
@@ -9534,7 +9960,7 @@
           <a:p>
             <a:fld id="{7C8D7E02-BCB8-4D50-A234-369438C08659}" type="datetimeFigureOut">
               <a:rPr lang="en-US" dirty="0"/>
-              <a:t>12/21/2018</a:t>
+              <a:t>3/27/2019</a:t>
             </a:fld>
             <a:endParaRPr lang="en-US" dirty="0"/>
           </a:p>
@@ -10615,7 +11041,7 @@
           <a:p>
             <a:fld id="{76E86A4C-8E40-4F87-A4F0-01A0687C5742}" type="datetimeFigureOut">
               <a:rPr lang="en-US" dirty="0"/>
-              <a:t>12/21/2018</a:t>
+              <a:t>3/27/2019</a:t>
             </a:fld>
             <a:endParaRPr lang="en-US" dirty="0"/>
           </a:p>
@@ -11723,7 +12149,7 @@
           <a:p>
             <a:fld id="{35E72C73-2D91-4E12-BA25-F0AA0C03599B}" type="datetimeFigureOut">
               <a:rPr lang="en-US" dirty="0"/>
-              <a:t>12/21/2018</a:t>
+              <a:t>3/27/2019</a:t>
             </a:fld>
             <a:endParaRPr lang="en-US" dirty="0"/>
           </a:p>
@@ -12720,7 +13146,7 @@
           <a:p>
             <a:fld id="{2BE451C3-0FF4-47C4-B829-773ADF60F88C}" type="datetimeFigureOut">
               <a:rPr lang="en-US" dirty="0"/>
-              <a:t>12/21/2018</a:t>
+              <a:t>3/27/2019</a:t>
             </a:fld>
             <a:endParaRPr lang="en-US" dirty="0"/>
           </a:p>
@@ -13602,7 +14028,19 @@
               <a:rPr lang="en-US" dirty="0">
                 <a:latin typeface="Folks-Light" panose="02000403020000020004" pitchFamily="2" charset="0"/>
               </a:rPr>
-              <a:t>R/ASKMEN</a:t>
+              <a:t>R/ASKMEN </a:t>
+            </a:r>
+            <a:r>
+              <a:rPr lang="en-US" sz="1600" dirty="0">
+                <a:solidFill>
+                  <a:schemeClr val="accent1">
+                    <a:lumMod val="40000"/>
+                    <a:lumOff val="60000"/>
+                  </a:schemeClr>
+                </a:solidFill>
+                <a:latin typeface="Folks-Light" panose="02000403020000020004" pitchFamily="2" charset="0"/>
+              </a:rPr>
+              <a:t>LINGUISTIC PATTERNS</a:t>
             </a:r>
           </a:p>
         </p:txBody>
@@ -13625,22 +14063,26 @@
         </p:nvSpPr>
         <p:spPr>
           <a:xfrm>
-            <a:off x="771771" y="1874743"/>
-            <a:ext cx="4627420" cy="4221018"/>
+            <a:off x="701343" y="1773381"/>
+            <a:ext cx="4849091" cy="4580345"/>
           </a:xfrm>
         </p:spPr>
         <p:txBody>
           <a:bodyPr>
-            <a:normAutofit fontScale="70000" lnSpcReduction="20000"/>
+            <a:normAutofit fontScale="92500" lnSpcReduction="10000"/>
           </a:bodyPr>
           <a:lstStyle/>
           <a:p>
-            <a:pPr marL="0" indent="0">
+            <a:pPr>
+              <a:spcAft>
+                <a:spcPts val="600"/>
+              </a:spcAft>
               <a:buClr>
                 <a:schemeClr val="bg1"/>
               </a:buClr>
               <a:buSzPct val="75000"/>
-              <a:buNone/>
+              <a:buFont typeface="Wingdings" panose="05000000000000000000" pitchFamily="2" charset="2"/>
+              <a:buChar char="v"/>
             </a:pPr>
             <a:r>
               <a:rPr lang="en-US" sz="2100" dirty="0">
@@ -13649,16 +14091,60 @@
                 </a:solidFill>
                 <a:latin typeface="Abadi Extra Light" panose="020B0204020104020204" pitchFamily="34" charset="0"/>
               </a:rPr>
-              <a:t>“Well, most likely if she’s </a:t>
-            </a:r>
+              <a:t>Casual male language:</a:t>
+            </a:r>
+          </a:p>
+          <a:p>
+            <a:pPr lvl="1">
+              <a:spcAft>
+                <a:spcPts val="600"/>
+              </a:spcAft>
+              <a:buClr>
+                <a:schemeClr val="bg1"/>
+              </a:buClr>
+              <a:buSzPct val="75000"/>
+              <a:buFont typeface="Wingdings" panose="05000000000000000000" pitchFamily="2" charset="2"/>
+              <a:buChar char="v"/>
+            </a:pPr>
+            <a:r>
+              <a:rPr lang="en-US" sz="1900" dirty="0">
+                <a:solidFill>
+                  <a:srgbClr val="FCDCED"/>
+                </a:solidFill>
+                <a:latin typeface="Abadi Extra Light" panose="020B0204020104020204" pitchFamily="34" charset="0"/>
+              </a:rPr>
+              <a:t>“at it”, “down to”, “got to”, “me and my”, “the ones”, “do something”</a:t>
+            </a:r>
+          </a:p>
+          <a:p>
+            <a:pPr>
+              <a:spcAft>
+                <a:spcPts val="600"/>
+              </a:spcAft>
+              <a:buClr>
+                <a:schemeClr val="bg1"/>
+              </a:buClr>
+              <a:buSzPct val="75000"/>
+              <a:buFont typeface="Wingdings" panose="05000000000000000000" pitchFamily="2" charset="2"/>
+              <a:buChar char="v"/>
+            </a:pPr>
             <a:r>
               <a:rPr lang="en-US" sz="2100" dirty="0">
                 <a:solidFill>
-                  <a:schemeClr val="tx1"/>
-                </a:solidFill>
-                <a:latin typeface="Abadi Extra Light" panose="020B0204020104020204" pitchFamily="34" charset="0"/>
-              </a:rPr>
-              <a:t>[expletive content] </a:t>
+                  <a:srgbClr val="FCDCED"/>
+                </a:solidFill>
+                <a:latin typeface="Abadi Extra Light" panose="020B0204020104020204" pitchFamily="34" charset="0"/>
+              </a:rPr>
+              <a:t>Testosterone/</a:t>
+            </a:r>
+            <a:r>
+              <a:rPr lang="en-US" sz="2100" dirty="0" err="1">
+                <a:solidFill>
+                  <a:srgbClr val="FCDCED"/>
+                </a:solidFill>
+                <a:latin typeface="Abadi Extra Light" panose="020B0204020104020204" pitchFamily="34" charset="0"/>
+              </a:rPr>
+              <a:t>hardo</a:t>
             </a:r>
             <a:r>
               <a:rPr lang="en-US" sz="2100" dirty="0">
@@ -13667,17 +14153,93 @@
                 </a:solidFill>
                 <a:latin typeface="Abadi Extra Light" panose="020B0204020104020204" pitchFamily="34" charset="0"/>
               </a:rPr>
-              <a:t>she probably likes you. Unless it’s for money or drugs, then it’s very possible she don’t give a </a:t>
-            </a:r>
+              <a:t> language:  </a:t>
+            </a:r>
+          </a:p>
+          <a:p>
+            <a:pPr lvl="1">
+              <a:spcAft>
+                <a:spcPts val="600"/>
+              </a:spcAft>
+              <a:buClr>
+                <a:schemeClr val="bg1"/>
+              </a:buClr>
+              <a:buSzPct val="75000"/>
+              <a:buFont typeface="Wingdings" panose="05000000000000000000" pitchFamily="2" charset="2"/>
+              <a:buChar char="v"/>
+            </a:pPr>
+            <a:r>
+              <a:rPr lang="en-US" sz="1900" dirty="0">
+                <a:solidFill>
+                  <a:srgbClr val="FCDCED"/>
+                </a:solidFill>
+                <a:latin typeface="Abadi Extra Light" panose="020B0204020104020204" pitchFamily="34" charset="0"/>
+              </a:rPr>
+              <a:t>“crew”, ”beast”, “built”, “hero”, “bro”</a:t>
+            </a:r>
+          </a:p>
+          <a:p>
+            <a:pPr>
+              <a:spcAft>
+                <a:spcPts val="600"/>
+              </a:spcAft>
+              <a:buClr>
+                <a:schemeClr val="bg1"/>
+              </a:buClr>
+              <a:buSzPct val="75000"/>
+              <a:buFont typeface="Wingdings" panose="05000000000000000000" pitchFamily="2" charset="2"/>
+              <a:buChar char="v"/>
+            </a:pPr>
             <a:r>
               <a:rPr lang="en-US" sz="2100" dirty="0">
                 <a:solidFill>
-                  <a:schemeClr val="tx1"/>
-                </a:solidFill>
-                <a:latin typeface="Abadi Extra Light" panose="020B0204020104020204" pitchFamily="34" charset="0"/>
-              </a:rPr>
-              <a:t>[expletive] </a:t>
-            </a:r>
+                  <a:srgbClr val="FCDCED"/>
+                </a:solidFill>
+                <a:latin typeface="Abadi Extra Light" panose="020B0204020104020204" pitchFamily="34" charset="0"/>
+              </a:rPr>
+              <a:t>Impersonal/analytical language:</a:t>
+            </a:r>
+          </a:p>
+          <a:p>
+            <a:pPr lvl="1">
+              <a:spcAft>
+                <a:spcPts val="600"/>
+              </a:spcAft>
+              <a:buClr>
+                <a:schemeClr val="bg1"/>
+              </a:buClr>
+              <a:buSzPct val="75000"/>
+              <a:buFont typeface="Wingdings" panose="05000000000000000000" pitchFamily="2" charset="2"/>
+              <a:buChar char="v"/>
+            </a:pPr>
+            <a:r>
+              <a:rPr lang="en-US" sz="1900" dirty="0">
+                <a:solidFill>
+                  <a:srgbClr val="FCDCED"/>
+                </a:solidFill>
+                <a:latin typeface="Abadi Extra Light" panose="020B0204020104020204" pitchFamily="34" charset="0"/>
+              </a:rPr>
+              <a:t>“more that”, “than was”, “perhaps”, “may”,  “if so”, “contact with”, “however” </a:t>
+            </a:r>
+            <a:endParaRPr lang="en-US" sz="2100" dirty="0">
+              <a:solidFill>
+                <a:srgbClr val="FCDCED"/>
+              </a:solidFill>
+              <a:latin typeface="Abadi Extra Light" panose="020B0204020104020204" pitchFamily="34" charset="0"/>
+            </a:endParaRPr>
+          </a:p>
+          <a:p>
+            <a:pPr>
+              <a:spcAft>
+                <a:spcPts val="600"/>
+              </a:spcAft>
+              <a:buClr>
+                <a:schemeClr val="bg1"/>
+              </a:buClr>
+              <a:buSzPct val="75000"/>
+              <a:buFont typeface="Wingdings" panose="05000000000000000000" pitchFamily="2" charset="2"/>
+              <a:buChar char="v"/>
+            </a:pPr>
             <a:r>
               <a:rPr lang="en-US" sz="2100" dirty="0">
                 <a:solidFill>
@@ -13685,636 +14247,69 @@
                 </a:solidFill>
                 <a:latin typeface="Abadi Extra Light" panose="020B0204020104020204" pitchFamily="34" charset="0"/>
               </a:rPr>
-              <a:t>or even really not like </a:t>
-            </a:r>
-            <a:r>
-              <a:rPr lang="en-US" sz="2100" dirty="0" err="1">
-                <a:solidFill>
-                  <a:srgbClr val="FCDCED"/>
-                </a:solidFill>
-                <a:latin typeface="Abadi Extra Light" panose="020B0204020104020204" pitchFamily="34" charset="0"/>
-              </a:rPr>
-              <a:t>yo</a:t>
-            </a:r>
-            <a:r>
-              <a:rPr lang="en-US" sz="2100" dirty="0">
-                <a:solidFill>
-                  <a:srgbClr val="FCDCED"/>
-                </a:solidFill>
-                <a:latin typeface="Abadi Extra Light" panose="020B0204020104020204" pitchFamily="34" charset="0"/>
-              </a:rPr>
-              <a:t> ass. Assuming this </a:t>
-            </a:r>
-            <a:r>
-              <a:rPr lang="en-US" sz="2100" dirty="0">
-                <a:solidFill>
-                  <a:schemeClr val="tx1"/>
-                </a:solidFill>
-                <a:latin typeface="Abadi Extra Light" panose="020B0204020104020204" pitchFamily="34" charset="0"/>
-              </a:rPr>
-              <a:t>[expletive] </a:t>
-            </a:r>
-            <a:r>
-              <a:rPr lang="en-US" sz="2100" dirty="0">
-                <a:solidFill>
-                  <a:srgbClr val="FCDCED"/>
-                </a:solidFill>
-                <a:latin typeface="Abadi Extra Light" panose="020B0204020104020204" pitchFamily="34" charset="0"/>
-              </a:rPr>
-              <a:t>is </a:t>
-            </a:r>
-            <a:r>
-              <a:rPr lang="en-US" sz="2100" dirty="0">
-                <a:solidFill>
-                  <a:schemeClr val="tx1"/>
-                </a:solidFill>
-                <a:latin typeface="Abadi Extra Light" panose="020B0204020104020204" pitchFamily="34" charset="0"/>
-              </a:rPr>
-              <a:t>[expletive content] </a:t>
-            </a:r>
-            <a:r>
-              <a:rPr lang="en-US" sz="2100" dirty="0">
-                <a:solidFill>
-                  <a:srgbClr val="FCDCED"/>
-                </a:solidFill>
-                <a:latin typeface="Abadi Extra Light" panose="020B0204020104020204" pitchFamily="34" charset="0"/>
-              </a:rPr>
-              <a:t>for free, if she </a:t>
-            </a:r>
-            <a:r>
-              <a:rPr lang="en-US" sz="2100" dirty="0">
-                <a:solidFill>
-                  <a:schemeClr val="tx1"/>
-                </a:solidFill>
-                <a:latin typeface="Abadi Extra Light" panose="020B0204020104020204" pitchFamily="34" charset="0"/>
-              </a:rPr>
-              <a:t>[expletive content] </a:t>
-            </a:r>
-            <a:r>
-              <a:rPr lang="en-US" sz="2100" dirty="0">
-                <a:solidFill>
-                  <a:srgbClr val="FCDCED"/>
-                </a:solidFill>
-                <a:latin typeface="Abadi Extra Light" panose="020B0204020104020204" pitchFamily="34" charset="0"/>
-              </a:rPr>
-              <a:t>without you having to say shit, that </a:t>
-            </a:r>
-            <a:r>
-              <a:rPr lang="en-US" sz="2100" dirty="0" err="1">
-                <a:solidFill>
-                  <a:srgbClr val="FCDCED"/>
-                </a:solidFill>
-                <a:latin typeface="Abadi Extra Light" panose="020B0204020104020204" pitchFamily="34" charset="0"/>
-              </a:rPr>
-              <a:t>bish</a:t>
-            </a:r>
-            <a:r>
-              <a:rPr lang="en-US" sz="2100" dirty="0">
-                <a:solidFill>
-                  <a:srgbClr val="FCDCED"/>
-                </a:solidFill>
-                <a:latin typeface="Abadi Extra Light" panose="020B0204020104020204" pitchFamily="34" charset="0"/>
-              </a:rPr>
-              <a:t> in Love, </a:t>
-            </a:r>
-            <a:r>
-              <a:rPr lang="en-US" sz="2100" dirty="0">
-                <a:solidFill>
-                  <a:schemeClr val="tx1"/>
-                </a:solidFill>
-                <a:latin typeface="Abadi Extra Light" panose="020B0204020104020204" pitchFamily="34" charset="0"/>
-              </a:rPr>
-              <a:t>[expletive]</a:t>
-            </a:r>
-            <a:r>
-              <a:rPr lang="en-US" sz="2100" dirty="0">
-                <a:solidFill>
-                  <a:srgbClr val="FCDCED"/>
-                </a:solidFill>
-                <a:latin typeface="Abadi Extra Light" panose="020B0204020104020204" pitchFamily="34" charset="0"/>
-              </a:rPr>
-              <a:t>. L.O.V.E. If she </a:t>
-            </a:r>
-            <a:r>
-              <a:rPr lang="en-US" sz="2100" dirty="0">
-                <a:solidFill>
-                  <a:schemeClr val="tx1"/>
-                </a:solidFill>
-                <a:latin typeface="Abadi Extra Light" panose="020B0204020104020204" pitchFamily="34" charset="0"/>
-              </a:rPr>
-              <a:t>[expletive content]</a:t>
-            </a:r>
-            <a:r>
-              <a:rPr lang="en-US" sz="2100" dirty="0">
-                <a:solidFill>
-                  <a:srgbClr val="FCDCED"/>
-                </a:solidFill>
-                <a:latin typeface="Abadi Extra Light" panose="020B0204020104020204" pitchFamily="34" charset="0"/>
-              </a:rPr>
-              <a:t>, she might like you and just be an ungrateful rude </a:t>
-            </a:r>
-            <a:r>
-              <a:rPr lang="en-US" sz="2100" dirty="0">
-                <a:solidFill>
-                  <a:schemeClr val="tx1"/>
-                </a:solidFill>
-                <a:latin typeface="Abadi Extra Light" panose="020B0204020104020204" pitchFamily="34" charset="0"/>
-              </a:rPr>
-              <a:t>[expletive]</a:t>
-            </a:r>
-            <a:r>
-              <a:rPr lang="en-US" sz="2100" dirty="0">
-                <a:solidFill>
-                  <a:srgbClr val="FCDCED"/>
-                </a:solidFill>
-                <a:latin typeface="Abadi Extra Light" panose="020B0204020104020204" pitchFamily="34" charset="0"/>
-              </a:rPr>
-              <a:t>, or she think you nasty and therefore your </a:t>
-            </a:r>
-            <a:r>
-              <a:rPr lang="en-US" sz="2100" dirty="0">
-                <a:solidFill>
-                  <a:schemeClr val="tx1"/>
-                </a:solidFill>
-                <a:latin typeface="Abadi Extra Light" panose="020B0204020104020204" pitchFamily="34" charset="0"/>
-              </a:rPr>
-              <a:t>[expletive content]</a:t>
-            </a:r>
-            <a:r>
-              <a:rPr lang="en-US" sz="2100" dirty="0">
-                <a:solidFill>
-                  <a:srgbClr val="FCDCED"/>
-                </a:solidFill>
-                <a:latin typeface="Abadi Extra Light" panose="020B0204020104020204" pitchFamily="34" charset="0"/>
-              </a:rPr>
-              <a:t>. If That </a:t>
-            </a:r>
-            <a:r>
-              <a:rPr lang="en-US" sz="2100" dirty="0" err="1">
-                <a:solidFill>
-                  <a:srgbClr val="FCDCED"/>
-                </a:solidFill>
-                <a:latin typeface="Abadi Extra Light" panose="020B0204020104020204" pitchFamily="34" charset="0"/>
-              </a:rPr>
-              <a:t>bish</a:t>
-            </a:r>
-            <a:r>
-              <a:rPr lang="en-US" sz="2100" dirty="0">
-                <a:solidFill>
-                  <a:srgbClr val="FCDCED"/>
-                </a:solidFill>
-                <a:latin typeface="Abadi Extra Light" panose="020B0204020104020204" pitchFamily="34" charset="0"/>
-              </a:rPr>
-              <a:t> don’t even let you </a:t>
-            </a:r>
-            <a:r>
-              <a:rPr lang="en-US" sz="2100" dirty="0">
-                <a:solidFill>
-                  <a:schemeClr val="tx1"/>
-                </a:solidFill>
-                <a:latin typeface="Abadi Extra Light" panose="020B0204020104020204" pitchFamily="34" charset="0"/>
-              </a:rPr>
-              <a:t>[expletive content]</a:t>
-            </a:r>
-            <a:r>
-              <a:rPr lang="en-US" sz="2100" dirty="0">
-                <a:solidFill>
-                  <a:srgbClr val="FCDCED"/>
-                </a:solidFill>
-                <a:latin typeface="Abadi Extra Light" panose="020B0204020104020204" pitchFamily="34" charset="0"/>
-              </a:rPr>
-              <a:t>, like right before you </a:t>
-            </a:r>
-            <a:r>
-              <a:rPr lang="en-US" sz="2100" dirty="0">
-                <a:solidFill>
-                  <a:schemeClr val="tx1"/>
-                </a:solidFill>
-                <a:latin typeface="Abadi Extra Light" panose="020B0204020104020204" pitchFamily="34" charset="0"/>
-              </a:rPr>
-              <a:t>[expletive content] </a:t>
-            </a:r>
-            <a:r>
-              <a:rPr lang="en-US" sz="2100" dirty="0">
-                <a:solidFill>
-                  <a:srgbClr val="FCDCED"/>
-                </a:solidFill>
-                <a:latin typeface="Abadi Extra Light" panose="020B0204020104020204" pitchFamily="34" charset="0"/>
-              </a:rPr>
-              <a:t>she pulls away, dump That </a:t>
-            </a:r>
-            <a:r>
-              <a:rPr lang="en-US" sz="2100" dirty="0">
-                <a:solidFill>
-                  <a:schemeClr val="tx1"/>
-                </a:solidFill>
-                <a:latin typeface="Abadi Extra Light" panose="020B0204020104020204" pitchFamily="34" charset="0"/>
-              </a:rPr>
-              <a:t>[expletive]</a:t>
-            </a:r>
-            <a:r>
-              <a:rPr lang="en-US" sz="2100" dirty="0">
-                <a:solidFill>
-                  <a:srgbClr val="FCDCED"/>
-                </a:solidFill>
-                <a:latin typeface="Abadi Extra Light" panose="020B0204020104020204" pitchFamily="34" charset="0"/>
-              </a:rPr>
-              <a:t> as soon as </a:t>
-            </a:r>
-            <a:r>
-              <a:rPr lang="en-US" sz="2100" dirty="0">
-                <a:solidFill>
-                  <a:schemeClr val="tx1"/>
-                </a:solidFill>
-                <a:latin typeface="Abadi Extra Light" panose="020B0204020104020204" pitchFamily="34" charset="0"/>
-              </a:rPr>
-              <a:t>[expletive content]</a:t>
-            </a:r>
-            <a:r>
-              <a:rPr lang="en-US" sz="2100" dirty="0">
-                <a:solidFill>
-                  <a:srgbClr val="FCDCED"/>
-                </a:solidFill>
-                <a:latin typeface="Abadi Extra Light" panose="020B0204020104020204" pitchFamily="34" charset="0"/>
-              </a:rPr>
-              <a:t>. Shit. Not only is she not </a:t>
-            </a:r>
-            <a:r>
-              <a:rPr lang="en-US" sz="2100" dirty="0" err="1">
-                <a:solidFill>
-                  <a:srgbClr val="FCDCED"/>
-                </a:solidFill>
-                <a:latin typeface="Abadi Extra Light" panose="020B0204020104020204" pitchFamily="34" charset="0"/>
-              </a:rPr>
-              <a:t>feelin</a:t>
-            </a:r>
-            <a:r>
-              <a:rPr lang="en-US" sz="2100" dirty="0">
-                <a:solidFill>
-                  <a:srgbClr val="FCDCED"/>
-                </a:solidFill>
-                <a:latin typeface="Abadi Extra Light" panose="020B0204020104020204" pitchFamily="34" charset="0"/>
-              </a:rPr>
-              <a:t> you, </a:t>
-            </a:r>
-            <a:r>
-              <a:rPr lang="en-US" sz="2100" dirty="0" err="1">
-                <a:solidFill>
-                  <a:srgbClr val="FCDCED"/>
-                </a:solidFill>
-                <a:latin typeface="Abadi Extra Light" panose="020B0204020104020204" pitchFamily="34" charset="0"/>
-              </a:rPr>
-              <a:t>bish</a:t>
-            </a:r>
-            <a:r>
-              <a:rPr lang="en-US" sz="2100" dirty="0">
-                <a:solidFill>
-                  <a:srgbClr val="FCDCED"/>
-                </a:solidFill>
-                <a:latin typeface="Abadi Extra Light" panose="020B0204020104020204" pitchFamily="34" charset="0"/>
-              </a:rPr>
-              <a:t> was scheming some way to get something besides </a:t>
-            </a:r>
-            <a:r>
-              <a:rPr lang="en-US" sz="2100" dirty="0" err="1">
-                <a:solidFill>
-                  <a:srgbClr val="FCDCED"/>
-                </a:solidFill>
-                <a:latin typeface="Abadi Extra Light" panose="020B0204020104020204" pitchFamily="34" charset="0"/>
-              </a:rPr>
-              <a:t>yo</a:t>
-            </a:r>
-            <a:r>
-              <a:rPr lang="en-US" sz="2100" dirty="0">
-                <a:solidFill>
-                  <a:srgbClr val="FCDCED"/>
-                </a:solidFill>
-                <a:latin typeface="Abadi Extra Light" panose="020B0204020104020204" pitchFamily="34" charset="0"/>
-              </a:rPr>
-              <a:t> heart out of </a:t>
-            </a:r>
-            <a:r>
-              <a:rPr lang="en-US" sz="2100" dirty="0" err="1">
-                <a:solidFill>
-                  <a:srgbClr val="FCDCED"/>
-                </a:solidFill>
-                <a:latin typeface="Abadi Extra Light" panose="020B0204020104020204" pitchFamily="34" charset="0"/>
-              </a:rPr>
-              <a:t>yo</a:t>
-            </a:r>
-            <a:r>
-              <a:rPr lang="en-US" sz="2100" dirty="0">
-                <a:solidFill>
-                  <a:srgbClr val="FCDCED"/>
-                </a:solidFill>
-                <a:latin typeface="Abadi Extra Light" panose="020B0204020104020204" pitchFamily="34" charset="0"/>
-              </a:rPr>
-              <a:t> </a:t>
-            </a:r>
-            <a:r>
-              <a:rPr lang="en-US" sz="2100" dirty="0">
-                <a:solidFill>
-                  <a:schemeClr val="tx1"/>
-                </a:solidFill>
-                <a:latin typeface="Abadi Extra Light" panose="020B0204020104020204" pitchFamily="34" charset="0"/>
-              </a:rPr>
-              <a:t>[expletive]</a:t>
-            </a:r>
-            <a:r>
-              <a:rPr lang="en-US" sz="2100" dirty="0">
-                <a:solidFill>
-                  <a:srgbClr val="FCDCED"/>
-                </a:solidFill>
-                <a:latin typeface="Abadi Extra Light" panose="020B0204020104020204" pitchFamily="34" charset="0"/>
-              </a:rPr>
-              <a:t>. And you don’t want an ungrateful rude, prude </a:t>
-            </a:r>
-            <a:r>
-              <a:rPr lang="en-US" sz="2100" dirty="0">
-                <a:solidFill>
-                  <a:schemeClr val="tx1"/>
-                </a:solidFill>
-                <a:latin typeface="Abadi Extra Light" panose="020B0204020104020204" pitchFamily="34" charset="0"/>
-              </a:rPr>
-              <a:t>[expletive]</a:t>
-            </a:r>
-            <a:r>
-              <a:rPr lang="en-US" sz="2100" dirty="0">
-                <a:solidFill>
-                  <a:srgbClr val="FCDCED"/>
-                </a:solidFill>
-                <a:latin typeface="Abadi Extra Light" panose="020B0204020104020204" pitchFamily="34" charset="0"/>
-              </a:rPr>
-              <a:t>, no fun having </a:t>
-            </a:r>
-            <a:r>
-              <a:rPr lang="en-US" sz="2100" dirty="0">
-                <a:solidFill>
-                  <a:schemeClr val="tx1"/>
-                </a:solidFill>
-                <a:latin typeface="Abadi Extra Light" panose="020B0204020104020204" pitchFamily="34" charset="0"/>
-              </a:rPr>
-              <a:t>[expletive content] </a:t>
-            </a:r>
-            <a:r>
-              <a:rPr lang="en-US" sz="2100" dirty="0">
-                <a:solidFill>
-                  <a:srgbClr val="FCDCED"/>
-                </a:solidFill>
-                <a:latin typeface="Abadi Extra Light" panose="020B0204020104020204" pitchFamily="34" charset="0"/>
-              </a:rPr>
-              <a:t>like </a:t>
-            </a:r>
-            <a:r>
-              <a:rPr lang="en-US" sz="2100" dirty="0" err="1">
-                <a:solidFill>
-                  <a:srgbClr val="FCDCED"/>
-                </a:solidFill>
-                <a:latin typeface="Abadi Extra Light" panose="020B0204020104020204" pitchFamily="34" charset="0"/>
-              </a:rPr>
-              <a:t>Dat</a:t>
-            </a:r>
-            <a:r>
-              <a:rPr lang="en-US" sz="2100" dirty="0">
-                <a:solidFill>
-                  <a:srgbClr val="FCDCED"/>
-                </a:solidFill>
-                <a:latin typeface="Abadi Extra Light" panose="020B0204020104020204" pitchFamily="34" charset="0"/>
-              </a:rPr>
-              <a:t> anyway. Now I know you might think I’m </a:t>
-            </a:r>
-            <a:r>
-              <a:rPr lang="en-US" sz="2100" dirty="0" err="1">
-                <a:solidFill>
-                  <a:srgbClr val="FCDCED"/>
-                </a:solidFill>
-                <a:latin typeface="Abadi Extra Light" panose="020B0204020104020204" pitchFamily="34" charset="0"/>
-              </a:rPr>
-              <a:t>clownin</a:t>
-            </a:r>
-            <a:r>
-              <a:rPr lang="en-US" sz="2100" dirty="0">
-                <a:solidFill>
-                  <a:srgbClr val="FCDCED"/>
-                </a:solidFill>
-                <a:latin typeface="Abadi Extra Light" panose="020B0204020104020204" pitchFamily="34" charset="0"/>
-              </a:rPr>
-              <a:t>, but there’s a lot of </a:t>
-            </a:r>
-            <a:r>
-              <a:rPr lang="en-US" sz="2100" dirty="0" err="1">
-                <a:solidFill>
-                  <a:srgbClr val="FCDCED"/>
-                </a:solidFill>
-                <a:latin typeface="Abadi Extra Light" panose="020B0204020104020204" pitchFamily="34" charset="0"/>
-              </a:rPr>
-              <a:t>truf</a:t>
-            </a:r>
-            <a:r>
-              <a:rPr lang="en-US" sz="2100" dirty="0">
-                <a:solidFill>
-                  <a:srgbClr val="FCDCED"/>
-                </a:solidFill>
-                <a:latin typeface="Abadi Extra Light" panose="020B0204020104020204" pitchFamily="34" charset="0"/>
-              </a:rPr>
-              <a:t> to this shit I </a:t>
-            </a:r>
-            <a:r>
-              <a:rPr lang="en-US" sz="2100" dirty="0" err="1">
-                <a:solidFill>
-                  <a:srgbClr val="FCDCED"/>
-                </a:solidFill>
-                <a:latin typeface="Abadi Extra Light" panose="020B0204020104020204" pitchFamily="34" charset="0"/>
-              </a:rPr>
-              <a:t>ain’t</a:t>
-            </a:r>
-            <a:r>
-              <a:rPr lang="en-US" sz="2100" dirty="0">
-                <a:solidFill>
-                  <a:srgbClr val="FCDCED"/>
-                </a:solidFill>
-                <a:latin typeface="Abadi Extra Light" panose="020B0204020104020204" pitchFamily="34" charset="0"/>
-              </a:rPr>
-              <a:t> </a:t>
-            </a:r>
-            <a:r>
-              <a:rPr lang="en-US" sz="2100" dirty="0" err="1">
-                <a:solidFill>
-                  <a:srgbClr val="FCDCED"/>
-                </a:solidFill>
-                <a:latin typeface="Abadi Extra Light" panose="020B0204020104020204" pitchFamily="34" charset="0"/>
-              </a:rPr>
-              <a:t>playin</a:t>
-            </a:r>
-            <a:r>
-              <a:rPr lang="en-US" sz="2100" dirty="0">
-                <a:solidFill>
-                  <a:srgbClr val="FCDCED"/>
-                </a:solidFill>
-                <a:latin typeface="Abadi Extra Light" panose="020B0204020104020204" pitchFamily="34" charset="0"/>
-              </a:rPr>
-              <a:t>. See for </a:t>
-            </a:r>
-            <a:r>
-              <a:rPr lang="en-US" sz="2100" dirty="0" err="1">
-                <a:solidFill>
-                  <a:srgbClr val="FCDCED"/>
-                </a:solidFill>
-                <a:latin typeface="Abadi Extra Light" panose="020B0204020104020204" pitchFamily="34" charset="0"/>
-              </a:rPr>
-              <a:t>yoself</a:t>
-            </a:r>
-            <a:r>
-              <a:rPr lang="en-US" sz="2100" dirty="0">
-                <a:solidFill>
-                  <a:srgbClr val="FCDCED"/>
-                </a:solidFill>
-                <a:latin typeface="Abadi Extra Light" panose="020B0204020104020204" pitchFamily="34" charset="0"/>
-              </a:rPr>
-              <a:t> my man. Good luck to </a:t>
-            </a:r>
-            <a:r>
-              <a:rPr lang="en-US" sz="2100" dirty="0" err="1">
-                <a:solidFill>
-                  <a:srgbClr val="FCDCED"/>
-                </a:solidFill>
-                <a:latin typeface="Abadi Extra Light" panose="020B0204020104020204" pitchFamily="34" charset="0"/>
-              </a:rPr>
-              <a:t>ya</a:t>
-            </a:r>
-            <a:r>
-              <a:rPr lang="en-US" sz="2100" dirty="0">
-                <a:solidFill>
-                  <a:srgbClr val="FCDCED"/>
-                </a:solidFill>
-                <a:latin typeface="Abadi Extra Light" panose="020B0204020104020204" pitchFamily="34" charset="0"/>
-              </a:rPr>
-              <a:t>. Tell her it’s </a:t>
-            </a:r>
-            <a:r>
-              <a:rPr lang="en-US" sz="2100" dirty="0">
-                <a:solidFill>
-                  <a:schemeClr val="tx1"/>
-                </a:solidFill>
-                <a:latin typeface="Abadi Extra Light" panose="020B0204020104020204" pitchFamily="34" charset="0"/>
-              </a:rPr>
-              <a:t>[expletive content]</a:t>
-            </a:r>
-            <a:r>
-              <a:rPr lang="en-US" sz="2100" dirty="0">
-                <a:solidFill>
-                  <a:srgbClr val="FCDCED"/>
-                </a:solidFill>
-                <a:latin typeface="Abadi Extra Light" panose="020B0204020104020204" pitchFamily="34" charset="0"/>
-              </a:rPr>
-              <a:t>. Hopefully it </a:t>
-            </a:r>
-            <a:r>
-              <a:rPr lang="en-US" sz="2100" dirty="0" err="1">
-                <a:solidFill>
-                  <a:srgbClr val="FCDCED"/>
-                </a:solidFill>
-                <a:latin typeface="Abadi Extra Light" panose="020B0204020104020204" pitchFamily="34" charset="0"/>
-              </a:rPr>
-              <a:t>ain’t</a:t>
-            </a:r>
-            <a:r>
-              <a:rPr lang="en-US" sz="2100" dirty="0">
-                <a:solidFill>
-                  <a:srgbClr val="FCDCED"/>
-                </a:solidFill>
-                <a:latin typeface="Abadi Extra Light" panose="020B0204020104020204" pitchFamily="34" charset="0"/>
-              </a:rPr>
-              <a:t> </a:t>
-            </a:r>
-            <a:r>
-              <a:rPr lang="en-US" sz="2100" dirty="0">
-                <a:solidFill>
-                  <a:schemeClr val="tx1"/>
-                </a:solidFill>
-                <a:latin typeface="Abadi Extra Light" panose="020B0204020104020204" pitchFamily="34" charset="0"/>
-              </a:rPr>
-              <a:t>[expletive content] </a:t>
-            </a:r>
-            <a:r>
-              <a:rPr lang="en-US" sz="2100" dirty="0" err="1">
-                <a:solidFill>
-                  <a:srgbClr val="FCDCED"/>
-                </a:solidFill>
-                <a:latin typeface="Abadi Extra Light" panose="020B0204020104020204" pitchFamily="34" charset="0"/>
-              </a:rPr>
-              <a:t>haha</a:t>
-            </a:r>
-            <a:r>
-              <a:rPr lang="en-US" sz="2100" dirty="0">
-                <a:solidFill>
-                  <a:srgbClr val="FCDCED"/>
-                </a:solidFill>
-                <a:latin typeface="Abadi Extra Light" panose="020B0204020104020204" pitchFamily="34" charset="0"/>
-              </a:rPr>
-              <a:t> even if it is if she like you, or you giving enough </a:t>
-            </a:r>
-            <a:r>
-              <a:rPr lang="en-US" sz="2100" dirty="0" err="1">
-                <a:solidFill>
-                  <a:srgbClr val="FCDCED"/>
-                </a:solidFill>
-                <a:latin typeface="Abadi Extra Light" panose="020B0204020104020204" pitchFamily="34" charset="0"/>
-              </a:rPr>
-              <a:t>dollas</a:t>
-            </a:r>
-            <a:r>
-              <a:rPr lang="en-US" sz="2100" dirty="0">
-                <a:solidFill>
-                  <a:srgbClr val="FCDCED"/>
-                </a:solidFill>
-                <a:latin typeface="Abadi Extra Light" panose="020B0204020104020204" pitchFamily="34" charset="0"/>
-              </a:rPr>
-              <a:t>, or you tell her she </a:t>
-            </a:r>
-            <a:r>
-              <a:rPr lang="en-US" sz="2100" dirty="0" err="1">
-                <a:solidFill>
-                  <a:srgbClr val="FCDCED"/>
-                </a:solidFill>
-                <a:latin typeface="Abadi Extra Light" panose="020B0204020104020204" pitchFamily="34" charset="0"/>
-              </a:rPr>
-              <a:t>gonna</a:t>
-            </a:r>
-            <a:r>
-              <a:rPr lang="en-US" sz="2100" dirty="0">
-                <a:solidFill>
-                  <a:srgbClr val="FCDCED"/>
-                </a:solidFill>
-                <a:latin typeface="Abadi Extra Light" panose="020B0204020104020204" pitchFamily="34" charset="0"/>
-              </a:rPr>
-              <a:t> </a:t>
-            </a:r>
-            <a:r>
-              <a:rPr lang="en-US" sz="2100" dirty="0">
-                <a:solidFill>
-                  <a:schemeClr val="tx1"/>
-                </a:solidFill>
-                <a:latin typeface="Abadi Extra Light" panose="020B0204020104020204" pitchFamily="34" charset="0"/>
-              </a:rPr>
-              <a:t>[expletive content]</a:t>
-            </a:r>
-            <a:r>
-              <a:rPr lang="en-US" sz="2100" dirty="0">
-                <a:solidFill>
-                  <a:srgbClr val="FCDCED"/>
-                </a:solidFill>
-                <a:latin typeface="Abadi Extra Light" panose="020B0204020104020204" pitchFamily="34" charset="0"/>
-              </a:rPr>
-              <a:t>.”</a:t>
-            </a:r>
+              <a:t>Language that subtly dis-individualizes women:</a:t>
+            </a:r>
+          </a:p>
+          <a:p>
+            <a:pPr lvl="1">
+              <a:spcAft>
+                <a:spcPts val="600"/>
+              </a:spcAft>
+              <a:buClr>
+                <a:schemeClr val="bg1"/>
+              </a:buClr>
+              <a:buSzPct val="75000"/>
+              <a:buFont typeface="Wingdings" panose="05000000000000000000" pitchFamily="2" charset="2"/>
+              <a:buChar char="v"/>
+            </a:pPr>
+            <a:r>
+              <a:rPr lang="en-US" sz="1900" dirty="0">
+                <a:solidFill>
+                  <a:srgbClr val="FCDCED"/>
+                </a:solidFill>
+                <a:latin typeface="Abadi Extra Light" panose="020B0204020104020204" pitchFamily="34" charset="0"/>
+              </a:rPr>
+              <a:t>“the women”, “women that”, “feminists”</a:t>
+            </a:r>
+          </a:p>
+          <a:p>
+            <a:pPr>
+              <a:spcAft>
+                <a:spcPts val="600"/>
+              </a:spcAft>
+              <a:buClr>
+                <a:schemeClr val="bg1"/>
+              </a:buClr>
+              <a:buSzPct val="75000"/>
+              <a:buFont typeface="Wingdings" panose="05000000000000000000" pitchFamily="2" charset="2"/>
+              <a:buChar char="v"/>
+            </a:pPr>
+            <a:endParaRPr lang="en-US" sz="2100" dirty="0">
+              <a:solidFill>
+                <a:srgbClr val="FCDCED"/>
+              </a:solidFill>
+              <a:latin typeface="Abadi Extra Light" panose="020B0204020104020204" pitchFamily="34" charset="0"/>
+            </a:endParaRPr>
+          </a:p>
+          <a:p>
+            <a:pPr>
+              <a:buClr>
+                <a:schemeClr val="bg1"/>
+              </a:buClr>
+              <a:buSzPct val="75000"/>
+              <a:buFont typeface="Wingdings" panose="05000000000000000000" pitchFamily="2" charset="2"/>
+              <a:buChar char="v"/>
+            </a:pPr>
+            <a:endParaRPr lang="en-US" dirty="0">
+              <a:latin typeface="Abadi Extra Light" panose="020B0204020104020204" pitchFamily="34" charset="0"/>
+            </a:endParaRPr>
           </a:p>
         </p:txBody>
       </p:sp>
     </p:spTree>
     <p:extLst>
       <p:ext uri="{BB962C8B-B14F-4D97-AF65-F5344CB8AC3E}">
-        <p14:creationId xmlns:p14="http://schemas.microsoft.com/office/powerpoint/2010/main" val="3344811976"/>
+        <p14:creationId xmlns:p14="http://schemas.microsoft.com/office/powerpoint/2010/main" val="161934225"/>
       </p:ext>
     </p:extLst>
   </p:cSld>
@@ -14341,57 +14336,36 @@
           <a:chExt cx="0" cy="0"/>
         </a:xfrm>
       </p:grpSpPr>
-      <p:sp>
-        <p:nvSpPr>
-          <p:cNvPr id="9" name="Rectangle 8">
+      <p:pic>
+        <p:nvPicPr>
+          <p:cNvPr id="6" name="Picture 5">
             <a:extLst>
               <a:ext uri="{FF2B5EF4-FFF2-40B4-BE49-F238E27FC236}">
-                <a16:creationId xmlns:a16="http://schemas.microsoft.com/office/drawing/2014/main" id="{AD3DCD18-5AC9-4FE8-9610-B46093024439}"/>
+                <a16:creationId xmlns:a16="http://schemas.microsoft.com/office/drawing/2014/main" id="{863B093B-97E0-450D-82AF-E7A18F0FFB1E}"/>
               </a:ext>
             </a:extLst>
           </p:cNvPr>
-          <p:cNvSpPr/>
+          <p:cNvPicPr>
+            <a:picLocks noChangeAspect="1"/>
+          </p:cNvPicPr>
           <p:nvPr/>
-        </p:nvSpPr>
+        </p:nvPicPr>
+        <p:blipFill>
+          <a:blip r:embed="rId2"/>
+          <a:stretch>
+            <a:fillRect/>
+          </a:stretch>
+        </p:blipFill>
         <p:spPr>
           <a:xfrm>
-            <a:off x="6108384" y="1418253"/>
-            <a:ext cx="5382273" cy="2813716"/>
+            <a:off x="5685773" y="410257"/>
+            <a:ext cx="6337940" cy="6235024"/>
           </a:xfrm>
           <a:prstGeom prst="rect">
             <a:avLst/>
           </a:prstGeom>
-          <a:solidFill>
-            <a:schemeClr val="accent1">
-              <a:alpha val="90000"/>
-            </a:schemeClr>
-          </a:solidFill>
         </p:spPr>
-        <p:style>
-          <a:lnRef idx="2">
-            <a:schemeClr val="accent1">
-              <a:shade val="50000"/>
-            </a:schemeClr>
-          </a:lnRef>
-          <a:fillRef idx="1">
-            <a:schemeClr val="accent1"/>
-          </a:fillRef>
-          <a:effectRef idx="0">
-            <a:schemeClr val="accent1"/>
-          </a:effectRef>
-          <a:fontRef idx="minor">
-            <a:schemeClr val="lt1"/>
-          </a:fontRef>
-        </p:style>
-        <p:txBody>
-          <a:bodyPr rtlCol="0" anchor="ctr"/>
-          <a:lstStyle/>
-          <a:p>
-            <a:pPr algn="ctr"/>
-            <a:endParaRPr lang="en-US"/>
-          </a:p>
-        </p:txBody>
-      </p:sp>
+      </p:pic>
       <p:sp>
         <p:nvSpPr>
           <p:cNvPr id="4" name="Rectangle 3">
@@ -14462,7 +14436,7 @@
         <p:spPr>
           <a:xfrm>
             <a:off x="701343" y="618259"/>
-            <a:ext cx="9517478" cy="706964"/>
+            <a:ext cx="7149566" cy="706964"/>
           </a:xfrm>
         </p:spPr>
         <p:txBody>
@@ -14473,7 +14447,19 @@
               <a:rPr lang="en-US" dirty="0">
                 <a:latin typeface="Folks-Light" panose="02000403020000020004" pitchFamily="2" charset="0"/>
               </a:rPr>
-              <a:t>R/ASKMEN:  HEATMAPPING TEXT IN TABLEAU </a:t>
+              <a:t>R/ASKMEN </a:t>
+            </a:r>
+            <a:r>
+              <a:rPr lang="en-US" sz="1600" dirty="0">
+                <a:solidFill>
+                  <a:schemeClr val="accent1">
+                    <a:lumMod val="40000"/>
+                    <a:lumOff val="60000"/>
+                  </a:schemeClr>
+                </a:solidFill>
+                <a:latin typeface="Folks-Light" panose="02000403020000020004" pitchFamily="2" charset="0"/>
+              </a:rPr>
+              <a:t>SIGNATURE FILTH</a:t>
             </a:r>
           </a:p>
         </p:txBody>
@@ -14496,8 +14482,8 @@
         </p:nvSpPr>
         <p:spPr>
           <a:xfrm>
-            <a:off x="701343" y="1851659"/>
-            <a:ext cx="4762196" cy="4558471"/>
+            <a:off x="771771" y="1874743"/>
+            <a:ext cx="4627420" cy="4221018"/>
           </a:xfrm>
         </p:spPr>
         <p:txBody>
@@ -14520,44 +14506,1909 @@
                 </a:solidFill>
                 <a:latin typeface="Abadi Extra Light" panose="020B0204020104020204" pitchFamily="34" charset="0"/>
               </a:rPr>
-              <a:t>“You need to be able to distinguish between a girl that likes the attention you're giving her from a girl that likes you. Most girls at a party will smile and talk to you if you approach them with confidence. After you talk to her though, you need to find a way for her to invest in the interaction. If she never invests in it you never really know what she wants. Walking away from the girl without getting any info is a good way to do this. You started the first conversation, now she's on the spot. If she doesn't come up to you and talk to you again, she isn't getting your number. This forces her to be more than just a receiver of attention. If you're leaving the party, or think you might not see her again at that party. Give her your contact info, don't take any of hers. She's then forced to reach out to you if she wants things to go anywhere. Not only will this tell you if she's actually interested in you, it will make her more attracted. She will see that you aren't desperate, and that makes you more attractive. Girls can sense when the only reason you're talking to them is to get their number or something like that. They can see right through you. When you walk away without the number, she realizes you're not just trying to get her number, you actually just wanted to talk to her. That is attractive.”</a:t>
-            </a:r>
+              <a:t>“Well, most likely if she’s </a:t>
+            </a:r>
+            <a:r>
+              <a:rPr lang="en-US" sz="2100" dirty="0">
+                <a:solidFill>
+                  <a:schemeClr val="tx1"/>
+                </a:solidFill>
+                <a:latin typeface="Abadi Extra Light" panose="020B0204020104020204" pitchFamily="34" charset="0"/>
+              </a:rPr>
+              <a:t>[expletive content] </a:t>
+            </a:r>
+            <a:r>
+              <a:rPr lang="en-US" sz="2100" dirty="0">
+                <a:solidFill>
+                  <a:srgbClr val="FCDCED"/>
+                </a:solidFill>
+                <a:latin typeface="Abadi Extra Light" panose="020B0204020104020204" pitchFamily="34" charset="0"/>
+              </a:rPr>
+              <a:t>she probably likes you. Unless it’s for money or drugs, then it’s very possible she don’t give a </a:t>
+            </a:r>
+            <a:r>
+              <a:rPr lang="en-US" sz="2100" dirty="0">
+                <a:solidFill>
+                  <a:schemeClr val="tx1"/>
+                </a:solidFill>
+                <a:latin typeface="Abadi Extra Light" panose="020B0204020104020204" pitchFamily="34" charset="0"/>
+              </a:rPr>
+              <a:t>[expletive] </a:t>
+            </a:r>
+            <a:r>
+              <a:rPr lang="en-US" sz="2100" dirty="0">
+                <a:solidFill>
+                  <a:srgbClr val="FCDCED"/>
+                </a:solidFill>
+                <a:latin typeface="Abadi Extra Light" panose="020B0204020104020204" pitchFamily="34" charset="0"/>
+              </a:rPr>
+              <a:t>or even really not like </a:t>
+            </a:r>
+            <a:r>
+              <a:rPr lang="en-US" sz="2100" dirty="0" err="1">
+                <a:solidFill>
+                  <a:srgbClr val="FCDCED"/>
+                </a:solidFill>
+                <a:latin typeface="Abadi Extra Light" panose="020B0204020104020204" pitchFamily="34" charset="0"/>
+              </a:rPr>
+              <a:t>yo</a:t>
+            </a:r>
+            <a:r>
+              <a:rPr lang="en-US" sz="2100" dirty="0">
+                <a:solidFill>
+                  <a:srgbClr val="FCDCED"/>
+                </a:solidFill>
+                <a:latin typeface="Abadi Extra Light" panose="020B0204020104020204" pitchFamily="34" charset="0"/>
+              </a:rPr>
+              <a:t> ass. Assuming this </a:t>
+            </a:r>
+            <a:r>
+              <a:rPr lang="en-US" sz="2100" dirty="0">
+                <a:solidFill>
+                  <a:schemeClr val="tx1"/>
+                </a:solidFill>
+                <a:latin typeface="Abadi Extra Light" panose="020B0204020104020204" pitchFamily="34" charset="0"/>
+              </a:rPr>
+              <a:t>[expletive] </a:t>
+            </a:r>
+            <a:r>
+              <a:rPr lang="en-US" sz="2100" dirty="0">
+                <a:solidFill>
+                  <a:srgbClr val="FCDCED"/>
+                </a:solidFill>
+                <a:latin typeface="Abadi Extra Light" panose="020B0204020104020204" pitchFamily="34" charset="0"/>
+              </a:rPr>
+              <a:t>is </a:t>
+            </a:r>
+            <a:r>
+              <a:rPr lang="en-US" sz="2100" dirty="0">
+                <a:solidFill>
+                  <a:schemeClr val="tx1"/>
+                </a:solidFill>
+                <a:latin typeface="Abadi Extra Light" panose="020B0204020104020204" pitchFamily="34" charset="0"/>
+              </a:rPr>
+              <a:t>[expletive content] </a:t>
+            </a:r>
+            <a:r>
+              <a:rPr lang="en-US" sz="2100" dirty="0">
+                <a:solidFill>
+                  <a:srgbClr val="FCDCED"/>
+                </a:solidFill>
+                <a:latin typeface="Abadi Extra Light" panose="020B0204020104020204" pitchFamily="34" charset="0"/>
+              </a:rPr>
+              <a:t>for free, if she </a:t>
+            </a:r>
+            <a:r>
+              <a:rPr lang="en-US" sz="2100" dirty="0">
+                <a:solidFill>
+                  <a:schemeClr val="tx1"/>
+                </a:solidFill>
+                <a:latin typeface="Abadi Extra Light" panose="020B0204020104020204" pitchFamily="34" charset="0"/>
+              </a:rPr>
+              <a:t>[expletive content] </a:t>
+            </a:r>
+            <a:r>
+              <a:rPr lang="en-US" sz="2100" dirty="0">
+                <a:solidFill>
+                  <a:srgbClr val="FCDCED"/>
+                </a:solidFill>
+                <a:latin typeface="Abadi Extra Light" panose="020B0204020104020204" pitchFamily="34" charset="0"/>
+              </a:rPr>
+              <a:t>without you having to say shit, that </a:t>
+            </a:r>
+            <a:r>
+              <a:rPr lang="en-US" sz="2100" dirty="0" err="1">
+                <a:solidFill>
+                  <a:srgbClr val="FCDCED"/>
+                </a:solidFill>
+                <a:latin typeface="Abadi Extra Light" panose="020B0204020104020204" pitchFamily="34" charset="0"/>
+              </a:rPr>
+              <a:t>bish</a:t>
+            </a:r>
+            <a:r>
+              <a:rPr lang="en-US" sz="2100" dirty="0">
+                <a:solidFill>
+                  <a:srgbClr val="FCDCED"/>
+                </a:solidFill>
+                <a:latin typeface="Abadi Extra Light" panose="020B0204020104020204" pitchFamily="34" charset="0"/>
+              </a:rPr>
+              <a:t> in Love, </a:t>
+            </a:r>
+            <a:r>
+              <a:rPr lang="en-US" sz="2100" dirty="0">
+                <a:solidFill>
+                  <a:schemeClr val="tx1"/>
+                </a:solidFill>
+                <a:latin typeface="Abadi Extra Light" panose="020B0204020104020204" pitchFamily="34" charset="0"/>
+              </a:rPr>
+              <a:t>[expletive]</a:t>
+            </a:r>
+            <a:r>
+              <a:rPr lang="en-US" sz="2100" dirty="0">
+                <a:solidFill>
+                  <a:srgbClr val="FCDCED"/>
+                </a:solidFill>
+                <a:latin typeface="Abadi Extra Light" panose="020B0204020104020204" pitchFamily="34" charset="0"/>
+              </a:rPr>
+              <a:t>. L.O.V.E. If she </a:t>
+            </a:r>
+            <a:r>
+              <a:rPr lang="en-US" sz="2100" dirty="0">
+                <a:solidFill>
+                  <a:schemeClr val="tx1"/>
+                </a:solidFill>
+                <a:latin typeface="Abadi Extra Light" panose="020B0204020104020204" pitchFamily="34" charset="0"/>
+              </a:rPr>
+              <a:t>[expletive content]</a:t>
+            </a:r>
+            <a:r>
+              <a:rPr lang="en-US" sz="2100" dirty="0">
+                <a:solidFill>
+                  <a:srgbClr val="FCDCED"/>
+                </a:solidFill>
+                <a:latin typeface="Abadi Extra Light" panose="020B0204020104020204" pitchFamily="34" charset="0"/>
+              </a:rPr>
+              <a:t>, she might like you and just be an ungrateful rude </a:t>
+            </a:r>
+            <a:r>
+              <a:rPr lang="en-US" sz="2100" dirty="0">
+                <a:solidFill>
+                  <a:schemeClr val="tx1"/>
+                </a:solidFill>
+                <a:latin typeface="Abadi Extra Light" panose="020B0204020104020204" pitchFamily="34" charset="0"/>
+              </a:rPr>
+              <a:t>[expletive]</a:t>
+            </a:r>
+            <a:r>
+              <a:rPr lang="en-US" sz="2100" dirty="0">
+                <a:solidFill>
+                  <a:srgbClr val="FCDCED"/>
+                </a:solidFill>
+                <a:latin typeface="Abadi Extra Light" panose="020B0204020104020204" pitchFamily="34" charset="0"/>
+              </a:rPr>
+              <a:t>, or she think you nasty and therefore your </a:t>
+            </a:r>
+            <a:r>
+              <a:rPr lang="en-US" sz="2100" dirty="0">
+                <a:solidFill>
+                  <a:schemeClr val="tx1"/>
+                </a:solidFill>
+                <a:latin typeface="Abadi Extra Light" panose="020B0204020104020204" pitchFamily="34" charset="0"/>
+              </a:rPr>
+              <a:t>[expletive content]</a:t>
+            </a:r>
+            <a:r>
+              <a:rPr lang="en-US" sz="2100" dirty="0">
+                <a:solidFill>
+                  <a:srgbClr val="FCDCED"/>
+                </a:solidFill>
+                <a:latin typeface="Abadi Extra Light" panose="020B0204020104020204" pitchFamily="34" charset="0"/>
+              </a:rPr>
+              <a:t>. If That </a:t>
+            </a:r>
+            <a:r>
+              <a:rPr lang="en-US" sz="2100" dirty="0" err="1">
+                <a:solidFill>
+                  <a:srgbClr val="FCDCED"/>
+                </a:solidFill>
+                <a:latin typeface="Abadi Extra Light" panose="020B0204020104020204" pitchFamily="34" charset="0"/>
+              </a:rPr>
+              <a:t>bish</a:t>
+            </a:r>
+            <a:r>
+              <a:rPr lang="en-US" sz="2100" dirty="0">
+                <a:solidFill>
+                  <a:srgbClr val="FCDCED"/>
+                </a:solidFill>
+                <a:latin typeface="Abadi Extra Light" panose="020B0204020104020204" pitchFamily="34" charset="0"/>
+              </a:rPr>
+              <a:t> don’t even let you </a:t>
+            </a:r>
+            <a:r>
+              <a:rPr lang="en-US" sz="2100" dirty="0">
+                <a:solidFill>
+                  <a:schemeClr val="tx1"/>
+                </a:solidFill>
+                <a:latin typeface="Abadi Extra Light" panose="020B0204020104020204" pitchFamily="34" charset="0"/>
+              </a:rPr>
+              <a:t>[expletive content]</a:t>
+            </a:r>
+            <a:r>
+              <a:rPr lang="en-US" sz="2100" dirty="0">
+                <a:solidFill>
+                  <a:srgbClr val="FCDCED"/>
+                </a:solidFill>
+                <a:latin typeface="Abadi Extra Light" panose="020B0204020104020204" pitchFamily="34" charset="0"/>
+              </a:rPr>
+              <a:t>, like right before you </a:t>
+            </a:r>
+            <a:r>
+              <a:rPr lang="en-US" sz="2100" dirty="0">
+                <a:solidFill>
+                  <a:schemeClr val="tx1"/>
+                </a:solidFill>
+                <a:latin typeface="Abadi Extra Light" panose="020B0204020104020204" pitchFamily="34" charset="0"/>
+              </a:rPr>
+              <a:t>[expletive content] </a:t>
+            </a:r>
+            <a:r>
+              <a:rPr lang="en-US" sz="2100" dirty="0">
+                <a:solidFill>
+                  <a:srgbClr val="FCDCED"/>
+                </a:solidFill>
+                <a:latin typeface="Abadi Extra Light" panose="020B0204020104020204" pitchFamily="34" charset="0"/>
+              </a:rPr>
+              <a:t>she pulls away, dump That </a:t>
+            </a:r>
+            <a:r>
+              <a:rPr lang="en-US" sz="2100" dirty="0">
+                <a:solidFill>
+                  <a:schemeClr val="tx1"/>
+                </a:solidFill>
+                <a:latin typeface="Abadi Extra Light" panose="020B0204020104020204" pitchFamily="34" charset="0"/>
+              </a:rPr>
+              <a:t>[expletive]</a:t>
+            </a:r>
+            <a:r>
+              <a:rPr lang="en-US" sz="2100" dirty="0">
+                <a:solidFill>
+                  <a:srgbClr val="FCDCED"/>
+                </a:solidFill>
+                <a:latin typeface="Abadi Extra Light" panose="020B0204020104020204" pitchFamily="34" charset="0"/>
+              </a:rPr>
+              <a:t> as soon as </a:t>
+            </a:r>
+            <a:r>
+              <a:rPr lang="en-US" sz="2100" dirty="0">
+                <a:solidFill>
+                  <a:schemeClr val="tx1"/>
+                </a:solidFill>
+                <a:latin typeface="Abadi Extra Light" panose="020B0204020104020204" pitchFamily="34" charset="0"/>
+              </a:rPr>
+              <a:t>[expletive content]</a:t>
+            </a:r>
+            <a:r>
+              <a:rPr lang="en-US" sz="2100" dirty="0">
+                <a:solidFill>
+                  <a:srgbClr val="FCDCED"/>
+                </a:solidFill>
+                <a:latin typeface="Abadi Extra Light" panose="020B0204020104020204" pitchFamily="34" charset="0"/>
+              </a:rPr>
+              <a:t>. Shit. Not only is she not </a:t>
+            </a:r>
+            <a:r>
+              <a:rPr lang="en-US" sz="2100" dirty="0" err="1">
+                <a:solidFill>
+                  <a:srgbClr val="FCDCED"/>
+                </a:solidFill>
+                <a:latin typeface="Abadi Extra Light" panose="020B0204020104020204" pitchFamily="34" charset="0"/>
+              </a:rPr>
+              <a:t>feelin</a:t>
+            </a:r>
+            <a:r>
+              <a:rPr lang="en-US" sz="2100" dirty="0">
+                <a:solidFill>
+                  <a:srgbClr val="FCDCED"/>
+                </a:solidFill>
+                <a:latin typeface="Abadi Extra Light" panose="020B0204020104020204" pitchFamily="34" charset="0"/>
+              </a:rPr>
+              <a:t> you, </a:t>
+            </a:r>
+            <a:r>
+              <a:rPr lang="en-US" sz="2100" dirty="0" err="1">
+                <a:solidFill>
+                  <a:srgbClr val="FCDCED"/>
+                </a:solidFill>
+                <a:latin typeface="Abadi Extra Light" panose="020B0204020104020204" pitchFamily="34" charset="0"/>
+              </a:rPr>
+              <a:t>bish</a:t>
+            </a:r>
+            <a:r>
+              <a:rPr lang="en-US" sz="2100" dirty="0">
+                <a:solidFill>
+                  <a:srgbClr val="FCDCED"/>
+                </a:solidFill>
+                <a:latin typeface="Abadi Extra Light" panose="020B0204020104020204" pitchFamily="34" charset="0"/>
+              </a:rPr>
+              <a:t> was scheming some way to get something besides </a:t>
+            </a:r>
+            <a:r>
+              <a:rPr lang="en-US" sz="2100" dirty="0" err="1">
+                <a:solidFill>
+                  <a:srgbClr val="FCDCED"/>
+                </a:solidFill>
+                <a:latin typeface="Abadi Extra Light" panose="020B0204020104020204" pitchFamily="34" charset="0"/>
+              </a:rPr>
+              <a:t>yo</a:t>
+            </a:r>
+            <a:r>
+              <a:rPr lang="en-US" sz="2100" dirty="0">
+                <a:solidFill>
+                  <a:srgbClr val="FCDCED"/>
+                </a:solidFill>
+                <a:latin typeface="Abadi Extra Light" panose="020B0204020104020204" pitchFamily="34" charset="0"/>
+              </a:rPr>
+              <a:t> heart out of </a:t>
+            </a:r>
+            <a:r>
+              <a:rPr lang="en-US" sz="2100" dirty="0" err="1">
+                <a:solidFill>
+                  <a:srgbClr val="FCDCED"/>
+                </a:solidFill>
+                <a:latin typeface="Abadi Extra Light" panose="020B0204020104020204" pitchFamily="34" charset="0"/>
+              </a:rPr>
+              <a:t>yo</a:t>
+            </a:r>
+            <a:r>
+              <a:rPr lang="en-US" sz="2100" dirty="0">
+                <a:solidFill>
+                  <a:srgbClr val="FCDCED"/>
+                </a:solidFill>
+                <a:latin typeface="Abadi Extra Light" panose="020B0204020104020204" pitchFamily="34" charset="0"/>
+              </a:rPr>
+              <a:t> </a:t>
+            </a:r>
+            <a:r>
+              <a:rPr lang="en-US" sz="2100" dirty="0">
+                <a:solidFill>
+                  <a:schemeClr val="tx1"/>
+                </a:solidFill>
+                <a:latin typeface="Abadi Extra Light" panose="020B0204020104020204" pitchFamily="34" charset="0"/>
+              </a:rPr>
+              <a:t>[expletive]</a:t>
+            </a:r>
+            <a:r>
+              <a:rPr lang="en-US" sz="2100" dirty="0">
+                <a:solidFill>
+                  <a:srgbClr val="FCDCED"/>
+                </a:solidFill>
+                <a:latin typeface="Abadi Extra Light" panose="020B0204020104020204" pitchFamily="34" charset="0"/>
+              </a:rPr>
+              <a:t>. And you don’t want an ungrateful rude, prude </a:t>
+            </a:r>
+            <a:r>
+              <a:rPr lang="en-US" sz="2100" dirty="0">
+                <a:solidFill>
+                  <a:schemeClr val="tx1"/>
+                </a:solidFill>
+                <a:latin typeface="Abadi Extra Light" panose="020B0204020104020204" pitchFamily="34" charset="0"/>
+              </a:rPr>
+              <a:t>[expletive]</a:t>
+            </a:r>
+            <a:r>
+              <a:rPr lang="en-US" sz="2100" dirty="0">
+                <a:solidFill>
+                  <a:srgbClr val="FCDCED"/>
+                </a:solidFill>
+                <a:latin typeface="Abadi Extra Light" panose="020B0204020104020204" pitchFamily="34" charset="0"/>
+              </a:rPr>
+              <a:t>, no fun having </a:t>
+            </a:r>
+            <a:r>
+              <a:rPr lang="en-US" sz="2100" dirty="0">
+                <a:solidFill>
+                  <a:schemeClr val="tx1"/>
+                </a:solidFill>
+                <a:latin typeface="Abadi Extra Light" panose="020B0204020104020204" pitchFamily="34" charset="0"/>
+              </a:rPr>
+              <a:t>[expletive content] </a:t>
+            </a:r>
+            <a:r>
+              <a:rPr lang="en-US" sz="2100" dirty="0">
+                <a:solidFill>
+                  <a:srgbClr val="FCDCED"/>
+                </a:solidFill>
+                <a:latin typeface="Abadi Extra Light" panose="020B0204020104020204" pitchFamily="34" charset="0"/>
+              </a:rPr>
+              <a:t>like </a:t>
+            </a:r>
+            <a:r>
+              <a:rPr lang="en-US" sz="2100" dirty="0" err="1">
+                <a:solidFill>
+                  <a:srgbClr val="FCDCED"/>
+                </a:solidFill>
+                <a:latin typeface="Abadi Extra Light" panose="020B0204020104020204" pitchFamily="34" charset="0"/>
+              </a:rPr>
+              <a:t>Dat</a:t>
+            </a:r>
+            <a:r>
+              <a:rPr lang="en-US" sz="2100" dirty="0">
+                <a:solidFill>
+                  <a:srgbClr val="FCDCED"/>
+                </a:solidFill>
+                <a:latin typeface="Abadi Extra Light" panose="020B0204020104020204" pitchFamily="34" charset="0"/>
+              </a:rPr>
+              <a:t> anyway. Now I know you might think I’m </a:t>
+            </a:r>
+            <a:r>
+              <a:rPr lang="en-US" sz="2100" dirty="0" err="1">
+                <a:solidFill>
+                  <a:srgbClr val="FCDCED"/>
+                </a:solidFill>
+                <a:latin typeface="Abadi Extra Light" panose="020B0204020104020204" pitchFamily="34" charset="0"/>
+              </a:rPr>
+              <a:t>clownin</a:t>
+            </a:r>
+            <a:r>
+              <a:rPr lang="en-US" sz="2100" dirty="0">
+                <a:solidFill>
+                  <a:srgbClr val="FCDCED"/>
+                </a:solidFill>
+                <a:latin typeface="Abadi Extra Light" panose="020B0204020104020204" pitchFamily="34" charset="0"/>
+              </a:rPr>
+              <a:t>, but there’s a lot of </a:t>
+            </a:r>
+            <a:r>
+              <a:rPr lang="en-US" sz="2100" dirty="0" err="1">
+                <a:solidFill>
+                  <a:srgbClr val="FCDCED"/>
+                </a:solidFill>
+                <a:latin typeface="Abadi Extra Light" panose="020B0204020104020204" pitchFamily="34" charset="0"/>
+              </a:rPr>
+              <a:t>truf</a:t>
+            </a:r>
+            <a:r>
+              <a:rPr lang="en-US" sz="2100" dirty="0">
+                <a:solidFill>
+                  <a:srgbClr val="FCDCED"/>
+                </a:solidFill>
+                <a:latin typeface="Abadi Extra Light" panose="020B0204020104020204" pitchFamily="34" charset="0"/>
+              </a:rPr>
+              <a:t> to this shit I </a:t>
+            </a:r>
+            <a:r>
+              <a:rPr lang="en-US" sz="2100" dirty="0" err="1">
+                <a:solidFill>
+                  <a:srgbClr val="FCDCED"/>
+                </a:solidFill>
+                <a:latin typeface="Abadi Extra Light" panose="020B0204020104020204" pitchFamily="34" charset="0"/>
+              </a:rPr>
+              <a:t>ain’t</a:t>
+            </a:r>
+            <a:r>
+              <a:rPr lang="en-US" sz="2100" dirty="0">
+                <a:solidFill>
+                  <a:srgbClr val="FCDCED"/>
+                </a:solidFill>
+                <a:latin typeface="Abadi Extra Light" panose="020B0204020104020204" pitchFamily="34" charset="0"/>
+              </a:rPr>
+              <a:t> </a:t>
+            </a:r>
+            <a:r>
+              <a:rPr lang="en-US" sz="2100" dirty="0" err="1">
+                <a:solidFill>
+                  <a:srgbClr val="FCDCED"/>
+                </a:solidFill>
+                <a:latin typeface="Abadi Extra Light" panose="020B0204020104020204" pitchFamily="34" charset="0"/>
+              </a:rPr>
+              <a:t>playin</a:t>
+            </a:r>
+            <a:r>
+              <a:rPr lang="en-US" sz="2100" dirty="0">
+                <a:solidFill>
+                  <a:srgbClr val="FCDCED"/>
+                </a:solidFill>
+                <a:latin typeface="Abadi Extra Light" panose="020B0204020104020204" pitchFamily="34" charset="0"/>
+              </a:rPr>
+              <a:t>. See for </a:t>
+            </a:r>
+            <a:r>
+              <a:rPr lang="en-US" sz="2100" dirty="0" err="1">
+                <a:solidFill>
+                  <a:srgbClr val="FCDCED"/>
+                </a:solidFill>
+                <a:latin typeface="Abadi Extra Light" panose="020B0204020104020204" pitchFamily="34" charset="0"/>
+              </a:rPr>
+              <a:t>yoself</a:t>
+            </a:r>
+            <a:r>
+              <a:rPr lang="en-US" sz="2100" dirty="0">
+                <a:solidFill>
+                  <a:srgbClr val="FCDCED"/>
+                </a:solidFill>
+                <a:latin typeface="Abadi Extra Light" panose="020B0204020104020204" pitchFamily="34" charset="0"/>
+              </a:rPr>
+              <a:t> my man. Good luck to </a:t>
+            </a:r>
+            <a:r>
+              <a:rPr lang="en-US" sz="2100" dirty="0" err="1">
+                <a:solidFill>
+                  <a:srgbClr val="FCDCED"/>
+                </a:solidFill>
+                <a:latin typeface="Abadi Extra Light" panose="020B0204020104020204" pitchFamily="34" charset="0"/>
+              </a:rPr>
+              <a:t>ya</a:t>
+            </a:r>
+            <a:r>
+              <a:rPr lang="en-US" sz="2100" dirty="0">
+                <a:solidFill>
+                  <a:srgbClr val="FCDCED"/>
+                </a:solidFill>
+                <a:latin typeface="Abadi Extra Light" panose="020B0204020104020204" pitchFamily="34" charset="0"/>
+              </a:rPr>
+              <a:t>. Tell her it’s </a:t>
+            </a:r>
+            <a:r>
+              <a:rPr lang="en-US" sz="2100" dirty="0">
+                <a:solidFill>
+                  <a:schemeClr val="tx1"/>
+                </a:solidFill>
+                <a:latin typeface="Abadi Extra Light" panose="020B0204020104020204" pitchFamily="34" charset="0"/>
+              </a:rPr>
+              <a:t>[expletive content]</a:t>
+            </a:r>
+            <a:r>
+              <a:rPr lang="en-US" sz="2100" dirty="0">
+                <a:solidFill>
+                  <a:srgbClr val="FCDCED"/>
+                </a:solidFill>
+                <a:latin typeface="Abadi Extra Light" panose="020B0204020104020204" pitchFamily="34" charset="0"/>
+              </a:rPr>
+              <a:t>. Hopefully it </a:t>
+            </a:r>
+            <a:r>
+              <a:rPr lang="en-US" sz="2100" dirty="0" err="1">
+                <a:solidFill>
+                  <a:srgbClr val="FCDCED"/>
+                </a:solidFill>
+                <a:latin typeface="Abadi Extra Light" panose="020B0204020104020204" pitchFamily="34" charset="0"/>
+              </a:rPr>
+              <a:t>ain’t</a:t>
+            </a:r>
+            <a:r>
+              <a:rPr lang="en-US" sz="2100" dirty="0">
+                <a:solidFill>
+                  <a:srgbClr val="FCDCED"/>
+                </a:solidFill>
+                <a:latin typeface="Abadi Extra Light" panose="020B0204020104020204" pitchFamily="34" charset="0"/>
+              </a:rPr>
+              <a:t> </a:t>
+            </a:r>
+            <a:r>
+              <a:rPr lang="en-US" sz="2100" dirty="0">
+                <a:solidFill>
+                  <a:schemeClr val="tx1"/>
+                </a:solidFill>
+                <a:latin typeface="Abadi Extra Light" panose="020B0204020104020204" pitchFamily="34" charset="0"/>
+              </a:rPr>
+              <a:t>[expletive content] </a:t>
+            </a:r>
+            <a:r>
+              <a:rPr lang="en-US" sz="2100" dirty="0" err="1">
+                <a:solidFill>
+                  <a:srgbClr val="FCDCED"/>
+                </a:solidFill>
+                <a:latin typeface="Abadi Extra Light" panose="020B0204020104020204" pitchFamily="34" charset="0"/>
+              </a:rPr>
+              <a:t>haha</a:t>
+            </a:r>
+            <a:r>
+              <a:rPr lang="en-US" sz="2100" dirty="0">
+                <a:solidFill>
+                  <a:srgbClr val="FCDCED"/>
+                </a:solidFill>
+                <a:latin typeface="Abadi Extra Light" panose="020B0204020104020204" pitchFamily="34" charset="0"/>
+              </a:rPr>
+              <a:t> even if it is if she like you, or you giving enough </a:t>
+            </a:r>
+            <a:r>
+              <a:rPr lang="en-US" sz="2100" dirty="0" err="1">
+                <a:solidFill>
+                  <a:srgbClr val="FCDCED"/>
+                </a:solidFill>
+                <a:latin typeface="Abadi Extra Light" panose="020B0204020104020204" pitchFamily="34" charset="0"/>
+              </a:rPr>
+              <a:t>dollas</a:t>
+            </a:r>
+            <a:r>
+              <a:rPr lang="en-US" sz="2100" dirty="0">
+                <a:solidFill>
+                  <a:srgbClr val="FCDCED"/>
+                </a:solidFill>
+                <a:latin typeface="Abadi Extra Light" panose="020B0204020104020204" pitchFamily="34" charset="0"/>
+              </a:rPr>
+              <a:t>, or you tell her she </a:t>
+            </a:r>
+            <a:r>
+              <a:rPr lang="en-US" sz="2100" dirty="0" err="1">
+                <a:solidFill>
+                  <a:srgbClr val="FCDCED"/>
+                </a:solidFill>
+                <a:latin typeface="Abadi Extra Light" panose="020B0204020104020204" pitchFamily="34" charset="0"/>
+              </a:rPr>
+              <a:t>gonna</a:t>
+            </a:r>
+            <a:r>
+              <a:rPr lang="en-US" sz="2100" dirty="0">
+                <a:solidFill>
+                  <a:srgbClr val="FCDCED"/>
+                </a:solidFill>
+                <a:latin typeface="Abadi Extra Light" panose="020B0204020104020204" pitchFamily="34" charset="0"/>
+              </a:rPr>
+              <a:t> </a:t>
+            </a:r>
+            <a:r>
+              <a:rPr lang="en-US" sz="2100" dirty="0">
+                <a:solidFill>
+                  <a:schemeClr val="tx1"/>
+                </a:solidFill>
+                <a:latin typeface="Abadi Extra Light" panose="020B0204020104020204" pitchFamily="34" charset="0"/>
+              </a:rPr>
+              <a:t>[expletive content]</a:t>
+            </a:r>
+            <a:r>
+              <a:rPr lang="en-US" sz="2100" dirty="0">
+                <a:solidFill>
+                  <a:srgbClr val="FCDCED"/>
+                </a:solidFill>
+                <a:latin typeface="Abadi Extra Light" panose="020B0204020104020204" pitchFamily="34" charset="0"/>
+              </a:rPr>
+              <a:t>.”</a:t>
+            </a:r>
+          </a:p>
+        </p:txBody>
+      </p:sp>
+    </p:spTree>
+    <p:extLst>
+      <p:ext uri="{BB962C8B-B14F-4D97-AF65-F5344CB8AC3E}">
+        <p14:creationId xmlns:p14="http://schemas.microsoft.com/office/powerpoint/2010/main" val="3344811976"/>
+      </p:ext>
+    </p:extLst>
+  </p:cSld>
+  <p:clrMapOvr>
+    <a:masterClrMapping/>
+  </p:clrMapOvr>
+</p:sld>
+</file>
+
+<file path=ppt/slides/slide12.xml><?xml version="1.0" encoding="utf-8"?>
+<p:sld xmlns:a="http://schemas.openxmlformats.org/drawingml/2006/main" xmlns:r="http://schemas.openxmlformats.org/officeDocument/2006/relationships" xmlns:p="http://schemas.openxmlformats.org/presentationml/2006/main">
+  <p:cSld>
+    <p:spTree>
+      <p:nvGrpSpPr>
+        <p:cNvPr id="1" name=""/>
+        <p:cNvGrpSpPr/>
+        <p:nvPr/>
+      </p:nvGrpSpPr>
+      <p:grpSpPr>
+        <a:xfrm>
+          <a:off x="0" y="0"/>
+          <a:ext cx="0" cy="0"/>
+          <a:chOff x="0" y="0"/>
+          <a:chExt cx="0" cy="0"/>
+        </a:xfrm>
+      </p:grpSpPr>
+      <p:sp>
+        <p:nvSpPr>
+          <p:cNvPr id="4" name="Rectangle 3">
+            <a:extLst>
+              <a:ext uri="{FF2B5EF4-FFF2-40B4-BE49-F238E27FC236}">
+                <a16:creationId xmlns:a16="http://schemas.microsoft.com/office/drawing/2014/main" id="{625F161E-84CD-49C7-AD62-666D4B15CC8F}"/>
+              </a:ext>
+            </a:extLst>
+          </p:cNvPr>
+          <p:cNvSpPr/>
+          <p:nvPr/>
+        </p:nvSpPr>
+        <p:spPr>
+          <a:xfrm>
+            <a:off x="485191" y="1418253"/>
+            <a:ext cx="5437437" cy="5066436"/>
+          </a:xfrm>
+          <a:prstGeom prst="rect">
+            <a:avLst/>
+          </a:prstGeom>
+          <a:solidFill>
+            <a:schemeClr val="accent1">
+              <a:alpha val="90000"/>
+            </a:schemeClr>
+          </a:solidFill>
+        </p:spPr>
+        <p:style>
+          <a:lnRef idx="2">
+            <a:schemeClr val="accent1">
+              <a:shade val="50000"/>
+            </a:schemeClr>
+          </a:lnRef>
+          <a:fillRef idx="1">
+            <a:schemeClr val="accent1"/>
+          </a:fillRef>
+          <a:effectRef idx="0">
+            <a:schemeClr val="accent1"/>
+          </a:effectRef>
+          <a:fontRef idx="minor">
+            <a:schemeClr val="lt1"/>
+          </a:fontRef>
+        </p:style>
+        <p:txBody>
+          <a:bodyPr rtlCol="0" anchor="ctr"/>
+          <a:lstStyle/>
+          <a:p>
+            <a:pPr algn="ctr"/>
+            <a:endParaRPr lang="en-US"/>
+          </a:p>
+        </p:txBody>
+      </p:sp>
+      <p:sp>
+        <p:nvSpPr>
+          <p:cNvPr id="2" name="Title 1">
+            <a:extLst>
+              <a:ext uri="{FF2B5EF4-FFF2-40B4-BE49-F238E27FC236}">
+                <a16:creationId xmlns:a16="http://schemas.microsoft.com/office/drawing/2014/main" id="{31ACD9C7-4049-43E6-8FD9-A75263344DEC}"/>
+              </a:ext>
+            </a:extLst>
+          </p:cNvPr>
+          <p:cNvSpPr>
+            <a:spLocks noGrp="1"/>
+          </p:cNvSpPr>
+          <p:nvPr>
+            <p:ph type="title"/>
+          </p:nvPr>
+        </p:nvSpPr>
+        <p:spPr>
+          <a:xfrm>
+            <a:off x="701342" y="618259"/>
+            <a:ext cx="8157431" cy="706964"/>
+          </a:xfrm>
+        </p:spPr>
+        <p:txBody>
+          <a:bodyPr/>
+          <a:lstStyle/>
+          <a:p>
+            <a:r>
+              <a:rPr lang="en-US" dirty="0">
+                <a:latin typeface="Folks-Light" panose="02000403020000020004" pitchFamily="2" charset="0"/>
+              </a:rPr>
+              <a:t>WHERE THE MODEL FAILS</a:t>
+            </a:r>
+            <a:endParaRPr lang="en-US" sz="1600" dirty="0">
+              <a:solidFill>
+                <a:schemeClr val="accent1">
+                  <a:lumMod val="40000"/>
+                  <a:lumOff val="60000"/>
+                </a:schemeClr>
+              </a:solidFill>
+              <a:latin typeface="Folks-Light" panose="02000403020000020004" pitchFamily="2" charset="0"/>
+            </a:endParaRPr>
+          </a:p>
+        </p:txBody>
+      </p:sp>
+      <p:sp>
+        <p:nvSpPr>
+          <p:cNvPr id="3" name="Content Placeholder 2">
+            <a:extLst>
+              <a:ext uri="{FF2B5EF4-FFF2-40B4-BE49-F238E27FC236}">
+                <a16:creationId xmlns:a16="http://schemas.microsoft.com/office/drawing/2014/main" id="{88C6E433-2B24-4C87-99A5-B0A7E1C17C3E}"/>
+              </a:ext>
+            </a:extLst>
+          </p:cNvPr>
+          <p:cNvSpPr>
+            <a:spLocks noGrp="1"/>
+          </p:cNvSpPr>
+          <p:nvPr>
+            <p:ph idx="1"/>
+          </p:nvPr>
+        </p:nvSpPr>
+        <p:spPr>
+          <a:xfrm>
+            <a:off x="701342" y="1661298"/>
+            <a:ext cx="4849091" cy="4580345"/>
+          </a:xfrm>
+        </p:spPr>
+        <p:txBody>
+          <a:bodyPr>
+            <a:normAutofit fontScale="70000" lnSpcReduction="20000"/>
+          </a:bodyPr>
+          <a:lstStyle/>
+          <a:p>
+            <a:pPr>
+              <a:spcAft>
+                <a:spcPts val="600"/>
+              </a:spcAft>
+              <a:buClr>
+                <a:schemeClr val="bg1"/>
+              </a:buClr>
+              <a:buSzPct val="75000"/>
+              <a:buFont typeface="Wingdings" panose="05000000000000000000" pitchFamily="2" charset="2"/>
+              <a:buChar char="v"/>
+            </a:pPr>
+            <a:r>
+              <a:rPr lang="en-US" sz="2900" dirty="0">
+                <a:solidFill>
+                  <a:srgbClr val="FCDCED"/>
+                </a:solidFill>
+                <a:latin typeface="Abadi Extra Light" panose="020B0204020104020204" pitchFamily="34" charset="0"/>
+              </a:rPr>
+              <a:t>Homosexuality</a:t>
+            </a:r>
+          </a:p>
+          <a:p>
+            <a:pPr lvl="1">
+              <a:spcAft>
+                <a:spcPts val="600"/>
+              </a:spcAft>
+              <a:buClr>
+                <a:schemeClr val="bg1"/>
+              </a:buClr>
+              <a:buSzPct val="75000"/>
+              <a:buFont typeface="Wingdings" panose="05000000000000000000" pitchFamily="2" charset="2"/>
+              <a:buChar char="v"/>
+            </a:pPr>
+            <a:r>
+              <a:rPr lang="en-US" sz="1900" dirty="0">
+                <a:solidFill>
+                  <a:srgbClr val="FCDCED"/>
+                </a:solidFill>
+                <a:latin typeface="Abadi Extra Light" panose="020B0204020104020204" pitchFamily="34" charset="0"/>
+              </a:rPr>
+              <a:t>“My direct report and </a:t>
+            </a:r>
+            <a:r>
+              <a:rPr lang="en-US" sz="1900" b="1" dirty="0">
+                <a:solidFill>
+                  <a:srgbClr val="FCDCED"/>
+                </a:solidFill>
+                <a:latin typeface="Abadi Extra Light" panose="020B0204020104020204" pitchFamily="34" charset="0"/>
+              </a:rPr>
+              <a:t>my husband </a:t>
+            </a:r>
+            <a:r>
+              <a:rPr lang="en-US" sz="1900" dirty="0">
+                <a:solidFill>
+                  <a:srgbClr val="FCDCED"/>
+                </a:solidFill>
+                <a:latin typeface="Abadi Extra Light" panose="020B0204020104020204" pitchFamily="34" charset="0"/>
+              </a:rPr>
+              <a:t>had an emotional/verbal affair. I worked for a company and was friends with lots of people around the office. A guy (24) in another dept wanted something different and we were hiring so he was hired. He was also really good friends with </a:t>
+            </a:r>
+            <a:r>
+              <a:rPr lang="en-US" sz="1900" b="1" dirty="0">
+                <a:solidFill>
+                  <a:srgbClr val="FCDCED"/>
+                </a:solidFill>
+                <a:latin typeface="Abadi Extra Light" panose="020B0204020104020204" pitchFamily="34" charset="0"/>
+              </a:rPr>
+              <a:t>my husband</a:t>
+            </a:r>
+            <a:r>
+              <a:rPr lang="en-US" sz="1900" dirty="0">
+                <a:solidFill>
+                  <a:srgbClr val="FCDCED"/>
+                </a:solidFill>
+                <a:latin typeface="Abadi Extra Light" panose="020B0204020104020204" pitchFamily="34" charset="0"/>
+              </a:rPr>
+              <a:t>. He reported to me and we had a good friendship also. </a:t>
+            </a:r>
+            <a:r>
+              <a:rPr lang="en-US" sz="1900" b="1" dirty="0">
+                <a:solidFill>
+                  <a:srgbClr val="FCDCED"/>
+                </a:solidFill>
+                <a:latin typeface="Abadi Extra Light" panose="020B0204020104020204" pitchFamily="34" charset="0"/>
+              </a:rPr>
+              <a:t>My husband </a:t>
+            </a:r>
+            <a:r>
+              <a:rPr lang="en-US" sz="1900" dirty="0">
+                <a:solidFill>
+                  <a:srgbClr val="FCDCED"/>
+                </a:solidFill>
+                <a:latin typeface="Abadi Extra Light" panose="020B0204020104020204" pitchFamily="34" charset="0"/>
+              </a:rPr>
+              <a:t>and he started running together…”</a:t>
+            </a:r>
+          </a:p>
+          <a:p>
+            <a:pPr lvl="1">
+              <a:spcAft>
+                <a:spcPts val="600"/>
+              </a:spcAft>
+              <a:buClr>
+                <a:schemeClr val="bg1"/>
+              </a:buClr>
+              <a:buSzPct val="75000"/>
+              <a:buFont typeface="Wingdings" panose="05000000000000000000" pitchFamily="2" charset="2"/>
+              <a:buChar char="v"/>
+            </a:pPr>
+            <a:r>
+              <a:rPr lang="en-US" sz="1900" dirty="0">
+                <a:solidFill>
+                  <a:srgbClr val="FCDCED"/>
+                </a:solidFill>
+                <a:latin typeface="Abadi Extra Light" panose="020B0204020104020204" pitchFamily="34" charset="0"/>
+              </a:rPr>
+              <a:t>Lesbian women and gay men referencing their significant others leads to strong false predictions.  The model only sees “my husband”, it can’t parse the subtlety.</a:t>
+            </a:r>
+          </a:p>
+          <a:p>
+            <a:pPr lvl="1">
+              <a:spcAft>
+                <a:spcPts val="600"/>
+              </a:spcAft>
+              <a:buClr>
+                <a:schemeClr val="bg1"/>
+              </a:buClr>
+              <a:buSzPct val="75000"/>
+              <a:buFont typeface="Wingdings" panose="05000000000000000000" pitchFamily="2" charset="2"/>
+              <a:buChar char="v"/>
+            </a:pPr>
+            <a:r>
+              <a:rPr lang="en-US" sz="1900" dirty="0">
+                <a:solidFill>
+                  <a:srgbClr val="FCDCED"/>
+                </a:solidFill>
+                <a:latin typeface="Abadi Extra Light" panose="020B0204020104020204" pitchFamily="34" charset="0"/>
+              </a:rPr>
+              <a:t>Even subconscious linguistic predictors in the model’s calculus may not be useful.  It would be interesting to study whether comments by gay men, for example, track better with the male or female subconscious language patterns that we’ve seen, and whether subject matter is a factor.</a:t>
+            </a:r>
+          </a:p>
+          <a:p>
+            <a:pPr>
+              <a:spcAft>
+                <a:spcPts val="600"/>
+              </a:spcAft>
+              <a:buClr>
+                <a:schemeClr val="bg1"/>
+              </a:buClr>
+              <a:buSzPct val="75000"/>
+              <a:buFont typeface="Wingdings" panose="05000000000000000000" pitchFamily="2" charset="2"/>
+              <a:buChar char="v"/>
+            </a:pPr>
+            <a:r>
+              <a:rPr lang="en-US" sz="2900" dirty="0">
+                <a:solidFill>
+                  <a:srgbClr val="FCDCED"/>
+                </a:solidFill>
+                <a:latin typeface="Abadi Extra Light" panose="020B0204020104020204" pitchFamily="34" charset="0"/>
+              </a:rPr>
+              <a:t>Sarcasm, Imitation</a:t>
+            </a:r>
+          </a:p>
+          <a:p>
+            <a:pPr lvl="1">
+              <a:spcAft>
+                <a:spcPts val="600"/>
+              </a:spcAft>
+              <a:buClr>
+                <a:schemeClr val="bg1"/>
+              </a:buClr>
+              <a:buSzPct val="75000"/>
+              <a:buFont typeface="Wingdings" panose="05000000000000000000" pitchFamily="2" charset="2"/>
+              <a:buChar char="v"/>
+            </a:pPr>
+            <a:r>
+              <a:rPr lang="en-US" sz="1900" dirty="0">
+                <a:solidFill>
+                  <a:srgbClr val="FCDCED"/>
+                </a:solidFill>
+                <a:latin typeface="Abadi Extra Light" panose="020B0204020104020204" pitchFamily="34" charset="0"/>
+              </a:rPr>
+              <a:t>“</a:t>
+            </a:r>
+            <a:r>
+              <a:rPr lang="en-US" sz="1900" dirty="0" err="1">
+                <a:solidFill>
+                  <a:srgbClr val="FCDCED"/>
+                </a:solidFill>
+                <a:latin typeface="Abadi Extra Light" panose="020B0204020104020204" pitchFamily="34" charset="0"/>
+              </a:rPr>
+              <a:t>dO</a:t>
+            </a:r>
+            <a:r>
+              <a:rPr lang="en-US" sz="1900" dirty="0">
+                <a:solidFill>
+                  <a:srgbClr val="FCDCED"/>
+                </a:solidFill>
+                <a:latin typeface="Abadi Extra Light" panose="020B0204020104020204" pitchFamily="34" charset="0"/>
+              </a:rPr>
+              <a:t> </a:t>
+            </a:r>
+            <a:r>
+              <a:rPr lang="en-US" sz="1900" dirty="0" err="1">
+                <a:solidFill>
+                  <a:srgbClr val="FCDCED"/>
+                </a:solidFill>
+                <a:latin typeface="Abadi Extra Light" panose="020B0204020104020204" pitchFamily="34" charset="0"/>
+              </a:rPr>
+              <a:t>yOu</a:t>
+            </a:r>
+            <a:r>
+              <a:rPr lang="en-US" sz="1900" dirty="0">
+                <a:solidFill>
+                  <a:srgbClr val="FCDCED"/>
+                </a:solidFill>
+                <a:latin typeface="Abadi Extra Light" panose="020B0204020104020204" pitchFamily="34" charset="0"/>
+              </a:rPr>
+              <a:t> </a:t>
+            </a:r>
+            <a:r>
+              <a:rPr lang="en-US" sz="1900" dirty="0" err="1">
+                <a:solidFill>
+                  <a:srgbClr val="FCDCED"/>
+                </a:solidFill>
+                <a:latin typeface="Abadi Extra Light" panose="020B0204020104020204" pitchFamily="34" charset="0"/>
+              </a:rPr>
+              <a:t>EvEn</a:t>
+            </a:r>
+            <a:r>
+              <a:rPr lang="en-US" sz="1900" dirty="0">
+                <a:solidFill>
+                  <a:srgbClr val="FCDCED"/>
+                </a:solidFill>
+                <a:latin typeface="Abadi Extra Light" panose="020B0204020104020204" pitchFamily="34" charset="0"/>
+              </a:rPr>
+              <a:t> </a:t>
+            </a:r>
+            <a:r>
+              <a:rPr lang="en-US" sz="1900" dirty="0" err="1">
+                <a:solidFill>
+                  <a:srgbClr val="FCDCED"/>
+                </a:solidFill>
+                <a:latin typeface="Abadi Extra Light" panose="020B0204020104020204" pitchFamily="34" charset="0"/>
+              </a:rPr>
+              <a:t>LiFt</a:t>
+            </a:r>
+            <a:r>
+              <a:rPr lang="en-US" sz="1900" dirty="0">
+                <a:solidFill>
+                  <a:srgbClr val="FCDCED"/>
+                </a:solidFill>
+                <a:latin typeface="Abadi Extra Light" panose="020B0204020104020204" pitchFamily="34" charset="0"/>
+              </a:rPr>
+              <a:t> </a:t>
+            </a:r>
+            <a:r>
+              <a:rPr lang="en-US" sz="1900" dirty="0" err="1">
+                <a:solidFill>
+                  <a:srgbClr val="FCDCED"/>
+                </a:solidFill>
+                <a:latin typeface="Abadi Extra Light" panose="020B0204020104020204" pitchFamily="34" charset="0"/>
+              </a:rPr>
+              <a:t>BrO</a:t>
+            </a:r>
+            <a:r>
+              <a:rPr lang="en-US" sz="1900" dirty="0">
+                <a:solidFill>
+                  <a:srgbClr val="FCDCED"/>
+                </a:solidFill>
+                <a:latin typeface="Abadi Extra Light" panose="020B0204020104020204" pitchFamily="34" charset="0"/>
+              </a:rPr>
+              <a:t>?”, said in </a:t>
+            </a:r>
+            <a:r>
+              <a:rPr lang="en-US" sz="1900" dirty="0" err="1">
+                <a:solidFill>
+                  <a:srgbClr val="FCDCED"/>
+                </a:solidFill>
+                <a:latin typeface="Abadi Extra Light" panose="020B0204020104020204" pitchFamily="34" charset="0"/>
+              </a:rPr>
+              <a:t>AskWomen</a:t>
+            </a:r>
+            <a:r>
+              <a:rPr lang="en-US" sz="1900" dirty="0">
+                <a:solidFill>
+                  <a:srgbClr val="FCDCED"/>
+                </a:solidFill>
+                <a:latin typeface="Abadi Extra Light" panose="020B0204020104020204" pitchFamily="34" charset="0"/>
+              </a:rPr>
+              <a:t>, graded as highly male-associated.  The vectorizer involves lowercasing everything, so the sardonic type style isn’t picked up. </a:t>
+            </a:r>
+          </a:p>
+          <a:p>
+            <a:pPr>
+              <a:buClr>
+                <a:schemeClr val="bg1"/>
+              </a:buClr>
+              <a:buSzPct val="75000"/>
+              <a:buFont typeface="Wingdings" panose="05000000000000000000" pitchFamily="2" charset="2"/>
+              <a:buChar char="v"/>
+            </a:pPr>
             <a:endParaRPr lang="en-US" dirty="0">
               <a:latin typeface="Abadi Extra Light" panose="020B0204020104020204" pitchFamily="34" charset="0"/>
             </a:endParaRPr>
           </a:p>
         </p:txBody>
       </p:sp>
-      <p:pic>
-        <p:nvPicPr>
-          <p:cNvPr id="7" name="Picture 6">
+      <p:sp>
+        <p:nvSpPr>
+          <p:cNvPr id="7" name="Rectangle 6">
             <a:extLst>
               <a:ext uri="{FF2B5EF4-FFF2-40B4-BE49-F238E27FC236}">
-                <a16:creationId xmlns:a16="http://schemas.microsoft.com/office/drawing/2014/main" id="{1E11FB8E-2AF3-4EDA-8B5C-062A15C287A9}"/>
+                <a16:creationId xmlns:a16="http://schemas.microsoft.com/office/drawing/2014/main" id="{51B37108-1808-470A-94A9-244C9276FEDA}"/>
               </a:ext>
             </a:extLst>
           </p:cNvPr>
-          <p:cNvPicPr>
-            <a:picLocks noChangeAspect="1"/>
-          </p:cNvPicPr>
+          <p:cNvSpPr/>
           <p:nvPr/>
-        </p:nvPicPr>
-        <p:blipFill>
-          <a:blip r:embed="rId2"/>
-          <a:stretch>
-            <a:fillRect/>
-          </a:stretch>
-        </p:blipFill>
+        </p:nvSpPr>
         <p:spPr>
           <a:xfrm>
-            <a:off x="6096000" y="4453289"/>
-            <a:ext cx="5558310" cy="2031400"/>
+            <a:off x="6264642" y="889233"/>
+            <a:ext cx="5437436" cy="5595455"/>
+          </a:xfrm>
+          <a:prstGeom prst="rect">
+            <a:avLst/>
+          </a:prstGeom>
+          <a:solidFill>
+            <a:schemeClr val="accent1">
+              <a:alpha val="90000"/>
+            </a:schemeClr>
+          </a:solidFill>
+        </p:spPr>
+        <p:style>
+          <a:lnRef idx="2">
+            <a:schemeClr val="accent1">
+              <a:shade val="50000"/>
+            </a:schemeClr>
+          </a:lnRef>
+          <a:fillRef idx="1">
+            <a:schemeClr val="accent1"/>
+          </a:fillRef>
+          <a:effectRef idx="0">
+            <a:schemeClr val="accent1"/>
+          </a:effectRef>
+          <a:fontRef idx="minor">
+            <a:schemeClr val="lt1"/>
+          </a:fontRef>
+        </p:style>
+        <p:txBody>
+          <a:bodyPr rtlCol="0" anchor="ctr"/>
+          <a:lstStyle/>
+          <a:p>
+            <a:pPr algn="ctr"/>
+            <a:endParaRPr lang="en-US"/>
+          </a:p>
+        </p:txBody>
+      </p:sp>
+      <p:sp>
+        <p:nvSpPr>
+          <p:cNvPr id="8" name="Content Placeholder 2">
+            <a:extLst>
+              <a:ext uri="{FF2B5EF4-FFF2-40B4-BE49-F238E27FC236}">
+                <a16:creationId xmlns:a16="http://schemas.microsoft.com/office/drawing/2014/main" id="{FBF16527-6E15-4ECD-B8B0-49BB61C94868}"/>
+              </a:ext>
+            </a:extLst>
+          </p:cNvPr>
+          <p:cNvSpPr txBox="1">
+            <a:spLocks/>
+          </p:cNvSpPr>
+          <p:nvPr/>
+        </p:nvSpPr>
+        <p:spPr>
+          <a:xfrm>
+            <a:off x="6434227" y="1191237"/>
+            <a:ext cx="5056431" cy="5107227"/>
           </a:xfrm>
           <a:prstGeom prst="rect">
             <a:avLst/>
           </a:prstGeom>
         </p:spPr>
-      </p:pic>
+        <p:txBody>
+          <a:bodyPr vert="horz" lIns="91440" tIns="45720" rIns="91440" bIns="45720" rtlCol="0">
+            <a:normAutofit fontScale="40000" lnSpcReduction="20000"/>
+          </a:bodyPr>
+          <a:lstStyle>
+            <a:lvl1pPr marL="342900" indent="-342900" algn="l" defTabSz="457200" rtl="0" eaLnBrk="1" latinLnBrk="0" hangingPunct="1">
+              <a:spcBef>
+                <a:spcPts val="1000"/>
+              </a:spcBef>
+              <a:spcAft>
+                <a:spcPts val="0"/>
+              </a:spcAft>
+              <a:buClr>
+                <a:schemeClr val="accent1"/>
+              </a:buClr>
+              <a:buSzPct val="80000"/>
+              <a:buFont typeface="Wingdings 3" charset="2"/>
+              <a:buChar char=""/>
+              <a:defRPr sz="1800" b="0" i="0" kern="1200">
+                <a:solidFill>
+                  <a:schemeClr val="tx1">
+                    <a:lumMod val="75000"/>
+                    <a:lumOff val="25000"/>
+                  </a:schemeClr>
+                </a:solidFill>
+                <a:latin typeface="+mn-lt"/>
+                <a:ea typeface="+mn-ea"/>
+                <a:cs typeface="+mn-cs"/>
+              </a:defRPr>
+            </a:lvl1pPr>
+            <a:lvl2pPr marL="742950" indent="-285750" algn="l" defTabSz="457200" rtl="0" eaLnBrk="1" latinLnBrk="0" hangingPunct="1">
+              <a:spcBef>
+                <a:spcPts val="1000"/>
+              </a:spcBef>
+              <a:spcAft>
+                <a:spcPts val="0"/>
+              </a:spcAft>
+              <a:buClr>
+                <a:schemeClr val="accent1"/>
+              </a:buClr>
+              <a:buSzPct val="80000"/>
+              <a:buFont typeface="Wingdings 3" charset="2"/>
+              <a:buChar char=""/>
+              <a:defRPr sz="1600" b="0" i="0" kern="1200">
+                <a:solidFill>
+                  <a:schemeClr val="tx1">
+                    <a:lumMod val="75000"/>
+                    <a:lumOff val="25000"/>
+                  </a:schemeClr>
+                </a:solidFill>
+                <a:latin typeface="+mn-lt"/>
+                <a:ea typeface="+mn-ea"/>
+                <a:cs typeface="+mn-cs"/>
+              </a:defRPr>
+            </a:lvl2pPr>
+            <a:lvl3pPr marL="1143000" indent="-228600" algn="l" defTabSz="457200" rtl="0" eaLnBrk="1" latinLnBrk="0" hangingPunct="1">
+              <a:spcBef>
+                <a:spcPts val="1000"/>
+              </a:spcBef>
+              <a:spcAft>
+                <a:spcPts val="0"/>
+              </a:spcAft>
+              <a:buClr>
+                <a:schemeClr val="accent1"/>
+              </a:buClr>
+              <a:buSzPct val="80000"/>
+              <a:buFont typeface="Wingdings 3" charset="2"/>
+              <a:buChar char=""/>
+              <a:defRPr sz="1400" b="0" i="0" kern="1200">
+                <a:solidFill>
+                  <a:schemeClr val="tx1">
+                    <a:lumMod val="75000"/>
+                    <a:lumOff val="25000"/>
+                  </a:schemeClr>
+                </a:solidFill>
+                <a:latin typeface="+mn-lt"/>
+                <a:ea typeface="+mn-ea"/>
+                <a:cs typeface="+mn-cs"/>
+              </a:defRPr>
+            </a:lvl3pPr>
+            <a:lvl4pPr marL="1600200" indent="-228600" algn="l" defTabSz="457200" rtl="0" eaLnBrk="1" latinLnBrk="0" hangingPunct="1">
+              <a:spcBef>
+                <a:spcPts val="1000"/>
+              </a:spcBef>
+              <a:spcAft>
+                <a:spcPts val="0"/>
+              </a:spcAft>
+              <a:buClr>
+                <a:schemeClr val="accent1"/>
+              </a:buClr>
+              <a:buSzPct val="80000"/>
+              <a:buFont typeface="Wingdings 3" charset="2"/>
+              <a:buChar char=""/>
+              <a:defRPr sz="1200" b="0" i="0" kern="1200">
+                <a:solidFill>
+                  <a:schemeClr val="tx1">
+                    <a:lumMod val="75000"/>
+                    <a:lumOff val="25000"/>
+                  </a:schemeClr>
+                </a:solidFill>
+                <a:latin typeface="+mn-lt"/>
+                <a:ea typeface="+mn-ea"/>
+                <a:cs typeface="+mn-cs"/>
+              </a:defRPr>
+            </a:lvl4pPr>
+            <a:lvl5pPr marL="2057400" indent="-228600" algn="l" defTabSz="457200" rtl="0" eaLnBrk="1" latinLnBrk="0" hangingPunct="1">
+              <a:spcBef>
+                <a:spcPts val="1000"/>
+              </a:spcBef>
+              <a:spcAft>
+                <a:spcPts val="0"/>
+              </a:spcAft>
+              <a:buClr>
+                <a:schemeClr val="accent1"/>
+              </a:buClr>
+              <a:buSzPct val="80000"/>
+              <a:buFont typeface="Wingdings 3" charset="2"/>
+              <a:buChar char=""/>
+              <a:defRPr sz="1200" b="0" i="0" kern="1200">
+                <a:solidFill>
+                  <a:schemeClr val="tx1">
+                    <a:lumMod val="75000"/>
+                    <a:lumOff val="25000"/>
+                  </a:schemeClr>
+                </a:solidFill>
+                <a:latin typeface="+mn-lt"/>
+                <a:ea typeface="+mn-ea"/>
+                <a:cs typeface="+mn-cs"/>
+              </a:defRPr>
+            </a:lvl5pPr>
+            <a:lvl6pPr marL="2514600" indent="-228600" algn="l" defTabSz="457200" rtl="0" eaLnBrk="1" latinLnBrk="0" hangingPunct="1">
+              <a:spcBef>
+                <a:spcPts val="1000"/>
+              </a:spcBef>
+              <a:spcAft>
+                <a:spcPts val="0"/>
+              </a:spcAft>
+              <a:buClr>
+                <a:schemeClr val="accent1"/>
+              </a:buClr>
+              <a:buSzPct val="80000"/>
+              <a:buFont typeface="Wingdings 3" charset="2"/>
+              <a:buChar char=""/>
+              <a:defRPr sz="1200" b="0" i="0" kern="1200">
+                <a:solidFill>
+                  <a:schemeClr val="tx1">
+                    <a:lumMod val="75000"/>
+                    <a:lumOff val="25000"/>
+                  </a:schemeClr>
+                </a:solidFill>
+                <a:latin typeface="+mn-lt"/>
+                <a:ea typeface="+mn-ea"/>
+                <a:cs typeface="+mn-cs"/>
+              </a:defRPr>
+            </a:lvl6pPr>
+            <a:lvl7pPr marL="2971800" indent="-228600" algn="l" defTabSz="457200" rtl="0" eaLnBrk="1" latinLnBrk="0" hangingPunct="1">
+              <a:spcBef>
+                <a:spcPts val="1000"/>
+              </a:spcBef>
+              <a:spcAft>
+                <a:spcPts val="0"/>
+              </a:spcAft>
+              <a:buClr>
+                <a:schemeClr val="accent1"/>
+              </a:buClr>
+              <a:buSzPct val="80000"/>
+              <a:buFont typeface="Wingdings 3" charset="2"/>
+              <a:buChar char=""/>
+              <a:defRPr sz="1200" b="0" i="0" kern="1200">
+                <a:solidFill>
+                  <a:schemeClr val="tx1">
+                    <a:lumMod val="75000"/>
+                    <a:lumOff val="25000"/>
+                  </a:schemeClr>
+                </a:solidFill>
+                <a:latin typeface="+mn-lt"/>
+                <a:ea typeface="+mn-ea"/>
+                <a:cs typeface="+mn-cs"/>
+              </a:defRPr>
+            </a:lvl7pPr>
+            <a:lvl8pPr marL="3429000" indent="-228600" algn="l" defTabSz="457200" rtl="0" eaLnBrk="1" latinLnBrk="0" hangingPunct="1">
+              <a:spcBef>
+                <a:spcPts val="1000"/>
+              </a:spcBef>
+              <a:spcAft>
+                <a:spcPts val="0"/>
+              </a:spcAft>
+              <a:buClr>
+                <a:schemeClr val="accent1"/>
+              </a:buClr>
+              <a:buSzPct val="80000"/>
+              <a:buFont typeface="Wingdings 3" charset="2"/>
+              <a:buChar char=""/>
+              <a:defRPr sz="1200" b="0" i="0" kern="1200">
+                <a:solidFill>
+                  <a:schemeClr val="tx1">
+                    <a:lumMod val="75000"/>
+                    <a:lumOff val="25000"/>
+                  </a:schemeClr>
+                </a:solidFill>
+                <a:latin typeface="+mn-lt"/>
+                <a:ea typeface="+mn-ea"/>
+                <a:cs typeface="+mn-cs"/>
+              </a:defRPr>
+            </a:lvl8pPr>
+            <a:lvl9pPr marL="3886200" indent="-228600" algn="l" defTabSz="457200" rtl="0" eaLnBrk="1" latinLnBrk="0" hangingPunct="1">
+              <a:spcBef>
+                <a:spcPts val="1000"/>
+              </a:spcBef>
+              <a:spcAft>
+                <a:spcPts val="0"/>
+              </a:spcAft>
+              <a:buClr>
+                <a:schemeClr val="accent1"/>
+              </a:buClr>
+              <a:buSzPct val="80000"/>
+              <a:buFont typeface="Wingdings 3" charset="2"/>
+              <a:buChar char=""/>
+              <a:defRPr sz="1200" b="0" i="0" kern="1200">
+                <a:solidFill>
+                  <a:schemeClr val="tx1">
+                    <a:lumMod val="75000"/>
+                    <a:lumOff val="25000"/>
+                  </a:schemeClr>
+                </a:solidFill>
+                <a:latin typeface="+mn-lt"/>
+                <a:ea typeface="+mn-ea"/>
+                <a:cs typeface="+mn-cs"/>
+              </a:defRPr>
+            </a:lvl9pPr>
+          </a:lstStyle>
+          <a:p>
+            <a:pPr>
+              <a:spcAft>
+                <a:spcPts val="600"/>
+              </a:spcAft>
+              <a:buClr>
+                <a:schemeClr val="bg1"/>
+              </a:buClr>
+              <a:buSzPct val="75000"/>
+              <a:buFont typeface="Wingdings" panose="05000000000000000000" pitchFamily="2" charset="2"/>
+              <a:buChar char="v"/>
+            </a:pPr>
+            <a:r>
+              <a:rPr lang="en-US" sz="5000" dirty="0">
+                <a:solidFill>
+                  <a:srgbClr val="FCDCED"/>
+                </a:solidFill>
+                <a:latin typeface="Abadi Extra Light" panose="020B0204020104020204" pitchFamily="34" charset="0"/>
+              </a:rPr>
+              <a:t>Stereotype Bias</a:t>
+            </a:r>
+            <a:endParaRPr lang="en-US" sz="3300" dirty="0">
+              <a:solidFill>
+                <a:srgbClr val="FCDCED"/>
+              </a:solidFill>
+              <a:latin typeface="Abadi Extra Light" panose="020B0204020104020204" pitchFamily="34" charset="0"/>
+            </a:endParaRPr>
+          </a:p>
+          <a:p>
+            <a:pPr lvl="1">
+              <a:spcAft>
+                <a:spcPts val="600"/>
+              </a:spcAft>
+              <a:buClr>
+                <a:schemeClr val="bg1"/>
+              </a:buClr>
+              <a:buSzPct val="75000"/>
+              <a:buFont typeface="Wingdings" panose="05000000000000000000" pitchFamily="2" charset="2"/>
+              <a:buChar char="v"/>
+            </a:pPr>
+            <a:r>
+              <a:rPr lang="en-US" sz="3300" dirty="0">
+                <a:solidFill>
+                  <a:srgbClr val="FCDCED"/>
+                </a:solidFill>
+                <a:latin typeface="Abadi Extra Light" panose="020B0204020104020204" pitchFamily="34" charset="0"/>
+              </a:rPr>
+              <a:t>“I got a motorcycle.”</a:t>
+            </a:r>
+          </a:p>
+          <a:p>
+            <a:pPr lvl="1">
+              <a:spcAft>
+                <a:spcPts val="600"/>
+              </a:spcAft>
+              <a:buClr>
+                <a:schemeClr val="bg1"/>
+              </a:buClr>
+              <a:buSzPct val="75000"/>
+              <a:buFont typeface="Wingdings" panose="05000000000000000000" pitchFamily="2" charset="2"/>
+              <a:buChar char="v"/>
+            </a:pPr>
+            <a:r>
+              <a:rPr lang="en-US" sz="3300" dirty="0">
+                <a:solidFill>
+                  <a:srgbClr val="FCDCED"/>
+                </a:solidFill>
+                <a:latin typeface="Abadi Extra Light" panose="020B0204020104020204" pitchFamily="34" charset="0"/>
+              </a:rPr>
+              <a:t>“Off the top of my head, Louis Zamperini’s story is pretty fucking insane. Nellie Bly was also fucking hardcore.”</a:t>
+            </a:r>
+          </a:p>
+          <a:p>
+            <a:pPr lvl="1">
+              <a:spcAft>
+                <a:spcPts val="600"/>
+              </a:spcAft>
+              <a:buClr>
+                <a:schemeClr val="bg1"/>
+              </a:buClr>
+              <a:buSzPct val="75000"/>
+              <a:buFont typeface="Wingdings" panose="05000000000000000000" pitchFamily="2" charset="2"/>
+              <a:buChar char="v"/>
+            </a:pPr>
+            <a:r>
+              <a:rPr lang="en-US" sz="3300" dirty="0">
+                <a:solidFill>
+                  <a:srgbClr val="FCDCED"/>
+                </a:solidFill>
+                <a:latin typeface="Abadi Extra Light" panose="020B0204020104020204" pitchFamily="34" charset="0"/>
+              </a:rPr>
+              <a:t>These are comments by women, but the swearing and motorcycle lead the model in the opposite direction (98% certainty).  This is a classic problem in natural language processing  We don’t want to have models in our applications and commercial infrastructures that reinforce stereotyped perceptions and behaviors.</a:t>
+            </a:r>
+          </a:p>
+          <a:p>
+            <a:pPr>
+              <a:spcAft>
+                <a:spcPts val="600"/>
+              </a:spcAft>
+              <a:buClr>
+                <a:schemeClr val="bg1"/>
+              </a:buClr>
+              <a:buSzPct val="75000"/>
+              <a:buFont typeface="Wingdings" panose="05000000000000000000" pitchFamily="2" charset="2"/>
+              <a:buChar char="v"/>
+            </a:pPr>
+            <a:r>
+              <a:rPr lang="en-US" sz="5000" dirty="0">
+                <a:solidFill>
+                  <a:srgbClr val="FCDCED"/>
+                </a:solidFill>
+                <a:latin typeface="Abadi Extra Light" panose="020B0204020104020204" pitchFamily="34" charset="0"/>
+              </a:rPr>
+              <a:t>Subreddit Pretense</a:t>
+            </a:r>
+          </a:p>
+          <a:p>
+            <a:pPr lvl="1">
+              <a:spcAft>
+                <a:spcPts val="600"/>
+              </a:spcAft>
+              <a:buClr>
+                <a:schemeClr val="bg1"/>
+              </a:buClr>
+              <a:buSzPct val="75000"/>
+              <a:buFont typeface="Wingdings" panose="05000000000000000000" pitchFamily="2" charset="2"/>
+              <a:buChar char="v"/>
+            </a:pPr>
+            <a:r>
+              <a:rPr lang="en-US" sz="3300" dirty="0">
+                <a:solidFill>
+                  <a:srgbClr val="FCDCED"/>
+                </a:solidFill>
+                <a:latin typeface="Abadi Extra Light" panose="020B0204020104020204" pitchFamily="34" charset="0"/>
+              </a:rPr>
+              <a:t>“I’m a woman, but…”  The 3-gram “I’m a woman” should indicate female easily, but this phrase is actually more likely to be said by a woman replying </a:t>
+            </a:r>
+            <a:r>
+              <a:rPr lang="en-US" sz="3300" i="1" dirty="0">
+                <a:solidFill>
+                  <a:srgbClr val="FCDCED"/>
+                </a:solidFill>
+                <a:latin typeface="Abadi Extra Light" panose="020B0204020104020204" pitchFamily="34" charset="0"/>
+              </a:rPr>
+              <a:t>in </a:t>
+            </a:r>
+            <a:r>
+              <a:rPr lang="en-US" sz="3300" i="1" dirty="0" err="1">
+                <a:solidFill>
+                  <a:srgbClr val="FCDCED"/>
+                </a:solidFill>
+                <a:latin typeface="Abadi Extra Light" panose="020B0204020104020204" pitchFamily="34" charset="0"/>
+              </a:rPr>
+              <a:t>AskMen</a:t>
+            </a:r>
+            <a:r>
+              <a:rPr lang="en-US" sz="3300" dirty="0">
+                <a:solidFill>
+                  <a:srgbClr val="FCDCED"/>
+                </a:solidFill>
+                <a:latin typeface="Abadi Extra Light" panose="020B0204020104020204" pitchFamily="34" charset="0"/>
+              </a:rPr>
+              <a:t>.  So the model predicts </a:t>
+            </a:r>
+            <a:r>
+              <a:rPr lang="en-US" sz="3300" dirty="0" err="1">
+                <a:solidFill>
+                  <a:srgbClr val="FCDCED"/>
+                </a:solidFill>
+                <a:latin typeface="Abadi Extra Light" panose="020B0204020104020204" pitchFamily="34" charset="0"/>
+              </a:rPr>
+              <a:t>AskMen</a:t>
+            </a:r>
+            <a:r>
+              <a:rPr lang="en-US" sz="3300" dirty="0">
+                <a:solidFill>
+                  <a:srgbClr val="FCDCED"/>
+                </a:solidFill>
+                <a:latin typeface="Abadi Extra Light" panose="020B0204020104020204" pitchFamily="34" charset="0"/>
+              </a:rPr>
+              <a:t> correctly, but the underlying proxy is flawed</a:t>
+            </a:r>
+          </a:p>
+          <a:p>
+            <a:pPr>
+              <a:spcAft>
+                <a:spcPts val="600"/>
+              </a:spcAft>
+              <a:buClr>
+                <a:schemeClr val="bg1"/>
+              </a:buClr>
+              <a:buSzPct val="75000"/>
+              <a:buFont typeface="Wingdings" panose="05000000000000000000" pitchFamily="2" charset="2"/>
+              <a:buChar char="v"/>
+            </a:pPr>
+            <a:r>
+              <a:rPr lang="en-US" sz="5000" dirty="0">
+                <a:solidFill>
+                  <a:srgbClr val="FCDCED"/>
+                </a:solidFill>
+                <a:latin typeface="Abadi Extra Light" panose="020B0204020104020204" pitchFamily="34" charset="0"/>
+              </a:rPr>
+              <a:t>Wrong for the Right Reasons</a:t>
+            </a:r>
+          </a:p>
+          <a:p>
+            <a:pPr lvl="1">
+              <a:spcAft>
+                <a:spcPts val="600"/>
+              </a:spcAft>
+              <a:buClr>
+                <a:schemeClr val="bg1"/>
+              </a:buClr>
+              <a:buSzPct val="75000"/>
+              <a:buFont typeface="Wingdings" panose="05000000000000000000" pitchFamily="2" charset="2"/>
+              <a:buChar char="v"/>
+            </a:pPr>
+            <a:r>
+              <a:rPr lang="en-US" sz="3300" dirty="0">
+                <a:solidFill>
+                  <a:srgbClr val="FCDCED"/>
+                </a:solidFill>
+                <a:latin typeface="Abadi Extra Light" panose="020B0204020104020204" pitchFamily="34" charset="0"/>
+              </a:rPr>
+              <a:t>At its best, the model identifies a woman replying in </a:t>
+            </a:r>
+            <a:r>
+              <a:rPr lang="en-US" sz="3300" dirty="0" err="1">
+                <a:solidFill>
+                  <a:srgbClr val="FCDCED"/>
+                </a:solidFill>
+                <a:latin typeface="Abadi Extra Light" panose="020B0204020104020204" pitchFamily="34" charset="0"/>
+              </a:rPr>
+              <a:t>AskMen</a:t>
+            </a:r>
+            <a:r>
+              <a:rPr lang="en-US" sz="3300" dirty="0">
+                <a:solidFill>
+                  <a:srgbClr val="FCDCED"/>
+                </a:solidFill>
+                <a:latin typeface="Abadi Extra Light" panose="020B0204020104020204" pitchFamily="34" charset="0"/>
+              </a:rPr>
+              <a:t> (and vice versa) based on linguistic signatures it has learned.  There were a handful of examples of this among the incorrect predictions, but the most definitive tend to be off-color.</a:t>
+            </a:r>
+          </a:p>
+          <a:p>
+            <a:pPr>
+              <a:buClr>
+                <a:schemeClr val="bg1"/>
+              </a:buClr>
+              <a:buSzPct val="75000"/>
+              <a:buFont typeface="Wingdings" panose="05000000000000000000" pitchFamily="2" charset="2"/>
+              <a:buChar char="v"/>
+            </a:pPr>
+            <a:endParaRPr lang="en-US" dirty="0">
+              <a:latin typeface="Abadi Extra Light" panose="020B0204020104020204" pitchFamily="34" charset="0"/>
+            </a:endParaRPr>
+          </a:p>
+        </p:txBody>
+      </p:sp>
+    </p:spTree>
+    <p:extLst>
+      <p:ext uri="{BB962C8B-B14F-4D97-AF65-F5344CB8AC3E}">
+        <p14:creationId xmlns:p14="http://schemas.microsoft.com/office/powerpoint/2010/main" val="3541864863"/>
+      </p:ext>
+    </p:extLst>
+  </p:cSld>
+  <p:clrMapOvr>
+    <a:masterClrMapping/>
+  </p:clrMapOvr>
+</p:sld>
+</file>
+
+<file path=ppt/slides/slide13.xml><?xml version="1.0" encoding="utf-8"?>
+<p:sld xmlns:a="http://schemas.openxmlformats.org/drawingml/2006/main" xmlns:r="http://schemas.openxmlformats.org/officeDocument/2006/relationships" xmlns:p="http://schemas.openxmlformats.org/presentationml/2006/main">
+  <p:cSld>
+    <p:spTree>
+      <p:nvGrpSpPr>
+        <p:cNvPr id="1" name=""/>
+        <p:cNvGrpSpPr/>
+        <p:nvPr/>
+      </p:nvGrpSpPr>
+      <p:grpSpPr>
+        <a:xfrm>
+          <a:off x="0" y="0"/>
+          <a:ext cx="0" cy="0"/>
+          <a:chOff x="0" y="0"/>
+          <a:chExt cx="0" cy="0"/>
+        </a:xfrm>
+      </p:grpSpPr>
+      <p:sp>
+        <p:nvSpPr>
+          <p:cNvPr id="11" name="Rectangle 10">
+            <a:extLst>
+              <a:ext uri="{FF2B5EF4-FFF2-40B4-BE49-F238E27FC236}">
+                <a16:creationId xmlns:a16="http://schemas.microsoft.com/office/drawing/2014/main" id="{FEA7CC29-C0BE-4548-BD35-60C4ACC916E7}"/>
+              </a:ext>
+            </a:extLst>
+          </p:cNvPr>
+          <p:cNvSpPr/>
+          <p:nvPr/>
+        </p:nvSpPr>
+        <p:spPr>
+          <a:xfrm>
+            <a:off x="485191" y="1418253"/>
+            <a:ext cx="5200581" cy="5066436"/>
+          </a:xfrm>
+          <a:prstGeom prst="rect">
+            <a:avLst/>
+          </a:prstGeom>
+          <a:solidFill>
+            <a:schemeClr val="accent1">
+              <a:alpha val="90000"/>
+            </a:schemeClr>
+          </a:solidFill>
+        </p:spPr>
+        <p:style>
+          <a:lnRef idx="2">
+            <a:schemeClr val="accent1">
+              <a:shade val="50000"/>
+            </a:schemeClr>
+          </a:lnRef>
+          <a:fillRef idx="1">
+            <a:schemeClr val="accent1"/>
+          </a:fillRef>
+          <a:effectRef idx="0">
+            <a:schemeClr val="accent1"/>
+          </a:effectRef>
+          <a:fontRef idx="minor">
+            <a:schemeClr val="lt1"/>
+          </a:fontRef>
+        </p:style>
+        <p:txBody>
+          <a:bodyPr rtlCol="0" anchor="ctr"/>
+          <a:lstStyle/>
+          <a:p>
+            <a:pPr algn="ctr"/>
+            <a:endParaRPr lang="en-US"/>
+          </a:p>
+        </p:txBody>
+      </p:sp>
+      <p:sp>
+        <p:nvSpPr>
+          <p:cNvPr id="9" name="Rectangle 8">
+            <a:extLst>
+              <a:ext uri="{FF2B5EF4-FFF2-40B4-BE49-F238E27FC236}">
+                <a16:creationId xmlns:a16="http://schemas.microsoft.com/office/drawing/2014/main" id="{AD3DCD18-5AC9-4FE8-9610-B46093024439}"/>
+              </a:ext>
+            </a:extLst>
+          </p:cNvPr>
+          <p:cNvSpPr/>
+          <p:nvPr/>
+        </p:nvSpPr>
+        <p:spPr>
+          <a:xfrm>
+            <a:off x="6290076" y="478172"/>
+            <a:ext cx="5496119" cy="1900387"/>
+          </a:xfrm>
+          <a:prstGeom prst="rect">
+            <a:avLst/>
+          </a:prstGeom>
+          <a:solidFill>
+            <a:schemeClr val="accent1"/>
+          </a:solidFill>
+        </p:spPr>
+        <p:style>
+          <a:lnRef idx="2">
+            <a:schemeClr val="accent1">
+              <a:shade val="50000"/>
+            </a:schemeClr>
+          </a:lnRef>
+          <a:fillRef idx="1">
+            <a:schemeClr val="accent1"/>
+          </a:fillRef>
+          <a:effectRef idx="0">
+            <a:schemeClr val="accent1"/>
+          </a:effectRef>
+          <a:fontRef idx="minor">
+            <a:schemeClr val="lt1"/>
+          </a:fontRef>
+        </p:style>
+        <p:txBody>
+          <a:bodyPr rtlCol="0" anchor="ctr"/>
+          <a:lstStyle/>
+          <a:p>
+            <a:pPr algn="ctr"/>
+            <a:endParaRPr lang="en-US"/>
+          </a:p>
+        </p:txBody>
+      </p:sp>
+      <p:sp>
+        <p:nvSpPr>
+          <p:cNvPr id="2" name="Title 1">
+            <a:extLst>
+              <a:ext uri="{FF2B5EF4-FFF2-40B4-BE49-F238E27FC236}">
+                <a16:creationId xmlns:a16="http://schemas.microsoft.com/office/drawing/2014/main" id="{31ACD9C7-4049-43E6-8FD9-A75263344DEC}"/>
+              </a:ext>
+            </a:extLst>
+          </p:cNvPr>
+          <p:cNvSpPr>
+            <a:spLocks noGrp="1"/>
+          </p:cNvSpPr>
+          <p:nvPr>
+            <p:ph type="title"/>
+          </p:nvPr>
+        </p:nvSpPr>
+        <p:spPr>
+          <a:xfrm>
+            <a:off x="701343" y="618259"/>
+            <a:ext cx="9517478" cy="706964"/>
+          </a:xfrm>
+        </p:spPr>
+        <p:txBody>
+          <a:bodyPr/>
+          <a:lstStyle/>
+          <a:p>
+            <a:r>
+              <a:rPr lang="en-US" dirty="0">
+                <a:latin typeface="Folks-Light" panose="02000403020000020004" pitchFamily="2" charset="0"/>
+              </a:rPr>
+              <a:t>HEATMAP TEXT IN TABLEAU </a:t>
+            </a:r>
+          </a:p>
+        </p:txBody>
+      </p:sp>
+      <p:sp>
+        <p:nvSpPr>
+          <p:cNvPr id="3" name="Content Placeholder 2">
+            <a:extLst>
+              <a:ext uri="{FF2B5EF4-FFF2-40B4-BE49-F238E27FC236}">
+                <a16:creationId xmlns:a16="http://schemas.microsoft.com/office/drawing/2014/main" id="{88C6E433-2B24-4C87-99A5-B0A7E1C17C3E}"/>
+              </a:ext>
+            </a:extLst>
+          </p:cNvPr>
+          <p:cNvSpPr>
+            <a:spLocks noGrp="1"/>
+          </p:cNvSpPr>
+          <p:nvPr>
+            <p:ph idx="1"/>
+          </p:nvPr>
+        </p:nvSpPr>
+        <p:spPr>
+          <a:xfrm>
+            <a:off x="776571" y="1845341"/>
+            <a:ext cx="4634597" cy="4181145"/>
+          </a:xfrm>
+        </p:spPr>
+        <p:txBody>
+          <a:bodyPr>
+            <a:noAutofit/>
+          </a:bodyPr>
+          <a:lstStyle/>
+          <a:p>
+            <a:pPr marL="0" indent="0">
+              <a:buClr>
+                <a:schemeClr val="bg1"/>
+              </a:buClr>
+              <a:buSzPct val="75000"/>
+              <a:buNone/>
+            </a:pPr>
+            <a:r>
+              <a:rPr lang="en-US" sz="1300" dirty="0">
+                <a:solidFill>
+                  <a:srgbClr val="FCDCED"/>
+                </a:solidFill>
+                <a:latin typeface="Abadi Extra Light" panose="020B0204020104020204" pitchFamily="34" charset="0"/>
+              </a:rPr>
+              <a:t>“You need to be able to distinguish between a girl that likes the attention you're giving her from a girl that likes you. Most girls at a party will smile and talk to you if you approach them with confidence. After you talk to her though, you need to find a way for her to invest in the interaction. If she never invests in it you never really know what she wants. Walking away from the girl without getting any info is a good way to do this. You started the first conversation, now she's on the spot. If she doesn't come up to you and talk to you again, she isn't getting your number. This forces her to be more than just a receiver of attention. If you're leaving the party, or think you might not see her again at that party. Give her your contact info, don't take any of hers. She's then forced to reach out to you if she wants things to go anywhere. Not only will this tell you if she's actually interested in you, it will make her more attracted. She will see that you aren't desperate, and that makes you more attractive. Girls can sense when the only reason you're talking to them is to get their number or something like that. They can see right through you. When you walk away without the number, she realizes you're not just trying to get her number, you actually just wanted to talk to her. That is attractive.”</a:t>
+            </a:r>
+            <a:endParaRPr lang="en-US" sz="1300" dirty="0">
+              <a:latin typeface="Abadi Extra Light" panose="020B0204020104020204" pitchFamily="34" charset="0"/>
+            </a:endParaRPr>
+          </a:p>
+        </p:txBody>
+      </p:sp>
       <p:sp>
         <p:nvSpPr>
           <p:cNvPr id="8" name="Content Placeholder 2">
@@ -14574,8 +16425,8 @@
         </p:nvSpPr>
         <p:spPr>
           <a:xfrm>
-            <a:off x="6347266" y="1705384"/>
-            <a:ext cx="4904508" cy="2425510"/>
+            <a:off x="6469290" y="776357"/>
+            <a:ext cx="5099128" cy="1648717"/>
           </a:xfrm>
           <a:prstGeom prst="rect">
             <a:avLst/>
@@ -14825,16 +16676,16 @@
               <a:buChar char="v"/>
             </a:pPr>
             <a:r>
-              <a:rPr lang="en-US" dirty="0">
+              <a:rPr lang="en-US" sz="1600" dirty="0">
                 <a:solidFill>
                   <a:schemeClr val="bg1"/>
                 </a:solidFill>
                 <a:latin typeface="Abadi Extra Light" panose="020B0204020104020204" pitchFamily="34" charset="0"/>
               </a:rPr>
-              <a:t>The comment at left was consistently top 3 associated with r/</a:t>
-            </a:r>
-            <a:r>
-              <a:rPr lang="en-US" dirty="0" err="1">
+              <a:t>The comment below was highly linked with r/</a:t>
+            </a:r>
+            <a:r>
+              <a:rPr lang="en-US" sz="1600" dirty="0" err="1">
                 <a:solidFill>
                   <a:schemeClr val="bg1"/>
                 </a:solidFill>
@@ -14843,31 +16694,13 @@
               <a:t>AskMen</a:t>
             </a:r>
             <a:r>
-              <a:rPr lang="en-US" dirty="0">
+              <a:rPr lang="en-US" sz="1600" dirty="0">
                 <a:solidFill>
                   <a:schemeClr val="bg1"/>
                 </a:solidFill>
                 <a:latin typeface="Abadi Extra Light" panose="020B0204020104020204" pitchFamily="34" charset="0"/>
               </a:rPr>
-              <a:t> by </a:t>
-            </a:r>
-            <a:r>
-              <a:rPr lang="en-US" dirty="0" err="1">
-                <a:solidFill>
-                  <a:schemeClr val="bg1"/>
-                </a:solidFill>
-                <a:latin typeface="Abadi Extra Light" panose="020B0204020104020204" pitchFamily="34" charset="0"/>
-              </a:rPr>
-              <a:t>predict_proba</a:t>
-            </a:r>
-            <a:r>
-              <a:rPr lang="en-US" dirty="0">
-                <a:solidFill>
-                  <a:schemeClr val="bg1"/>
-                </a:solidFill>
-                <a:latin typeface="Abadi Extra Light" panose="020B0204020104020204" pitchFamily="34" charset="0"/>
-              </a:rPr>
-              <a:t>, but the keywords driving this prediction were less obvious.</a:t>
+              <a:t>, but the keywords driving the prediction were not obvious.</a:t>
             </a:r>
           </a:p>
           <a:p>
@@ -14883,17 +16716,47 @@
               <a:buChar char="v"/>
             </a:pPr>
             <a:r>
-              <a:rPr lang="en-US" dirty="0">
+              <a:rPr lang="en-US" sz="1600" dirty="0">
                 <a:solidFill>
                   <a:schemeClr val="bg1"/>
                 </a:solidFill>
                 <a:latin typeface="Abadi Extra Light" panose="020B0204020104020204" pitchFamily="34" charset="0"/>
               </a:rPr>
-              <a:t>Color divergent mapping in Tableau according to single word regression coefficients helps visualize how the model sees the text.</a:t>
+              <a:t>Divergent color-mapping of the text by coefficient in Tableau helps us visualize how the model sees the text.</a:t>
             </a:r>
           </a:p>
         </p:txBody>
       </p:sp>
+      <p:pic>
+        <p:nvPicPr>
+          <p:cNvPr id="6" name="Picture 5">
+            <a:extLst>
+              <a:ext uri="{FF2B5EF4-FFF2-40B4-BE49-F238E27FC236}">
+                <a16:creationId xmlns:a16="http://schemas.microsoft.com/office/drawing/2014/main" id="{FDF4D396-01EB-4113-B8AF-F2FEAD034E1E}"/>
+              </a:ext>
+            </a:extLst>
+          </p:cNvPr>
+          <p:cNvPicPr>
+            <a:picLocks noChangeAspect="1"/>
+          </p:cNvPicPr>
+          <p:nvPr/>
+        </p:nvPicPr>
+        <p:blipFill>
+          <a:blip r:embed="rId2"/>
+          <a:stretch>
+            <a:fillRect/>
+          </a:stretch>
+        </p:blipFill>
+        <p:spPr>
+          <a:xfrm>
+            <a:off x="5910442" y="2448667"/>
+            <a:ext cx="6026755" cy="4181145"/>
+          </a:xfrm>
+          <a:prstGeom prst="rect">
+            <a:avLst/>
+          </a:prstGeom>
+        </p:spPr>
+      </p:pic>
     </p:spTree>
     <p:extLst>
       <p:ext uri="{BB962C8B-B14F-4D97-AF65-F5344CB8AC3E}">
@@ -14903,997 +16766,6 @@
   </p:cSld>
   <p:clrMapOvr>
     <a:masterClrMapping/>
-  </p:clrMapOvr>
-</p:sld>
-</file>
-
-<file path=ppt/slides/slide12.xml><?xml version="1.0" encoding="utf-8"?>
-<p:sld xmlns:a="http://schemas.openxmlformats.org/drawingml/2006/main" xmlns:r="http://schemas.openxmlformats.org/officeDocument/2006/relationships" xmlns:p="http://schemas.openxmlformats.org/presentationml/2006/main">
-  <p:cSld>
-    <p:bg>
-      <p:bgPr>
-        <a:solidFill>
-          <a:schemeClr val="bg1"/>
-        </a:solidFill>
-        <a:effectLst/>
-      </p:bgPr>
-    </p:bg>
-    <p:spTree>
-      <p:nvGrpSpPr>
-        <p:cNvPr id="1" name=""/>
-        <p:cNvGrpSpPr/>
-        <p:nvPr/>
-      </p:nvGrpSpPr>
-      <p:grpSpPr>
-        <a:xfrm>
-          <a:off x="0" y="0"/>
-          <a:ext cx="0" cy="0"/>
-          <a:chOff x="0" y="0"/>
-          <a:chExt cx="0" cy="0"/>
-        </a:xfrm>
-      </p:grpSpPr>
-      <p:grpSp>
-        <p:nvGrpSpPr>
-          <p:cNvPr id="10" name="Group 9">
-            <a:extLst>
-              <a:ext uri="{FF2B5EF4-FFF2-40B4-BE49-F238E27FC236}">
-                <a16:creationId xmlns:a16="http://schemas.microsoft.com/office/drawing/2014/main" id="{4091D54B-59AB-4A5E-8E9E-0421BD66D4FB}"/>
-              </a:ext>
-              <a:ext uri="{C183D7F6-B498-43B3-948B-1728B52AA6E4}">
-                <adec:decorative xmlns:adec="http://schemas.microsoft.com/office/drawing/2017/decorative" val="1"/>
-              </a:ext>
-            </a:extLst>
-          </p:cNvPr>
-          <p:cNvGrpSpPr>
-            <a:grpSpLocks noGrp="1" noUngrp="1" noRot="1" noChangeAspect="1" noMove="1" noResize="1"/>
-          </p:cNvGrpSpPr>
-          <p:nvPr>
-            <p:extLst>
-              <p:ext uri="{386F3935-93C4-4BCD-93E2-E3B085C9AB24}">
-                <p16:designElem xmlns:p16="http://schemas.microsoft.com/office/powerpoint/2015/main" val="1"/>
-              </p:ext>
-            </p:extLst>
-          </p:nvPr>
-        </p:nvGrpSpPr>
-        <p:grpSpPr>
-          <a:xfrm>
-            <a:off x="0" y="0"/>
-            <a:ext cx="12192000" cy="6858000"/>
-            <a:chOff x="0" y="0"/>
-            <a:chExt cx="12192000" cy="6858000"/>
-          </a:xfrm>
-        </p:grpSpPr>
-        <p:sp>
-          <p:nvSpPr>
-            <p:cNvPr id="11" name="Rectangle 10">
-              <a:extLst>
-                <a:ext uri="{FF2B5EF4-FFF2-40B4-BE49-F238E27FC236}">
-                  <a16:creationId xmlns:a16="http://schemas.microsoft.com/office/drawing/2014/main" id="{547CE62E-FFFD-4A1F-BA78-C3B89C36FCA5}"/>
-                </a:ext>
-                <a:ext uri="{C183D7F6-B498-43B3-948B-1728B52AA6E4}">
-                  <adec:decorative xmlns:adec="http://schemas.microsoft.com/office/drawing/2017/decorative" val="1"/>
-                </a:ext>
-              </a:extLst>
-            </p:cNvPr>
-            <p:cNvSpPr/>
-            <p:nvPr>
-              <p:extLst>
-                <p:ext uri="{386F3935-93C4-4BCD-93E2-E3B085C9AB24}">
-                  <p16:designElem xmlns:p16="http://schemas.microsoft.com/office/powerpoint/2015/main" val="1"/>
-                </p:ext>
-              </p:extLst>
-            </p:nvPr>
-          </p:nvSpPr>
-          <p:spPr>
-            <a:xfrm>
-              <a:off x="0" y="0"/>
-              <a:ext cx="12192000" cy="6858000"/>
-            </a:xfrm>
-            <a:prstGeom prst="rect">
-              <a:avLst/>
-            </a:prstGeom>
-            <a:blipFill>
-              <a:blip r:embed="rId2">
-                <a:duotone>
-                  <a:schemeClr val="dk2">
-                    <a:shade val="69000"/>
-                    <a:hueMod val="91000"/>
-                    <a:satMod val="164000"/>
-                    <a:lumMod val="74000"/>
-                  </a:schemeClr>
-                  <a:schemeClr val="dk2">
-                    <a:hueMod val="124000"/>
-                    <a:satMod val="140000"/>
-                    <a:lumMod val="142000"/>
-                  </a:schemeClr>
-                </a:duotone>
-              </a:blip>
-              <a:stretch>
-                <a:fillRect/>
-              </a:stretch>
-            </a:blipFill>
-            <a:ln>
-              <a:noFill/>
-            </a:ln>
-          </p:spPr>
-          <p:style>
-            <a:lnRef idx="2">
-              <a:schemeClr val="accent1">
-                <a:shade val="50000"/>
-              </a:schemeClr>
-            </a:lnRef>
-            <a:fillRef idx="1">
-              <a:schemeClr val="accent1"/>
-            </a:fillRef>
-            <a:effectRef idx="0">
-              <a:schemeClr val="accent1"/>
-            </a:effectRef>
-            <a:fontRef idx="minor">
-              <a:schemeClr val="lt1"/>
-            </a:fontRef>
-          </p:style>
-        </p:sp>
-        <p:sp>
-          <p:nvSpPr>
-            <p:cNvPr id="12" name="Freeform 5">
-              <a:extLst>
-                <a:ext uri="{FF2B5EF4-FFF2-40B4-BE49-F238E27FC236}">
-                  <a16:creationId xmlns:a16="http://schemas.microsoft.com/office/drawing/2014/main" id="{AE51FD27-6B6A-4D21-BF22-245DA9BD0B3E}"/>
-                </a:ext>
-                <a:ext uri="{C183D7F6-B498-43B3-948B-1728B52AA6E4}">
-                  <adec:decorative xmlns:adec="http://schemas.microsoft.com/office/drawing/2017/decorative" val="1"/>
-                </a:ext>
-              </a:extLst>
-            </p:cNvPr>
-            <p:cNvSpPr>
-              <a:spLocks noEditPoints="1"/>
-            </p:cNvSpPr>
-            <p:nvPr>
-              <p:extLst>
-                <p:ext uri="{386F3935-93C4-4BCD-93E2-E3B085C9AB24}">
-                  <p16:designElem xmlns:p16="http://schemas.microsoft.com/office/powerpoint/2015/main" val="1"/>
-                </p:ext>
-              </p:extLst>
-            </p:nvPr>
-          </p:nvSpPr>
-          <p:spPr bwMode="gray">
-            <a:xfrm>
-              <a:off x="0" y="1587"/>
-              <a:ext cx="12192000" cy="6856413"/>
-            </a:xfrm>
-            <a:custGeom>
-              <a:avLst/>
-              <a:gdLst/>
-              <a:ahLst/>
-              <a:cxnLst/>
-              <a:rect l="0" t="0" r="r" b="b"/>
-              <a:pathLst>
-                <a:path w="15356" h="8638">
-                  <a:moveTo>
-                    <a:pt x="0" y="0"/>
-                  </a:moveTo>
-                  <a:lnTo>
-                    <a:pt x="0" y="8638"/>
-                  </a:lnTo>
-                  <a:lnTo>
-                    <a:pt x="15356" y="8638"/>
-                  </a:lnTo>
-                  <a:lnTo>
-                    <a:pt x="15356" y="0"/>
-                  </a:lnTo>
-                  <a:lnTo>
-                    <a:pt x="0" y="0"/>
-                  </a:lnTo>
-                  <a:close/>
-                  <a:moveTo>
-                    <a:pt x="14748" y="8038"/>
-                  </a:moveTo>
-                  <a:lnTo>
-                    <a:pt x="600" y="8038"/>
-                  </a:lnTo>
-                  <a:lnTo>
-                    <a:pt x="600" y="592"/>
-                  </a:lnTo>
-                  <a:lnTo>
-                    <a:pt x="14748" y="592"/>
-                  </a:lnTo>
-                  <a:lnTo>
-                    <a:pt x="14748" y="8038"/>
-                  </a:lnTo>
-                  <a:close/>
-                </a:path>
-              </a:pathLst>
-            </a:custGeom>
-            <a:solidFill>
-              <a:schemeClr val="bg1"/>
-            </a:solidFill>
-            <a:ln>
-              <a:noFill/>
-            </a:ln>
-          </p:spPr>
-        </p:sp>
-      </p:grpSp>
-      <p:sp>
-        <p:nvSpPr>
-          <p:cNvPr id="14" name="Rectangle 13">
-            <a:extLst>
-              <a:ext uri="{FF2B5EF4-FFF2-40B4-BE49-F238E27FC236}">
-                <a16:creationId xmlns:a16="http://schemas.microsoft.com/office/drawing/2014/main" id="{B8144315-1C5A-4185-A952-25D98D303D46}"/>
-              </a:ext>
-              <a:ext uri="{C183D7F6-B498-43B3-948B-1728B52AA6E4}">
-                <adec:decorative xmlns:adec="http://schemas.microsoft.com/office/drawing/2017/decorative" val="1"/>
-              </a:ext>
-            </a:extLst>
-          </p:cNvPr>
-          <p:cNvSpPr>
-            <a:spLocks noGrp="1" noRot="1" noChangeAspect="1" noMove="1" noResize="1" noEditPoints="1" noAdjustHandles="1" noChangeArrowheads="1" noChangeShapeType="1" noTextEdit="1"/>
-          </p:cNvSpPr>
-          <p:nvPr>
-            <p:extLst>
-              <p:ext uri="{386F3935-93C4-4BCD-93E2-E3B085C9AB24}">
-                <p16:designElem xmlns:p16="http://schemas.microsoft.com/office/powerpoint/2015/main" val="1"/>
-              </p:ext>
-            </p:extLst>
-          </p:nvPr>
-        </p:nvSpPr>
-        <p:spPr>
-          <a:xfrm>
-            <a:off x="10437812" y="0"/>
-            <a:ext cx="685800" cy="1143000"/>
-          </a:xfrm>
-          <a:prstGeom prst="rect">
-            <a:avLst/>
-          </a:prstGeom>
-          <a:solidFill>
-            <a:schemeClr val="accent1"/>
-          </a:solidFill>
-          <a:ln>
-            <a:noFill/>
-          </a:ln>
-        </p:spPr>
-        <p:style>
-          <a:lnRef idx="1">
-            <a:schemeClr val="accent1"/>
-          </a:lnRef>
-          <a:fillRef idx="3">
-            <a:schemeClr val="accent1"/>
-          </a:fillRef>
-          <a:effectRef idx="2">
-            <a:schemeClr val="accent1"/>
-          </a:effectRef>
-          <a:fontRef idx="minor">
-            <a:schemeClr val="lt1"/>
-          </a:fontRef>
-        </p:style>
-      </p:sp>
-      <p:sp>
-        <p:nvSpPr>
-          <p:cNvPr id="16" name="Rectangle 15">
-            <a:extLst>
-              <a:ext uri="{FF2B5EF4-FFF2-40B4-BE49-F238E27FC236}">
-                <a16:creationId xmlns:a16="http://schemas.microsoft.com/office/drawing/2014/main" id="{2B109C5B-3B98-48EB-A942-8D11CEA374B6}"/>
-              </a:ext>
-              <a:ext uri="{C183D7F6-B498-43B3-948B-1728B52AA6E4}">
-                <adec:decorative xmlns:adec="http://schemas.microsoft.com/office/drawing/2017/decorative" val="1"/>
-              </a:ext>
-            </a:extLst>
-          </p:cNvPr>
-          <p:cNvSpPr>
-            <a:spLocks noGrp="1" noRot="1" noChangeAspect="1" noMove="1" noResize="1" noEditPoints="1" noAdjustHandles="1" noChangeArrowheads="1" noChangeShapeType="1" noTextEdit="1"/>
-          </p:cNvSpPr>
-          <p:nvPr>
-            <p:extLst>
-              <p:ext uri="{386F3935-93C4-4BCD-93E2-E3B085C9AB24}">
-                <p16:designElem xmlns:p16="http://schemas.microsoft.com/office/powerpoint/2015/main" val="1"/>
-              </p:ext>
-            </p:extLst>
-          </p:nvPr>
-        </p:nvSpPr>
-        <p:spPr>
-          <a:xfrm>
-            <a:off x="0" y="793"/>
-            <a:ext cx="12192000" cy="6858000"/>
-          </a:xfrm>
-          <a:prstGeom prst="rect">
-            <a:avLst/>
-          </a:prstGeom>
-          <a:blipFill>
-            <a:blip r:embed="rId2">
-              <a:duotone>
-                <a:schemeClr val="dk2">
-                  <a:shade val="69000"/>
-                  <a:hueMod val="91000"/>
-                  <a:satMod val="164000"/>
-                  <a:lumMod val="74000"/>
-                </a:schemeClr>
-                <a:schemeClr val="dk2">
-                  <a:hueMod val="124000"/>
-                  <a:satMod val="140000"/>
-                  <a:lumMod val="142000"/>
-                </a:schemeClr>
-              </a:duotone>
-            </a:blip>
-            <a:stretch>
-              <a:fillRect/>
-            </a:stretch>
-          </a:blipFill>
-          <a:ln>
-            <a:noFill/>
-          </a:ln>
-        </p:spPr>
-        <p:style>
-          <a:lnRef idx="2">
-            <a:schemeClr val="accent1">
-              <a:shade val="50000"/>
-            </a:schemeClr>
-          </a:lnRef>
-          <a:fillRef idx="1">
-            <a:schemeClr val="accent1"/>
-          </a:fillRef>
-          <a:effectRef idx="0">
-            <a:schemeClr val="accent1"/>
-          </a:effectRef>
-          <a:fontRef idx="minor">
-            <a:schemeClr val="lt1"/>
-          </a:fontRef>
-        </p:style>
-      </p:sp>
-      <p:sp>
-        <p:nvSpPr>
-          <p:cNvPr id="18" name="Freeform 5">
-            <a:extLst>
-              <a:ext uri="{FF2B5EF4-FFF2-40B4-BE49-F238E27FC236}">
-                <a16:creationId xmlns:a16="http://schemas.microsoft.com/office/drawing/2014/main" id="{A9C389E4-003E-40C9-AC9E-ED821C16F525}"/>
-              </a:ext>
-              <a:ext uri="{C183D7F6-B498-43B3-948B-1728B52AA6E4}">
-                <adec:decorative xmlns:adec="http://schemas.microsoft.com/office/drawing/2017/decorative" val="1"/>
-              </a:ext>
-            </a:extLst>
-          </p:cNvPr>
-          <p:cNvSpPr>
-            <a:spLocks noGrp="1" noRot="1" noChangeAspect="1" noMove="1" noResize="1" noEditPoints="1" noAdjustHandles="1" noChangeArrowheads="1" noChangeShapeType="1" noTextEdit="1"/>
-          </p:cNvSpPr>
-          <p:nvPr>
-            <p:extLst>
-              <p:ext uri="{386F3935-93C4-4BCD-93E2-E3B085C9AB24}">
-                <p16:designElem xmlns:p16="http://schemas.microsoft.com/office/powerpoint/2015/main" val="1"/>
-              </p:ext>
-            </p:extLst>
-          </p:nvPr>
-        </p:nvSpPr>
-        <p:spPr bwMode="gray">
-          <a:xfrm>
-            <a:off x="0" y="1587"/>
-            <a:ext cx="12192000" cy="6856413"/>
-          </a:xfrm>
-          <a:custGeom>
-            <a:avLst/>
-            <a:gdLst/>
-            <a:ahLst/>
-            <a:cxnLst/>
-            <a:rect l="0" t="0" r="r" b="b"/>
-            <a:pathLst>
-              <a:path w="15356" h="8638">
-                <a:moveTo>
-                  <a:pt x="0" y="0"/>
-                </a:moveTo>
-                <a:lnTo>
-                  <a:pt x="0" y="8638"/>
-                </a:lnTo>
-                <a:lnTo>
-                  <a:pt x="15356" y="8638"/>
-                </a:lnTo>
-                <a:lnTo>
-                  <a:pt x="15356" y="0"/>
-                </a:lnTo>
-                <a:lnTo>
-                  <a:pt x="0" y="0"/>
-                </a:lnTo>
-                <a:close/>
-                <a:moveTo>
-                  <a:pt x="14748" y="8038"/>
-                </a:moveTo>
-                <a:lnTo>
-                  <a:pt x="600" y="8038"/>
-                </a:lnTo>
-                <a:lnTo>
-                  <a:pt x="600" y="592"/>
-                </a:lnTo>
-                <a:lnTo>
-                  <a:pt x="14748" y="592"/>
-                </a:lnTo>
-                <a:lnTo>
-                  <a:pt x="14748" y="8038"/>
-                </a:lnTo>
-                <a:close/>
-              </a:path>
-            </a:pathLst>
-          </a:custGeom>
-          <a:solidFill>
-            <a:schemeClr val="tx1"/>
-          </a:solidFill>
-          <a:ln>
-            <a:noFill/>
-          </a:ln>
-        </p:spPr>
-      </p:sp>
-      <p:sp>
-        <p:nvSpPr>
-          <p:cNvPr id="20" name="Rectangle 19">
-            <a:extLst>
-              <a:ext uri="{FF2B5EF4-FFF2-40B4-BE49-F238E27FC236}">
-                <a16:creationId xmlns:a16="http://schemas.microsoft.com/office/drawing/2014/main" id="{6C042684-2705-40BD-9104-A6B24CE1CA45}"/>
-              </a:ext>
-              <a:ext uri="{C183D7F6-B498-43B3-948B-1728B52AA6E4}">
-                <adec:decorative xmlns:adec="http://schemas.microsoft.com/office/drawing/2017/decorative" val="1"/>
-              </a:ext>
-            </a:extLst>
-          </p:cNvPr>
-          <p:cNvSpPr>
-            <a:spLocks noGrp="1" noRot="1" noChangeAspect="1" noMove="1" noResize="1" noEditPoints="1" noAdjustHandles="1" noChangeArrowheads="1" noChangeShapeType="1" noTextEdit="1"/>
-          </p:cNvSpPr>
-          <p:nvPr>
-            <p:extLst>
-              <p:ext uri="{386F3935-93C4-4BCD-93E2-E3B085C9AB24}">
-                <p16:designElem xmlns:p16="http://schemas.microsoft.com/office/powerpoint/2015/main" val="1"/>
-              </p:ext>
-            </p:extLst>
-          </p:nvPr>
-        </p:nvSpPr>
-        <p:spPr>
-          <a:xfrm>
-            <a:off x="10437812" y="0"/>
-            <a:ext cx="685800" cy="1143000"/>
-          </a:xfrm>
-          <a:prstGeom prst="rect">
-            <a:avLst/>
-          </a:prstGeom>
-          <a:solidFill>
-            <a:schemeClr val="accent1"/>
-          </a:solidFill>
-          <a:ln>
-            <a:noFill/>
-          </a:ln>
-        </p:spPr>
-        <p:style>
-          <a:lnRef idx="1">
-            <a:schemeClr val="accent1"/>
-          </a:lnRef>
-          <a:fillRef idx="3">
-            <a:schemeClr val="accent1"/>
-          </a:fillRef>
-          <a:effectRef idx="2">
-            <a:schemeClr val="accent1"/>
-          </a:effectRef>
-          <a:fontRef idx="minor">
-            <a:schemeClr val="lt1"/>
-          </a:fontRef>
-        </p:style>
-      </p:sp>
-      <p:pic>
-        <p:nvPicPr>
-          <p:cNvPr id="5" name="Picture 4">
-            <a:extLst>
-              <a:ext uri="{FF2B5EF4-FFF2-40B4-BE49-F238E27FC236}">
-                <a16:creationId xmlns:a16="http://schemas.microsoft.com/office/drawing/2014/main" id="{D67E5B3F-EBFD-4D83-86D4-14F7876733E1}"/>
-              </a:ext>
-            </a:extLst>
-          </p:cNvPr>
-          <p:cNvPicPr>
-            <a:picLocks noChangeAspect="1"/>
-          </p:cNvPicPr>
-          <p:nvPr/>
-        </p:nvPicPr>
-        <p:blipFill>
-          <a:blip r:embed="rId3"/>
-          <a:stretch>
-            <a:fillRect/>
-          </a:stretch>
-        </p:blipFill>
-        <p:spPr>
-          <a:xfrm>
-            <a:off x="457484" y="3310077"/>
-            <a:ext cx="1290260" cy="3102264"/>
-          </a:xfrm>
-          <a:prstGeom prst="rect">
-            <a:avLst/>
-          </a:prstGeom>
-        </p:spPr>
-      </p:pic>
-      <p:pic>
-        <p:nvPicPr>
-          <p:cNvPr id="9" name="Picture 8">
-            <a:extLst>
-              <a:ext uri="{FF2B5EF4-FFF2-40B4-BE49-F238E27FC236}">
-                <a16:creationId xmlns:a16="http://schemas.microsoft.com/office/drawing/2014/main" id="{C409F05A-0828-46D5-871A-85A361CA8043}"/>
-              </a:ext>
-            </a:extLst>
-          </p:cNvPr>
-          <p:cNvPicPr>
-            <a:picLocks noChangeAspect="1"/>
-          </p:cNvPicPr>
-          <p:nvPr/>
-        </p:nvPicPr>
-        <p:blipFill>
-          <a:blip r:embed="rId4"/>
-          <a:stretch>
-            <a:fillRect/>
-          </a:stretch>
-        </p:blipFill>
-        <p:spPr>
-          <a:xfrm>
-            <a:off x="1793924" y="3357991"/>
-            <a:ext cx="1474782" cy="3063009"/>
-          </a:xfrm>
-          <a:prstGeom prst="rect">
-            <a:avLst/>
-          </a:prstGeom>
-        </p:spPr>
-      </p:pic>
-      <p:pic>
-        <p:nvPicPr>
-          <p:cNvPr id="13" name="Picture 12">
-            <a:extLst>
-              <a:ext uri="{FF2B5EF4-FFF2-40B4-BE49-F238E27FC236}">
-                <a16:creationId xmlns:a16="http://schemas.microsoft.com/office/drawing/2014/main" id="{C19F3836-6FC6-4E9F-93A7-60F3BA9C8536}"/>
-              </a:ext>
-            </a:extLst>
-          </p:cNvPr>
-          <p:cNvPicPr>
-            <a:picLocks noChangeAspect="1"/>
-          </p:cNvPicPr>
-          <p:nvPr/>
-        </p:nvPicPr>
-        <p:blipFill>
-          <a:blip r:embed="rId5"/>
-          <a:stretch>
-            <a:fillRect/>
-          </a:stretch>
-        </p:blipFill>
-        <p:spPr>
-          <a:xfrm>
-            <a:off x="3435460" y="3300841"/>
-            <a:ext cx="1232620" cy="3120736"/>
-          </a:xfrm>
-          <a:prstGeom prst="rect">
-            <a:avLst/>
-          </a:prstGeom>
-        </p:spPr>
-      </p:pic>
-      <p:pic>
-        <p:nvPicPr>
-          <p:cNvPr id="15" name="Picture 14">
-            <a:extLst>
-              <a:ext uri="{FF2B5EF4-FFF2-40B4-BE49-F238E27FC236}">
-                <a16:creationId xmlns:a16="http://schemas.microsoft.com/office/drawing/2014/main" id="{EC9B6EA4-6A1A-414F-96EA-2C0B7CB1893B}"/>
-              </a:ext>
-            </a:extLst>
-          </p:cNvPr>
-          <p:cNvPicPr>
-            <a:picLocks noChangeAspect="1"/>
-          </p:cNvPicPr>
-          <p:nvPr/>
-        </p:nvPicPr>
-        <p:blipFill>
-          <a:blip r:embed="rId6"/>
-          <a:stretch>
-            <a:fillRect/>
-          </a:stretch>
-        </p:blipFill>
-        <p:spPr>
-          <a:xfrm>
-            <a:off x="4720861" y="3306521"/>
-            <a:ext cx="1315720" cy="3115056"/>
-          </a:xfrm>
-          <a:prstGeom prst="rect">
-            <a:avLst/>
-          </a:prstGeom>
-        </p:spPr>
-      </p:pic>
-      <p:sp>
-        <p:nvSpPr>
-          <p:cNvPr id="17" name="Rectangle 16">
-            <a:extLst>
-              <a:ext uri="{FF2B5EF4-FFF2-40B4-BE49-F238E27FC236}">
-                <a16:creationId xmlns:a16="http://schemas.microsoft.com/office/drawing/2014/main" id="{F303D5F4-19BA-43EA-9224-E440C1E0D1B9}"/>
-              </a:ext>
-            </a:extLst>
-          </p:cNvPr>
-          <p:cNvSpPr/>
-          <p:nvPr/>
-        </p:nvSpPr>
-        <p:spPr>
-          <a:xfrm>
-            <a:off x="286327" y="3020292"/>
-            <a:ext cx="11647055" cy="350984"/>
-          </a:xfrm>
-          <a:prstGeom prst="rect">
-            <a:avLst/>
-          </a:prstGeom>
-          <a:solidFill>
-            <a:schemeClr val="tx1"/>
-          </a:solidFill>
-          <a:ln>
-            <a:noFill/>
-          </a:ln>
-        </p:spPr>
-        <p:style>
-          <a:lnRef idx="2">
-            <a:schemeClr val="accent1">
-              <a:shade val="50000"/>
-            </a:schemeClr>
-          </a:lnRef>
-          <a:fillRef idx="1">
-            <a:schemeClr val="accent1"/>
-          </a:fillRef>
-          <a:effectRef idx="0">
-            <a:schemeClr val="accent1"/>
-          </a:effectRef>
-          <a:fontRef idx="minor">
-            <a:schemeClr val="lt1"/>
-          </a:fontRef>
-        </p:style>
-        <p:txBody>
-          <a:bodyPr rtlCol="0" anchor="ctr"/>
-          <a:lstStyle/>
-          <a:p>
-            <a:pPr algn="ctr"/>
-            <a:endParaRPr lang="en-US"/>
-          </a:p>
-        </p:txBody>
-      </p:sp>
-      <p:pic>
-        <p:nvPicPr>
-          <p:cNvPr id="19" name="Picture 18">
-            <a:extLst>
-              <a:ext uri="{FF2B5EF4-FFF2-40B4-BE49-F238E27FC236}">
-                <a16:creationId xmlns:a16="http://schemas.microsoft.com/office/drawing/2014/main" id="{6DBBCA36-5B5C-46A5-915A-B8E73D047F4F}"/>
-              </a:ext>
-            </a:extLst>
-          </p:cNvPr>
-          <p:cNvPicPr>
-            <a:picLocks noChangeAspect="1"/>
-          </p:cNvPicPr>
-          <p:nvPr/>
-        </p:nvPicPr>
-        <p:blipFill>
-          <a:blip r:embed="rId7"/>
-          <a:stretch>
-            <a:fillRect/>
-          </a:stretch>
-        </p:blipFill>
-        <p:spPr>
-          <a:xfrm>
-            <a:off x="9035120" y="3279218"/>
-            <a:ext cx="2796472" cy="3115057"/>
-          </a:xfrm>
-          <a:prstGeom prst="rect">
-            <a:avLst/>
-          </a:prstGeom>
-        </p:spPr>
-      </p:pic>
-      <p:pic>
-        <p:nvPicPr>
-          <p:cNvPr id="21" name="Picture 20">
-            <a:extLst>
-              <a:ext uri="{FF2B5EF4-FFF2-40B4-BE49-F238E27FC236}">
-                <a16:creationId xmlns:a16="http://schemas.microsoft.com/office/drawing/2014/main" id="{057EC6CF-7451-4DE1-B81E-CC2B0618D43B}"/>
-              </a:ext>
-            </a:extLst>
-          </p:cNvPr>
-          <p:cNvPicPr>
-            <a:picLocks noChangeAspect="1"/>
-          </p:cNvPicPr>
-          <p:nvPr/>
-        </p:nvPicPr>
-        <p:blipFill>
-          <a:blip r:embed="rId8"/>
-          <a:stretch>
-            <a:fillRect/>
-          </a:stretch>
-        </p:blipFill>
-        <p:spPr>
-          <a:xfrm>
-            <a:off x="6205581" y="3288863"/>
-            <a:ext cx="2690276" cy="3115057"/>
-          </a:xfrm>
-          <a:prstGeom prst="rect">
-            <a:avLst/>
-          </a:prstGeom>
-        </p:spPr>
-      </p:pic>
-      <p:sp>
-        <p:nvSpPr>
-          <p:cNvPr id="25" name="Title 1">
-            <a:extLst>
-              <a:ext uri="{FF2B5EF4-FFF2-40B4-BE49-F238E27FC236}">
-                <a16:creationId xmlns:a16="http://schemas.microsoft.com/office/drawing/2014/main" id="{58C4AD17-70D5-4C1E-BB12-8AFF3BE5CDC9}"/>
-              </a:ext>
-            </a:extLst>
-          </p:cNvPr>
-          <p:cNvSpPr>
-            <a:spLocks noGrp="1"/>
-          </p:cNvSpPr>
-          <p:nvPr>
-            <p:ph type="title"/>
-          </p:nvPr>
-        </p:nvSpPr>
-        <p:spPr>
-          <a:xfrm>
-            <a:off x="701343" y="618259"/>
-            <a:ext cx="7149566" cy="706964"/>
-          </a:xfrm>
-        </p:spPr>
-        <p:txBody>
-          <a:bodyPr/>
-          <a:lstStyle/>
-          <a:p>
-            <a:r>
-              <a:rPr lang="en-US" dirty="0">
-                <a:solidFill>
-                  <a:schemeClr val="tx1"/>
-                </a:solidFill>
-                <a:latin typeface="Folks-Light" panose="02000403020000020004" pitchFamily="2" charset="0"/>
-              </a:rPr>
-              <a:t>UPVOTED N-GRAMS BY SUBREDDIT</a:t>
-            </a:r>
-          </a:p>
-        </p:txBody>
-      </p:sp>
-      <p:sp>
-        <p:nvSpPr>
-          <p:cNvPr id="26" name="TextBox 25">
-            <a:extLst>
-              <a:ext uri="{FF2B5EF4-FFF2-40B4-BE49-F238E27FC236}">
-                <a16:creationId xmlns:a16="http://schemas.microsoft.com/office/drawing/2014/main" id="{1B34304D-FB73-4D9F-AB11-612E631562CF}"/>
-              </a:ext>
-            </a:extLst>
-          </p:cNvPr>
-          <p:cNvSpPr txBox="1"/>
-          <p:nvPr/>
-        </p:nvSpPr>
-        <p:spPr>
-          <a:xfrm>
-            <a:off x="701342" y="1249427"/>
-            <a:ext cx="9736469" cy="923330"/>
-          </a:xfrm>
-          <a:prstGeom prst="rect">
-            <a:avLst/>
-          </a:prstGeom>
-          <a:noFill/>
-        </p:spPr>
-        <p:txBody>
-          <a:bodyPr wrap="square" rtlCol="0">
-            <a:spAutoFit/>
-          </a:bodyPr>
-          <a:lstStyle/>
-          <a:p>
-            <a:r>
-              <a:rPr lang="en-US" dirty="0">
-                <a:latin typeface="Abadi Extra Light" panose="020B0204020104020204" pitchFamily="34" charset="0"/>
-              </a:rPr>
-              <a:t>Here I created a classifier feature for elite comments (with 10+ upvotes) and ran </a:t>
-            </a:r>
-            <a:r>
-              <a:rPr lang="en-US" dirty="0" err="1">
-                <a:latin typeface="Abadi Extra Light" panose="020B0204020104020204" pitchFamily="34" charset="0"/>
-              </a:rPr>
-              <a:t>GridSearch</a:t>
-            </a:r>
-            <a:r>
-              <a:rPr lang="en-US" dirty="0">
-                <a:latin typeface="Abadi Extra Light" panose="020B0204020104020204" pitchFamily="34" charset="0"/>
-              </a:rPr>
-              <a:t> </a:t>
-            </a:r>
-            <a:r>
-              <a:rPr lang="en-US" dirty="0" err="1">
-                <a:latin typeface="Abadi Extra Light" panose="020B0204020104020204" pitchFamily="34" charset="0"/>
-              </a:rPr>
-              <a:t>Logreg</a:t>
-            </a:r>
-            <a:r>
-              <a:rPr lang="en-US" dirty="0">
-                <a:latin typeface="Abadi Extra Light" panose="020B0204020104020204" pitchFamily="34" charset="0"/>
-              </a:rPr>
-              <a:t> with </a:t>
-            </a:r>
-            <a:r>
-              <a:rPr lang="en-US" dirty="0" err="1">
-                <a:latin typeface="Abadi Extra Light" panose="020B0204020104020204" pitchFamily="34" charset="0"/>
-              </a:rPr>
-              <a:t>TfidfVect</a:t>
-            </a:r>
-            <a:r>
-              <a:rPr lang="en-US" dirty="0">
-                <a:latin typeface="Abadi Extra Light" panose="020B0204020104020204" pitchFamily="34" charset="0"/>
-              </a:rPr>
-              <a:t> to see if I could predict which comments would be in the upvoted class.  The answer is yes, with 85% (</a:t>
-            </a:r>
-            <a:r>
-              <a:rPr lang="en-US" dirty="0" err="1">
-                <a:latin typeface="Abadi Extra Light" panose="020B0204020104020204" pitchFamily="34" charset="0"/>
-              </a:rPr>
-              <a:t>AskMen</a:t>
-            </a:r>
-            <a:r>
-              <a:rPr lang="en-US" dirty="0">
-                <a:latin typeface="Abadi Extra Light" panose="020B0204020104020204" pitchFamily="34" charset="0"/>
-              </a:rPr>
-              <a:t>) and 84% (</a:t>
-            </a:r>
-            <a:r>
-              <a:rPr lang="en-US" dirty="0" err="1">
-                <a:latin typeface="Abadi Extra Light" panose="020B0204020104020204" pitchFamily="34" charset="0"/>
-              </a:rPr>
-              <a:t>AskWomen</a:t>
-            </a:r>
-            <a:r>
-              <a:rPr lang="en-US" dirty="0">
-                <a:latin typeface="Abadi Extra Light" panose="020B0204020104020204" pitchFamily="34" charset="0"/>
-              </a:rPr>
-              <a:t>) accuracy, and no overfitting whatsoever.  See top grams below.</a:t>
-            </a:r>
-          </a:p>
-        </p:txBody>
-      </p:sp>
-      <p:sp>
-        <p:nvSpPr>
-          <p:cNvPr id="27" name="TextBox 26">
-            <a:extLst>
-              <a:ext uri="{FF2B5EF4-FFF2-40B4-BE49-F238E27FC236}">
-                <a16:creationId xmlns:a16="http://schemas.microsoft.com/office/drawing/2014/main" id="{F6026753-72C4-4913-AA9F-18E9F1521DA7}"/>
-              </a:ext>
-            </a:extLst>
-          </p:cNvPr>
-          <p:cNvSpPr txBox="1"/>
-          <p:nvPr/>
-        </p:nvSpPr>
-        <p:spPr>
-          <a:xfrm>
-            <a:off x="591419" y="2472687"/>
-            <a:ext cx="2567363" cy="461665"/>
-          </a:xfrm>
-          <a:prstGeom prst="rect">
-            <a:avLst/>
-          </a:prstGeom>
-          <a:noFill/>
-        </p:spPr>
-        <p:txBody>
-          <a:bodyPr wrap="square" rtlCol="0">
-            <a:spAutoFit/>
-          </a:bodyPr>
-          <a:lstStyle/>
-          <a:p>
-            <a:r>
-              <a:rPr lang="en-US" sz="1200" dirty="0">
-                <a:latin typeface="Abadi Extra Light" panose="020B0204020104020204" pitchFamily="34" charset="0"/>
-              </a:rPr>
-              <a:t>MOST PREDICTIVE OF UPVOTED VS NOT UPVOTED, R/ASKWOMEN</a:t>
-            </a:r>
-          </a:p>
-        </p:txBody>
-      </p:sp>
-      <p:sp>
-        <p:nvSpPr>
-          <p:cNvPr id="28" name="TextBox 27">
-            <a:extLst>
-              <a:ext uri="{FF2B5EF4-FFF2-40B4-BE49-F238E27FC236}">
-                <a16:creationId xmlns:a16="http://schemas.microsoft.com/office/drawing/2014/main" id="{EE16906C-EFC0-4550-8127-D95FBE003269}"/>
-              </a:ext>
-            </a:extLst>
-          </p:cNvPr>
-          <p:cNvSpPr txBox="1"/>
-          <p:nvPr/>
-        </p:nvSpPr>
-        <p:spPr>
-          <a:xfrm>
-            <a:off x="3409473" y="2472687"/>
-            <a:ext cx="2567363" cy="461665"/>
-          </a:xfrm>
-          <a:prstGeom prst="rect">
-            <a:avLst/>
-          </a:prstGeom>
-          <a:noFill/>
-        </p:spPr>
-        <p:txBody>
-          <a:bodyPr wrap="square" rtlCol="0">
-            <a:spAutoFit/>
-          </a:bodyPr>
-          <a:lstStyle/>
-          <a:p>
-            <a:r>
-              <a:rPr lang="en-US" sz="1200" dirty="0">
-                <a:latin typeface="Abadi Extra Light" panose="020B0204020104020204" pitchFamily="34" charset="0"/>
-              </a:rPr>
-              <a:t>MOST PREDICTIVE OF UPVOTED VS NOT UPVOTED, R/ASKMEN</a:t>
-            </a:r>
-          </a:p>
-        </p:txBody>
-      </p:sp>
-      <p:sp>
-        <p:nvSpPr>
-          <p:cNvPr id="29" name="TextBox 28">
-            <a:extLst>
-              <a:ext uri="{FF2B5EF4-FFF2-40B4-BE49-F238E27FC236}">
-                <a16:creationId xmlns:a16="http://schemas.microsoft.com/office/drawing/2014/main" id="{FFADBC80-37A3-46B8-BA50-04C58015CEF5}"/>
-              </a:ext>
-            </a:extLst>
-          </p:cNvPr>
-          <p:cNvSpPr txBox="1"/>
-          <p:nvPr/>
-        </p:nvSpPr>
-        <p:spPr>
-          <a:xfrm>
-            <a:off x="6202385" y="2646778"/>
-            <a:ext cx="2567363" cy="276999"/>
-          </a:xfrm>
-          <a:prstGeom prst="rect">
-            <a:avLst/>
-          </a:prstGeom>
-          <a:noFill/>
-        </p:spPr>
-        <p:txBody>
-          <a:bodyPr wrap="square" rtlCol="0">
-            <a:spAutoFit/>
-          </a:bodyPr>
-          <a:lstStyle/>
-          <a:p>
-            <a:r>
-              <a:rPr lang="en-US" sz="1200" dirty="0">
-                <a:latin typeface="Abadi Extra Light" panose="020B0204020104020204" pitchFamily="34" charset="0"/>
-              </a:rPr>
-              <a:t>DOES BETTER IN R/ASKWOMEN</a:t>
-            </a:r>
-          </a:p>
-        </p:txBody>
-      </p:sp>
-      <p:sp>
-        <p:nvSpPr>
-          <p:cNvPr id="30" name="TextBox 29">
-            <a:extLst>
-              <a:ext uri="{FF2B5EF4-FFF2-40B4-BE49-F238E27FC236}">
-                <a16:creationId xmlns:a16="http://schemas.microsoft.com/office/drawing/2014/main" id="{2424BF2B-492B-4BFC-B23B-F0803A35BCD5}"/>
-              </a:ext>
-            </a:extLst>
-          </p:cNvPr>
-          <p:cNvSpPr txBox="1"/>
-          <p:nvPr/>
-        </p:nvSpPr>
-        <p:spPr>
-          <a:xfrm>
-            <a:off x="9038840" y="2646777"/>
-            <a:ext cx="2567363" cy="276999"/>
-          </a:xfrm>
-          <a:prstGeom prst="rect">
-            <a:avLst/>
-          </a:prstGeom>
-          <a:noFill/>
-        </p:spPr>
-        <p:txBody>
-          <a:bodyPr wrap="square" rtlCol="0">
-            <a:spAutoFit/>
-          </a:bodyPr>
-          <a:lstStyle/>
-          <a:p>
-            <a:r>
-              <a:rPr lang="en-US" sz="1200" dirty="0">
-                <a:latin typeface="Abadi Extra Light" panose="020B0204020104020204" pitchFamily="34" charset="0"/>
-              </a:rPr>
-              <a:t>DOES BETTER IN R/ASKMEN</a:t>
-            </a:r>
-          </a:p>
-        </p:txBody>
-      </p:sp>
-    </p:spTree>
-    <p:extLst>
-      <p:ext uri="{BB962C8B-B14F-4D97-AF65-F5344CB8AC3E}">
-        <p14:creationId xmlns:p14="http://schemas.microsoft.com/office/powerpoint/2010/main" val="2794814256"/>
-      </p:ext>
-    </p:extLst>
-  </p:cSld>
-  <p:clrMapOvr>
-    <a:overrideClrMapping bg1="dk1" tx1="lt1" bg2="dk2" tx2="lt2" accent1="accent1" accent2="accent2" accent3="accent3" accent4="accent4" accent5="accent5" accent6="accent6" hlink="hlink" folHlink="folHlink"/>
   </p:clrMapOvr>
 </p:sld>
 </file>
@@ -16019,13 +16891,13 @@
         </p:nvSpPr>
         <p:spPr>
           <a:xfrm>
-            <a:off x="701343" y="1671779"/>
+            <a:off x="701343" y="1866411"/>
             <a:ext cx="4533130" cy="4775200"/>
           </a:xfrm>
         </p:spPr>
         <p:txBody>
           <a:bodyPr>
-            <a:normAutofit fontScale="92500" lnSpcReduction="10000"/>
+            <a:normAutofit/>
           </a:bodyPr>
           <a:lstStyle/>
           <a:p>
@@ -16041,7 +16913,7 @@
               <a:buChar char="v"/>
             </a:pPr>
             <a:r>
-              <a:rPr lang="en-US" sz="1700" b="1" dirty="0">
+              <a:rPr lang="en-US" b="1" dirty="0">
                 <a:solidFill>
                   <a:srgbClr val="FCDCED"/>
                 </a:solidFill>
@@ -16050,7 +16922,7 @@
               <a:t>r/</a:t>
             </a:r>
             <a:r>
-              <a:rPr lang="en-US" sz="1700" b="1" dirty="0" err="1">
+              <a:rPr lang="en-US" b="1" dirty="0" err="1">
                 <a:solidFill>
                   <a:srgbClr val="FCDCED"/>
                 </a:solidFill>
@@ -16059,7 +16931,7 @@
               <a:t>AskMen</a:t>
             </a:r>
             <a:r>
-              <a:rPr lang="en-US" sz="1700" b="1" dirty="0">
+              <a:rPr lang="en-US" b="1" dirty="0">
                 <a:solidFill>
                   <a:srgbClr val="FCDCED"/>
                 </a:solidFill>
@@ -16068,7 +16940,7 @@
               <a:t> </a:t>
             </a:r>
             <a:r>
-              <a:rPr lang="en-US" sz="1700" dirty="0">
+              <a:rPr lang="en-US" dirty="0">
                 <a:solidFill>
                   <a:srgbClr val="FCDCED"/>
                 </a:solidFill>
@@ -16077,7 +16949,7 @@
               <a:t>and </a:t>
             </a:r>
             <a:r>
-              <a:rPr lang="en-US" sz="1700" b="1" dirty="0">
+              <a:rPr lang="en-US" b="1" dirty="0">
                 <a:solidFill>
                   <a:srgbClr val="FCDCED"/>
                 </a:solidFill>
@@ -16086,7 +16958,7 @@
               <a:t>r/</a:t>
             </a:r>
             <a:r>
-              <a:rPr lang="en-US" sz="1700" b="1" dirty="0" err="1">
+              <a:rPr lang="en-US" b="1" dirty="0" err="1">
                 <a:solidFill>
                   <a:srgbClr val="FCDCED"/>
                 </a:solidFill>
@@ -16095,7 +16967,7 @@
               <a:t>AskWomen</a:t>
             </a:r>
             <a:r>
-              <a:rPr lang="en-US" sz="1700" dirty="0">
+              <a:rPr lang="en-US" dirty="0">
                 <a:solidFill>
                   <a:srgbClr val="FCDCED"/>
                 </a:solidFill>
@@ -16104,7 +16976,7 @@
               <a:t>:  two subreddits designed so that </a:t>
             </a:r>
             <a:r>
-              <a:rPr lang="en-US" sz="1700" dirty="0" err="1">
+              <a:rPr lang="en-US" dirty="0" err="1">
                 <a:solidFill>
                   <a:srgbClr val="FCDCED"/>
                 </a:solidFill>
@@ -16113,16 +16985,16 @@
               <a:t>redditors</a:t>
             </a:r>
             <a:r>
-              <a:rPr lang="en-US" sz="1700" dirty="0">
-                <a:solidFill>
-                  <a:srgbClr val="FCDCED"/>
-                </a:solidFill>
-                <a:latin typeface="Abadi Extra Light" panose="020B0204020104020204" pitchFamily="34" charset="0"/>
-              </a:rPr>
-              <a:t> can come ask questions that they want to direct at </a:t>
-            </a:r>
-            <a:r>
-              <a:rPr lang="en-US" sz="1700" dirty="0" err="1">
+              <a:rPr lang="en-US" dirty="0">
+                <a:solidFill>
+                  <a:srgbClr val="FCDCED"/>
+                </a:solidFill>
+                <a:latin typeface="Abadi Extra Light" panose="020B0204020104020204" pitchFamily="34" charset="0"/>
+              </a:rPr>
+              <a:t> can ask questions that they want to direct specifically to </a:t>
+            </a:r>
+            <a:r>
+              <a:rPr lang="en-US" dirty="0" err="1">
                 <a:solidFill>
                   <a:srgbClr val="FCDCED"/>
                 </a:solidFill>
@@ -16131,7 +17003,7 @@
               <a:t>redditors</a:t>
             </a:r>
             <a:r>
-              <a:rPr lang="en-US" sz="1700" dirty="0">
+              <a:rPr lang="en-US" dirty="0">
                 <a:solidFill>
                   <a:srgbClr val="FCDCED"/>
                 </a:solidFill>
@@ -16139,12 +17011,6 @@
               </a:rPr>
               <a:t> of the male or female gender.</a:t>
             </a:r>
-            <a:endParaRPr lang="en-US" sz="900" dirty="0">
-              <a:solidFill>
-                <a:srgbClr val="FCDCED"/>
-              </a:solidFill>
-              <a:latin typeface="Abadi Extra Light" panose="020B0204020104020204" pitchFamily="34" charset="0"/>
-            </a:endParaRPr>
           </a:p>
           <a:p>
             <a:pPr>
@@ -16159,20 +17025,50 @@
               <a:buChar char="v"/>
             </a:pPr>
             <a:r>
-              <a:rPr lang="en-US" sz="1700" dirty="0">
-                <a:solidFill>
-                  <a:srgbClr val="FCDCED"/>
-                </a:solidFill>
-                <a:latin typeface="Abadi Extra Light" panose="020B0204020104020204" pitchFamily="34" charset="0"/>
-              </a:rPr>
-              <a:t>Generally serious/good-faith questions, but no ban on humor.</a:t>
-            </a:r>
-            <a:endParaRPr lang="en-US" sz="900" dirty="0">
-              <a:solidFill>
-                <a:srgbClr val="FCDCED"/>
-              </a:solidFill>
-              <a:latin typeface="Abadi Extra Light" panose="020B0204020104020204" pitchFamily="34" charset="0"/>
-            </a:endParaRPr>
+              <a:rPr lang="en-US" dirty="0">
+                <a:solidFill>
+                  <a:srgbClr val="FCDCED"/>
+                </a:solidFill>
+                <a:latin typeface="Abadi Extra Light" panose="020B0204020104020204" pitchFamily="34" charset="0"/>
+              </a:rPr>
+              <a:t>First-tier comment replies in threads should be overwhelmingly women in r/</a:t>
+            </a:r>
+            <a:r>
+              <a:rPr lang="en-US" dirty="0" err="1">
+                <a:solidFill>
+                  <a:srgbClr val="FCDCED"/>
+                </a:solidFill>
+                <a:latin typeface="Abadi Extra Light" panose="020B0204020104020204" pitchFamily="34" charset="0"/>
+              </a:rPr>
+              <a:t>AskWomen</a:t>
+            </a:r>
+            <a:r>
+              <a:rPr lang="en-US" dirty="0">
+                <a:solidFill>
+                  <a:srgbClr val="FCDCED"/>
+                </a:solidFill>
+                <a:latin typeface="Abadi Extra Light" panose="020B0204020104020204" pitchFamily="34" charset="0"/>
+              </a:rPr>
+              <a:t>, and men in r/</a:t>
+            </a:r>
+            <a:r>
+              <a:rPr lang="en-US" dirty="0" err="1">
+                <a:solidFill>
+                  <a:srgbClr val="FCDCED"/>
+                </a:solidFill>
+                <a:latin typeface="Abadi Extra Light" panose="020B0204020104020204" pitchFamily="34" charset="0"/>
+              </a:rPr>
+              <a:t>AskMen</a:t>
+            </a:r>
+            <a:r>
+              <a:rPr lang="en-US" dirty="0">
+                <a:solidFill>
+                  <a:srgbClr val="FCDCED"/>
+                </a:solidFill>
+                <a:latin typeface="Abadi Extra Light" panose="020B0204020104020204" pitchFamily="34" charset="0"/>
+              </a:rPr>
+              <a:t>, respectively.</a:t>
+            </a:r>
           </a:p>
           <a:p>
             <a:pPr>
@@ -16187,56 +17083,14 @@
               <a:buChar char="v"/>
             </a:pPr>
             <a:r>
-              <a:rPr lang="en-US" sz="1700" dirty="0">
-                <a:solidFill>
-                  <a:srgbClr val="FCDCED"/>
-                </a:solidFill>
-                <a:latin typeface="Abadi Extra Light" panose="020B0204020104020204" pitchFamily="34" charset="0"/>
-              </a:rPr>
-              <a:t>First-tier comment replies in threads should be overwhelmingly women in r/</a:t>
-            </a:r>
-            <a:r>
-              <a:rPr lang="en-US" sz="1700" dirty="0" err="1">
-                <a:solidFill>
-                  <a:srgbClr val="FCDCED"/>
-                </a:solidFill>
-                <a:latin typeface="Abadi Extra Light" panose="020B0204020104020204" pitchFamily="34" charset="0"/>
-              </a:rPr>
-              <a:t>AskWomen</a:t>
-            </a:r>
-            <a:r>
-              <a:rPr lang="en-US" sz="1700" dirty="0">
-                <a:solidFill>
-                  <a:srgbClr val="FCDCED"/>
-                </a:solidFill>
-                <a:latin typeface="Abadi Extra Light" panose="020B0204020104020204" pitchFamily="34" charset="0"/>
-              </a:rPr>
-              <a:t>, and men in r/</a:t>
-            </a:r>
-            <a:r>
-              <a:rPr lang="en-US" sz="1700" dirty="0" err="1">
-                <a:solidFill>
-                  <a:srgbClr val="FCDCED"/>
-                </a:solidFill>
-                <a:latin typeface="Abadi Extra Light" panose="020B0204020104020204" pitchFamily="34" charset="0"/>
-              </a:rPr>
-              <a:t>AskMen</a:t>
-            </a:r>
-            <a:r>
-              <a:rPr lang="en-US" sz="1700" dirty="0">
-                <a:solidFill>
-                  <a:srgbClr val="FCDCED"/>
-                </a:solidFill>
-                <a:latin typeface="Abadi Extra Light" panose="020B0204020104020204" pitchFamily="34" charset="0"/>
-              </a:rPr>
-              <a:t>, respectively.</a:t>
-            </a:r>
-            <a:endParaRPr lang="en-US" sz="900" dirty="0">
-              <a:solidFill>
-                <a:srgbClr val="FCDCED"/>
-              </a:solidFill>
-              <a:latin typeface="Abadi Extra Light" panose="020B0204020104020204" pitchFamily="34" charset="0"/>
-            </a:endParaRPr>
+              <a:rPr lang="en-US" dirty="0">
+                <a:solidFill>
+                  <a:srgbClr val="FCDCED"/>
+                </a:solidFill>
+                <a:latin typeface="Abadi Extra Light" panose="020B0204020104020204" pitchFamily="34" charset="0"/>
+              </a:rPr>
+              <a:t>If we can collect first-tier comments only, from each subreddit, we can use the subreddit label as a proxy for author gender.</a:t>
+            </a:r>
           </a:p>
           <a:p>
             <a:pPr>
@@ -16251,66 +17105,13 @@
               <a:buChar char="v"/>
             </a:pPr>
             <a:r>
-              <a:rPr lang="en-US" sz="1700" dirty="0">
-                <a:solidFill>
-                  <a:srgbClr val="FCDCED"/>
-                </a:solidFill>
-                <a:latin typeface="Abadi Extra Light" panose="020B0204020104020204" pitchFamily="34" charset="0"/>
-              </a:rPr>
-              <a:t>This creates an obvious comparison problem for natural language processing:  </a:t>
-            </a:r>
-          </a:p>
-          <a:p>
-            <a:pPr lvl="1">
-              <a:spcAft>
-                <a:spcPts val="600"/>
-              </a:spcAft>
-              <a:buClr>
-                <a:schemeClr val="bg1"/>
-              </a:buClr>
-              <a:buSzPct val="75000"/>
-              <a:buFont typeface="Wingdings" panose="05000000000000000000" pitchFamily="2" charset="2"/>
-              <a:buChar char="v"/>
-            </a:pPr>
-            <a:r>
-              <a:rPr lang="en-US" sz="1700" dirty="0">
-                <a:solidFill>
-                  <a:srgbClr val="FCDCED"/>
-                </a:solidFill>
-                <a:latin typeface="Abadi Extra Light" panose="020B0204020104020204" pitchFamily="34" charset="0"/>
-              </a:rPr>
-              <a:t>Can we identify comments as belonging to one subreddit or the other?  </a:t>
-            </a:r>
-          </a:p>
-          <a:p>
-            <a:pPr lvl="1">
-              <a:spcAft>
-                <a:spcPts val="600"/>
-              </a:spcAft>
-              <a:buClr>
-                <a:schemeClr val="bg1"/>
-              </a:buClr>
-              <a:buSzPct val="75000"/>
-              <a:buFont typeface="Wingdings" panose="05000000000000000000" pitchFamily="2" charset="2"/>
-              <a:buChar char="v"/>
-            </a:pPr>
-            <a:r>
-              <a:rPr lang="en-US" sz="1700" dirty="0">
-                <a:solidFill>
-                  <a:srgbClr val="FCDCED"/>
-                </a:solidFill>
-                <a:latin typeface="Abadi Extra Light" panose="020B0204020104020204" pitchFamily="34" charset="0"/>
-              </a:rPr>
-              <a:t>By extension look at: </a:t>
-            </a:r>
-            <a:r>
-              <a:rPr lang="en-US" sz="1700" b="1" dirty="0">
-                <a:solidFill>
-                  <a:srgbClr val="FCDCED"/>
-                </a:solidFill>
-                <a:latin typeface="Abadi Extra Light" panose="020B0204020104020204" pitchFamily="34" charset="0"/>
-              </a:rPr>
-              <a:t>The language of men answering questions for men vs. the language of women answering questions for women?</a:t>
+              <a:rPr lang="en-US" dirty="0">
+                <a:solidFill>
+                  <a:srgbClr val="FCDCED"/>
+                </a:solidFill>
+                <a:latin typeface="Abadi Extra Light" panose="020B0204020104020204" pitchFamily="34" charset="0"/>
+              </a:rPr>
+              <a:t>This allows us to build a model to try and predict the gender of Reddit comments.</a:t>
             </a:r>
           </a:p>
           <a:p>
@@ -16522,13 +17323,13 @@
         </p:nvSpPr>
         <p:spPr>
           <a:xfrm>
-            <a:off x="701343" y="1679511"/>
-            <a:ext cx="4533130" cy="4730620"/>
+            <a:off x="664574" y="1679511"/>
+            <a:ext cx="4625666" cy="4560230"/>
           </a:xfrm>
         </p:spPr>
         <p:txBody>
           <a:bodyPr>
-            <a:normAutofit/>
+            <a:noAutofit/>
           </a:bodyPr>
           <a:lstStyle/>
           <a:p>
@@ -16544,13 +17345,31 @@
               <a:buChar char="v"/>
             </a:pPr>
             <a:r>
-              <a:rPr lang="en-US" sz="2100" dirty="0">
-                <a:solidFill>
-                  <a:srgbClr val="FCDCED"/>
-                </a:solidFill>
-                <a:latin typeface="Abadi Extra Light" panose="020B0204020104020204" pitchFamily="34" charset="0"/>
-              </a:rPr>
-              <a:t>Pushshift.io</a:t>
+              <a:rPr lang="en-US" sz="1600" b="1" dirty="0" err="1">
+                <a:solidFill>
+                  <a:srgbClr val="FCDCED"/>
+                </a:solidFill>
+                <a:latin typeface="Abadi Extra Light" panose="020B0204020104020204" pitchFamily="34" charset="0"/>
+              </a:rPr>
+              <a:t>Pushshift</a:t>
+            </a:r>
+            <a:r>
+              <a:rPr lang="en-US" sz="1600" b="1" dirty="0">
+                <a:solidFill>
+                  <a:srgbClr val="FCDCED"/>
+                </a:solidFill>
+                <a:latin typeface="Abadi Extra Light" panose="020B0204020104020204" pitchFamily="34" charset="0"/>
+              </a:rPr>
+              <a:t> </a:t>
+            </a:r>
+            <a:r>
+              <a:rPr lang="en-US" sz="1600" dirty="0">
+                <a:solidFill>
+                  <a:srgbClr val="FCDCED"/>
+                </a:solidFill>
+                <a:latin typeface="Abadi Extra Light" panose="020B0204020104020204" pitchFamily="34" charset="0"/>
+              </a:rPr>
+              <a:t>is an open-source alternative to Reddit’s API that allows us to pull comment data going back in time, and returns data in a more convenient format.</a:t>
             </a:r>
           </a:p>
           <a:p>
@@ -16566,73 +17385,41 @@
               <a:buChar char="v"/>
             </a:pPr>
             <a:r>
-              <a:rPr lang="en-US" sz="2100" dirty="0">
-                <a:solidFill>
-                  <a:srgbClr val="FCDCED"/>
-                </a:solidFill>
-                <a:latin typeface="Abadi Extra Light" panose="020B0204020104020204" pitchFamily="34" charset="0"/>
-              </a:rPr>
-              <a:t>Looping for first-tier comments at twelve-day intervals</a:t>
-            </a:r>
-          </a:p>
-          <a:p>
-            <a:pPr lvl="1">
-              <a:spcAft>
-                <a:spcPts val="600"/>
-              </a:spcAft>
-              <a:buClr>
-                <a:schemeClr val="bg1"/>
-              </a:buClr>
-              <a:buSzPct val="75000"/>
-              <a:buFont typeface="Wingdings" panose="05000000000000000000" pitchFamily="2" charset="2"/>
-              <a:buChar char="v"/>
-            </a:pPr>
-            <a:r>
-              <a:rPr lang="en-US" sz="1900" dirty="0">
-                <a:solidFill>
-                  <a:srgbClr val="FCDCED"/>
-                </a:solidFill>
-                <a:latin typeface="Abadi Extra Light" panose="020B0204020104020204" pitchFamily="34" charset="0"/>
-              </a:rPr>
-              <a:t>Epoch Converter </a:t>
-            </a:r>
-          </a:p>
-          <a:p>
-            <a:pPr lvl="1">
-              <a:spcAft>
-                <a:spcPts val="600"/>
-              </a:spcAft>
-              <a:buClr>
-                <a:schemeClr val="bg1"/>
-              </a:buClr>
-              <a:buSzPct val="75000"/>
-              <a:buFont typeface="Wingdings" panose="05000000000000000000" pitchFamily="2" charset="2"/>
-              <a:buChar char="v"/>
-            </a:pPr>
-            <a:r>
-              <a:rPr lang="en-US" sz="1900" dirty="0">
-                <a:solidFill>
-                  <a:srgbClr val="FCDCED"/>
-                </a:solidFill>
-                <a:latin typeface="Abadi Extra Light" panose="020B0204020104020204" pitchFamily="34" charset="0"/>
-              </a:rPr>
-              <a:t>‘t3_’ filter on </a:t>
-            </a:r>
-            <a:r>
-              <a:rPr lang="en-US" sz="1900" dirty="0" err="1">
-                <a:solidFill>
-                  <a:srgbClr val="FCDCED"/>
-                </a:solidFill>
-                <a:latin typeface="Abadi Extra Light" panose="020B0204020104020204" pitchFamily="34" charset="0"/>
-              </a:rPr>
-              <a:t>parent_id</a:t>
-            </a:r>
-            <a:endParaRPr lang="en-US" sz="1900" dirty="0">
-              <a:solidFill>
-                <a:srgbClr val="FCDCED"/>
-              </a:solidFill>
-              <a:latin typeface="Abadi Extra Light" panose="020B0204020104020204" pitchFamily="34" charset="0"/>
-            </a:endParaRPr>
+              <a:rPr lang="en-US" sz="1600" dirty="0" err="1">
+                <a:solidFill>
+                  <a:srgbClr val="FCDCED"/>
+                </a:solidFill>
+                <a:latin typeface="Abadi Extra Light" panose="020B0204020104020204" pitchFamily="34" charset="0"/>
+              </a:rPr>
+              <a:t>Pushshift</a:t>
+            </a:r>
+            <a:r>
+              <a:rPr lang="en-US" sz="1600" dirty="0">
+                <a:solidFill>
+                  <a:srgbClr val="FCDCED"/>
+                </a:solidFill>
+                <a:latin typeface="Abadi Extra Light" panose="020B0204020104020204" pitchFamily="34" charset="0"/>
+              </a:rPr>
+              <a:t> formats parent ids for each comment in a way that lets us </a:t>
+            </a:r>
+            <a:r>
+              <a:rPr lang="en-US" sz="1600" b="1" dirty="0">
+                <a:solidFill>
+                  <a:srgbClr val="FCDCED"/>
+                </a:solidFill>
+                <a:latin typeface="Abadi Extra Light" panose="020B0204020104020204" pitchFamily="34" charset="0"/>
+              </a:rPr>
+              <a:t>filter for first-tier comments only</a:t>
+            </a:r>
+            <a:r>
+              <a:rPr lang="en-US" sz="1600" dirty="0">
+                <a:solidFill>
+                  <a:srgbClr val="FCDCED"/>
+                </a:solidFill>
+                <a:latin typeface="Abadi Extra Light" panose="020B0204020104020204" pitchFamily="34" charset="0"/>
+              </a:rPr>
+              <a:t>. </a:t>
+            </a:r>
           </a:p>
           <a:p>
             <a:pPr>
@@ -16647,17 +17434,26 @@
               <a:buChar char="v"/>
             </a:pPr>
             <a:r>
-              <a:rPr lang="en-US" sz="2100" dirty="0">
-                <a:solidFill>
-                  <a:srgbClr val="FCDCED"/>
-                </a:solidFill>
-                <a:latin typeface="Abadi Extra Light" panose="020B0204020104020204" pitchFamily="34" charset="0"/>
-              </a:rPr>
-              <a:t>Attempts at Exploratory Data Analysis</a:t>
-            </a:r>
-          </a:p>
-          <a:p>
-            <a:pPr lvl="1">
+              <a:rPr lang="en-US" sz="1600" b="1" dirty="0">
+                <a:solidFill>
+                  <a:srgbClr val="FCDCED"/>
+                </a:solidFill>
+                <a:latin typeface="Abadi Extra Light" panose="020B0204020104020204" pitchFamily="34" charset="0"/>
+              </a:rPr>
+              <a:t>Collected</a:t>
+            </a:r>
+            <a:r>
+              <a:rPr lang="en-US" sz="1600" dirty="0">
+                <a:solidFill>
+                  <a:srgbClr val="FCDCED"/>
+                </a:solidFill>
+                <a:latin typeface="Abadi Extra Light" panose="020B0204020104020204" pitchFamily="34" charset="0"/>
+              </a:rPr>
+              <a:t> 1000 first-tier comments from each subreddit at 12-day intervals, going back two years</a:t>
+            </a:r>
+          </a:p>
+          <a:p>
+            <a:pPr>
               <a:spcAft>
                 <a:spcPts val="600"/>
               </a:spcAft>
@@ -16669,17 +17465,26 @@
               <a:buChar char="v"/>
             </a:pPr>
             <a:r>
-              <a:rPr lang="en-US" sz="1900" dirty="0">
-                <a:solidFill>
-                  <a:srgbClr val="FCDCED"/>
-                </a:solidFill>
-                <a:latin typeface="Abadi Extra Light" panose="020B0204020104020204" pitchFamily="34" charset="0"/>
-              </a:rPr>
-              <a:t>Word length via Regex substitution, string splitting</a:t>
-            </a:r>
-          </a:p>
-          <a:p>
-            <a:pPr lvl="1">
+              <a:rPr lang="en-US" sz="1600" b="1" dirty="0">
+                <a:solidFill>
+                  <a:srgbClr val="FCDCED"/>
+                </a:solidFill>
+                <a:latin typeface="Abadi Extra Light" panose="020B0204020104020204" pitchFamily="34" charset="0"/>
+              </a:rPr>
+              <a:t>Cleaned away</a:t>
+            </a:r>
+            <a:r>
+              <a:rPr lang="en-US" sz="1600" dirty="0">
+                <a:solidFill>
+                  <a:srgbClr val="FCDCED"/>
+                </a:solidFill>
+                <a:latin typeface="Abadi Extra Light" panose="020B0204020104020204" pitchFamily="34" charset="0"/>
+              </a:rPr>
+              <a:t> duplicates, moderator boilerplate, and [deleted] or /removed/ type comments.</a:t>
+            </a:r>
+          </a:p>
+          <a:p>
+            <a:pPr>
               <a:spcAft>
                 <a:spcPts val="600"/>
               </a:spcAft>
@@ -16691,13 +17496,71 @@
               <a:buChar char="v"/>
             </a:pPr>
             <a:r>
-              <a:rPr lang="en-US" sz="1900" dirty="0">
-                <a:solidFill>
-                  <a:srgbClr val="FCDCED"/>
-                </a:solidFill>
-                <a:latin typeface="Abadi Extra Light" panose="020B0204020104020204" pitchFamily="34" charset="0"/>
-              </a:rPr>
-              <a:t>Correlations by word length and upvote score</a:t>
+              <a:rPr lang="en-US" sz="1600" dirty="0">
+                <a:solidFill>
+                  <a:srgbClr val="FCDCED"/>
+                </a:solidFill>
+                <a:latin typeface="Abadi Extra Light" panose="020B0204020104020204" pitchFamily="34" charset="0"/>
+              </a:rPr>
+              <a:t>Engineered an accurate </a:t>
+            </a:r>
+            <a:r>
+              <a:rPr lang="en-US" sz="1600" b="1" dirty="0">
+                <a:solidFill>
+                  <a:srgbClr val="FCDCED"/>
+                </a:solidFill>
+                <a:latin typeface="Abadi Extra Light" panose="020B0204020104020204" pitchFamily="34" charset="0"/>
+              </a:rPr>
+              <a:t>word length </a:t>
+            </a:r>
+            <a:r>
+              <a:rPr lang="en-US" sz="1600" dirty="0">
+                <a:solidFill>
+                  <a:srgbClr val="FCDCED"/>
+                </a:solidFill>
+                <a:latin typeface="Abadi Extra Light" panose="020B0204020104020204" pitchFamily="34" charset="0"/>
+              </a:rPr>
+              <a:t>feature using Regex.  Excluded comments with &lt;4 words.</a:t>
+            </a:r>
+          </a:p>
+          <a:p>
+            <a:pPr>
+              <a:spcAft>
+                <a:spcPts val="600"/>
+              </a:spcAft>
+              <a:buClr>
+                <a:schemeClr val="bg1"/>
+              </a:buClr>
+              <a:buSzPct val="75000"/>
+              <a:buFont typeface="Wingdings" panose="05000000000000000000" pitchFamily="2" charset="2"/>
+              <a:buChar char="v"/>
+            </a:pPr>
+            <a:r>
+              <a:rPr lang="en-US" sz="1600" dirty="0">
+                <a:solidFill>
+                  <a:srgbClr val="FCDCED"/>
+                </a:solidFill>
+                <a:latin typeface="Abadi Extra Light" panose="020B0204020104020204" pitchFamily="34" charset="0"/>
+              </a:rPr>
+              <a:t>Final clean dataset contains </a:t>
+            </a:r>
+            <a:r>
+              <a:rPr lang="en-US" sz="1600" b="1" dirty="0">
+                <a:solidFill>
+                  <a:srgbClr val="FCDCED"/>
+                </a:solidFill>
+                <a:latin typeface="Abadi Extra Light" panose="020B0204020104020204" pitchFamily="34" charset="0"/>
+              </a:rPr>
+              <a:t>~35000 comments </a:t>
+            </a:r>
+            <a:r>
+              <a:rPr lang="en-US" sz="1600" dirty="0">
+                <a:solidFill>
+                  <a:srgbClr val="FCDCED"/>
+                </a:solidFill>
+                <a:latin typeface="Abadi Extra Light" panose="020B0204020104020204" pitchFamily="34" charset="0"/>
+              </a:rPr>
+              <a:t>from each subreddit.</a:t>
             </a:r>
           </a:p>
         </p:txBody>
@@ -16732,6 +17595,43 @@
           </a:prstGeom>
         </p:spPr>
       </p:pic>
+      <p:sp>
+        <p:nvSpPr>
+          <p:cNvPr id="6" name="TextBox 5">
+            <a:extLst>
+              <a:ext uri="{FF2B5EF4-FFF2-40B4-BE49-F238E27FC236}">
+                <a16:creationId xmlns:a16="http://schemas.microsoft.com/office/drawing/2014/main" id="{FE78397D-2074-42A0-9BD9-CBA8BAEE80A6}"/>
+              </a:ext>
+            </a:extLst>
+          </p:cNvPr>
+          <p:cNvSpPr txBox="1"/>
+          <p:nvPr/>
+        </p:nvSpPr>
+        <p:spPr>
+          <a:xfrm>
+            <a:off x="7214532" y="2558642"/>
+            <a:ext cx="3338819" cy="307777"/>
+          </a:xfrm>
+          <a:prstGeom prst="rect">
+            <a:avLst/>
+          </a:prstGeom>
+          <a:noFill/>
+        </p:spPr>
+        <p:txBody>
+          <a:bodyPr wrap="square" rtlCol="0">
+            <a:spAutoFit/>
+          </a:bodyPr>
+          <a:lstStyle/>
+          <a:p>
+            <a:r>
+              <a:rPr lang="en-US" sz="1400" dirty="0">
+                <a:latin typeface="Abadi" panose="020B0604020202020204" pitchFamily="34" charset="0"/>
+              </a:rPr>
+              <a:t>Length of Comment vs. Upvotes Received</a:t>
+            </a:r>
+          </a:p>
+        </p:txBody>
+      </p:sp>
     </p:spTree>
     <p:extLst>
       <p:ext uri="{BB962C8B-B14F-4D97-AF65-F5344CB8AC3E}">
@@ -16777,7 +17677,7 @@
         <p:spPr>
           <a:xfrm>
             <a:off x="485192" y="1418253"/>
-            <a:ext cx="4984430" cy="5066436"/>
+            <a:ext cx="4900540" cy="5066436"/>
           </a:xfrm>
           <a:prstGeom prst="rect">
             <a:avLst/>
@@ -16843,7 +17743,7 @@
               <a:rPr lang="en-US" dirty="0">
                 <a:latin typeface="Folks-Light" panose="02000403020000020004" pitchFamily="2" charset="0"/>
               </a:rPr>
-              <a:t>MODELING WITH CLASSIFIERS</a:t>
+              <a:t>NATURAL LANGUAGE PROCESSING</a:t>
             </a:r>
           </a:p>
         </p:txBody>
@@ -16866,13 +17766,13 @@
         </p:nvSpPr>
         <p:spPr>
           <a:xfrm>
-            <a:off x="701343" y="1679511"/>
-            <a:ext cx="4563384" cy="4560230"/>
+            <a:off x="701342" y="1786855"/>
+            <a:ext cx="4474665" cy="4561943"/>
           </a:xfrm>
         </p:spPr>
         <p:txBody>
           <a:bodyPr>
-            <a:normAutofit lnSpcReduction="10000"/>
+            <a:noAutofit/>
           </a:bodyPr>
           <a:lstStyle/>
           <a:p>
@@ -16885,20 +17785,41 @@
               <a:buChar char="v"/>
             </a:pPr>
             <a:r>
-              <a:rPr lang="en-US" sz="2100" dirty="0">
-                <a:solidFill>
-                  <a:srgbClr val="FCDCED"/>
-                </a:solidFill>
-                <a:latin typeface="Abadi Extra Light" panose="020B0204020104020204" pitchFamily="34" charset="0"/>
-              </a:rPr>
-              <a:t>Naïve Bayes</a:t>
-            </a:r>
-            <a:endParaRPr lang="en-US" sz="800" dirty="0">
-              <a:solidFill>
-                <a:srgbClr val="FCDCED"/>
-              </a:solidFill>
-              <a:latin typeface="Abadi Extra Light" panose="020B0204020104020204" pitchFamily="34" charset="0"/>
-            </a:endParaRPr>
+              <a:rPr lang="en-US" sz="1700" b="1" dirty="0">
+                <a:solidFill>
+                  <a:srgbClr val="FCDCED"/>
+                </a:solidFill>
+                <a:latin typeface="Abadi Extra Light" panose="020B0204020104020204" pitchFamily="34" charset="0"/>
+              </a:rPr>
+              <a:t>Bag of Words:  </a:t>
+            </a:r>
+            <a:r>
+              <a:rPr lang="en-US" sz="1700" dirty="0">
+                <a:solidFill>
+                  <a:srgbClr val="FCDCED"/>
+                </a:solidFill>
+                <a:latin typeface="Abadi Extra Light" panose="020B0204020104020204" pitchFamily="34" charset="0"/>
+              </a:rPr>
+              <a:t>we use a </a:t>
+            </a:r>
+            <a:r>
+              <a:rPr lang="en-US" sz="1700" b="1" dirty="0">
+                <a:solidFill>
+                  <a:srgbClr val="FCDCED"/>
+                </a:solidFill>
+                <a:latin typeface="Abadi Extra Light" panose="020B0204020104020204" pitchFamily="34" charset="0"/>
+              </a:rPr>
+              <a:t>vectorizer</a:t>
+            </a:r>
+            <a:r>
+              <a:rPr lang="en-US" sz="1700" dirty="0">
+                <a:solidFill>
+                  <a:srgbClr val="FCDCED"/>
+                </a:solidFill>
+                <a:latin typeface="Abadi Extra Light" panose="020B0204020104020204" pitchFamily="34" charset="0"/>
+              </a:rPr>
+              <a:t> to split comments up into words and convert each comment into a vector of word frequencies (relative positions of words are ignored).</a:t>
+            </a:r>
           </a:p>
           <a:p>
             <a:pPr>
@@ -16910,44 +17831,7 @@
               <a:buChar char="v"/>
             </a:pPr>
             <a:r>
-              <a:rPr lang="en-US" sz="2100" dirty="0">
-                <a:solidFill>
-                  <a:srgbClr val="FCDCED"/>
-                </a:solidFill>
-                <a:latin typeface="Abadi Extra Light" panose="020B0204020104020204" pitchFamily="34" charset="0"/>
-              </a:rPr>
-              <a:t>Logistic Regression (</a:t>
-            </a:r>
-            <a:r>
-              <a:rPr lang="en-US" sz="2100" dirty="0" err="1">
-                <a:solidFill>
-                  <a:srgbClr val="FCDCED"/>
-                </a:solidFill>
-                <a:latin typeface="Abadi Extra Light" panose="020B0204020104020204" pitchFamily="34" charset="0"/>
-              </a:rPr>
-              <a:t>GridSearch</a:t>
-            </a:r>
-            <a:r>
-              <a:rPr lang="en-US" sz="2100" dirty="0">
-                <a:solidFill>
-                  <a:srgbClr val="FCDCED"/>
-                </a:solidFill>
-                <a:latin typeface="Abadi Extra Light" panose="020B0204020104020204" pitchFamily="34" charset="0"/>
-              </a:rPr>
-              <a:t>)</a:t>
-            </a:r>
-          </a:p>
-          <a:p>
-            <a:pPr lvl="1">
-              <a:buClr>
-                <a:schemeClr val="bg1"/>
-              </a:buClr>
-              <a:buSzPct val="75000"/>
-              <a:buFont typeface="Wingdings" panose="05000000000000000000" pitchFamily="2" charset="2"/>
-              <a:buChar char="v"/>
-            </a:pPr>
-            <a:r>
-              <a:rPr lang="en-US" sz="1900" dirty="0" err="1">
+              <a:rPr lang="en-US" sz="1700" b="1" dirty="0" err="1">
                 <a:solidFill>
                   <a:srgbClr val="FCDCED"/>
                 </a:solidFill>
@@ -16955,24 +17839,17 @@
               </a:rPr>
               <a:t>CountVectorizer</a:t>
             </a:r>
-            <a:endParaRPr lang="en-US" sz="1900" dirty="0">
-              <a:solidFill>
-                <a:srgbClr val="FCDCED"/>
-              </a:solidFill>
-              <a:latin typeface="Abadi Extra Light" panose="020B0204020104020204" pitchFamily="34" charset="0"/>
-            </a:endParaRPr>
-          </a:p>
-          <a:p>
-            <a:pPr lvl="1">
-              <a:buClr>
-                <a:schemeClr val="bg1"/>
-              </a:buClr>
-              <a:buSzPct val="75000"/>
-              <a:buFont typeface="Wingdings" panose="05000000000000000000" pitchFamily="2" charset="2"/>
-              <a:buChar char="v"/>
-            </a:pPr>
-            <a:r>
-              <a:rPr lang="en-US" sz="1900" dirty="0" err="1">
+            <a:r>
+              <a:rPr lang="en-US" sz="1700" dirty="0">
+                <a:solidFill>
+                  <a:srgbClr val="FCDCED"/>
+                </a:solidFill>
+                <a:latin typeface="Abadi Extra Light" panose="020B0204020104020204" pitchFamily="34" charset="0"/>
+              </a:rPr>
+              <a:t> creates pure frequency vectors. </a:t>
+            </a:r>
+            <a:r>
+              <a:rPr lang="en-US" sz="1700" b="1" dirty="0" err="1">
                 <a:solidFill>
                   <a:srgbClr val="FCDCED"/>
                 </a:solidFill>
@@ -16980,32 +17857,25 @@
               </a:rPr>
               <a:t>TfidfVectorizer</a:t>
             </a:r>
-            <a:endParaRPr lang="en-US" sz="1900" dirty="0">
-              <a:solidFill>
-                <a:srgbClr val="FCDCED"/>
-              </a:solidFill>
-              <a:latin typeface="Abadi Extra Light" panose="020B0204020104020204" pitchFamily="34" charset="0"/>
-            </a:endParaRPr>
-          </a:p>
-          <a:p>
-            <a:pPr lvl="1">
-              <a:buClr>
-                <a:schemeClr val="bg1"/>
-              </a:buClr>
-              <a:buSzPct val="75000"/>
-              <a:buFont typeface="Wingdings" panose="05000000000000000000" pitchFamily="2" charset="2"/>
-              <a:buChar char="v"/>
-            </a:pPr>
-            <a:r>
-              <a:rPr lang="en-US" sz="1900" dirty="0" err="1">
-                <a:solidFill>
-                  <a:srgbClr val="FCDCED"/>
-                </a:solidFill>
-                <a:latin typeface="Abadi Extra Light" panose="020B0204020104020204" pitchFamily="34" charset="0"/>
-              </a:rPr>
-              <a:t>HashingVectorizer</a:t>
-            </a:r>
-            <a:endParaRPr lang="en-US" sz="800" dirty="0">
+            <a:r>
+              <a:rPr lang="en-US" sz="1700" b="1" dirty="0">
+                <a:solidFill>
+                  <a:srgbClr val="FCDCED"/>
+                </a:solidFill>
+                <a:latin typeface="Abadi Extra Light" panose="020B0204020104020204" pitchFamily="34" charset="0"/>
+              </a:rPr>
+              <a:t> </a:t>
+            </a:r>
+            <a:r>
+              <a:rPr lang="en-US" sz="1700" dirty="0">
+                <a:solidFill>
+                  <a:srgbClr val="FCDCED"/>
+                </a:solidFill>
+                <a:latin typeface="Abadi Extra Light" panose="020B0204020104020204" pitchFamily="34" charset="0"/>
+              </a:rPr>
+              <a:t>normalizes frequencies, down-weighting the influence of common words, and up-weighting rare words.</a:t>
+            </a:r>
+            <a:endParaRPr lang="en-US" sz="1700" b="1" dirty="0">
               <a:solidFill>
                 <a:srgbClr val="FCDCED"/>
               </a:solidFill>
@@ -17022,31 +17892,13 @@
               <a:buChar char="v"/>
             </a:pPr>
             <a:r>
-              <a:rPr lang="en-US" sz="2100" dirty="0">
-                <a:solidFill>
-                  <a:srgbClr val="FCDCED"/>
-                </a:solidFill>
-                <a:latin typeface="Abadi Extra Light" panose="020B0204020104020204" pitchFamily="34" charset="0"/>
-              </a:rPr>
-              <a:t>Random Forest Classifier (</a:t>
-            </a:r>
-            <a:r>
-              <a:rPr lang="en-US" sz="2100" dirty="0" err="1">
-                <a:solidFill>
-                  <a:srgbClr val="FCDCED"/>
-                </a:solidFill>
-                <a:latin typeface="Abadi Extra Light" panose="020B0204020104020204" pitchFamily="34" charset="0"/>
-              </a:rPr>
-              <a:t>GridSearch</a:t>
-            </a:r>
-            <a:r>
-              <a:rPr lang="en-US" sz="2100" dirty="0">
-                <a:solidFill>
-                  <a:srgbClr val="FCDCED"/>
-                </a:solidFill>
-                <a:latin typeface="Abadi Extra Light" panose="020B0204020104020204" pitchFamily="34" charset="0"/>
-              </a:rPr>
-              <a:t>)</a:t>
+              <a:rPr lang="en-US" sz="1700" dirty="0">
+                <a:solidFill>
+                  <a:srgbClr val="FCDCED"/>
+                </a:solidFill>
+                <a:latin typeface="Abadi Extra Light" panose="020B0204020104020204" pitchFamily="34" charset="0"/>
+              </a:rPr>
+              <a:t>We can exclude words that are unlikely to be predictive because they appear too often, or they appear too rarely.</a:t>
             </a:r>
           </a:p>
           <a:p>
@@ -17059,88 +17911,49 @@
               <a:buChar char="v"/>
             </a:pPr>
             <a:r>
-              <a:rPr lang="en-US" sz="2100" dirty="0">
-                <a:solidFill>
-                  <a:srgbClr val="FCDCED"/>
-                </a:solidFill>
-                <a:latin typeface="Abadi Extra Light" panose="020B0204020104020204" pitchFamily="34" charset="0"/>
-              </a:rPr>
-              <a:t>Processing Issues</a:t>
-            </a:r>
-          </a:p>
-          <a:p>
-            <a:pPr>
-              <a:buClr>
-                <a:schemeClr val="bg1"/>
-              </a:buClr>
-              <a:buSzPct val="75000"/>
-              <a:buFont typeface="Wingdings" panose="05000000000000000000" pitchFamily="2" charset="2"/>
-              <a:buChar char="v"/>
-            </a:pPr>
-            <a:r>
-              <a:rPr lang="en-US" sz="2100" dirty="0">
-                <a:solidFill>
-                  <a:srgbClr val="FCDCED"/>
-                </a:solidFill>
-                <a:latin typeface="Abadi Extra Light" panose="020B0204020104020204" pitchFamily="34" charset="0"/>
-              </a:rPr>
-              <a:t>Overfitting Issues</a:t>
-            </a:r>
-          </a:p>
-          <a:p>
-            <a:pPr lvl="1">
-              <a:buClr>
-                <a:schemeClr val="bg1"/>
-              </a:buClr>
-              <a:buSzPct val="75000"/>
-              <a:buFont typeface="Wingdings" panose="05000000000000000000" pitchFamily="2" charset="2"/>
-              <a:buChar char="v"/>
-            </a:pPr>
-            <a:r>
-              <a:rPr lang="en-US" sz="1900" dirty="0">
-                <a:solidFill>
-                  <a:srgbClr val="FCDCED"/>
-                </a:solidFill>
-                <a:latin typeface="Abadi Extra Light" panose="020B0204020104020204" pitchFamily="34" charset="0"/>
-              </a:rPr>
-              <a:t>Vast numbers of features</a:t>
-            </a:r>
-          </a:p>
-          <a:p>
-            <a:pPr lvl="1">
-              <a:buClr>
-                <a:schemeClr val="bg1"/>
-              </a:buClr>
-              <a:buSzPct val="75000"/>
-              <a:buFont typeface="Wingdings" panose="05000000000000000000" pitchFamily="2" charset="2"/>
-              <a:buChar char="v"/>
-            </a:pPr>
-            <a:r>
-              <a:rPr lang="en-US" sz="1900" dirty="0">
-                <a:solidFill>
-                  <a:srgbClr val="FCDCED"/>
-                </a:solidFill>
-                <a:latin typeface="Abadi Extra Light" panose="020B0204020104020204" pitchFamily="34" charset="0"/>
-              </a:rPr>
-              <a:t>Attempts to reduce via regularization strength, </a:t>
-            </a:r>
-            <a:r>
-              <a:rPr lang="en-US" sz="1900" dirty="0" err="1">
-                <a:solidFill>
-                  <a:srgbClr val="FCDCED"/>
-                </a:solidFill>
-                <a:latin typeface="Abadi Extra Light" panose="020B0204020104020204" pitchFamily="34" charset="0"/>
-              </a:rPr>
-              <a:t>max_features</a:t>
-            </a:r>
-            <a:r>
-              <a:rPr lang="en-US" sz="1900" dirty="0">
-                <a:solidFill>
-                  <a:srgbClr val="FCDCED"/>
-                </a:solidFill>
-                <a:latin typeface="Abadi Extra Light" panose="020B0204020104020204" pitchFamily="34" charset="0"/>
-              </a:rPr>
-              <a:t> argument</a:t>
+              <a:rPr lang="en-US" sz="1700" dirty="0">
+                <a:solidFill>
+                  <a:srgbClr val="FCDCED"/>
+                </a:solidFill>
+                <a:latin typeface="Abadi Extra Light" panose="020B0204020104020204" pitchFamily="34" charset="0"/>
+              </a:rPr>
+              <a:t>In addition to individual words, we can look at </a:t>
+            </a:r>
+            <a:r>
+              <a:rPr lang="en-US" sz="1700" b="1" dirty="0">
+                <a:solidFill>
+                  <a:srgbClr val="FCDCED"/>
+                </a:solidFill>
+                <a:latin typeface="Abadi Extra Light" panose="020B0204020104020204" pitchFamily="34" charset="0"/>
+              </a:rPr>
+              <a:t>n-grams</a:t>
+            </a:r>
+            <a:r>
+              <a:rPr lang="en-US" sz="1700" dirty="0">
+                <a:solidFill>
+                  <a:srgbClr val="FCDCED"/>
+                </a:solidFill>
+                <a:latin typeface="Abadi Extra Light" panose="020B0204020104020204" pitchFamily="34" charset="0"/>
+              </a:rPr>
+              <a:t> (pairs or groups of words). This gives us </a:t>
+            </a:r>
+            <a:r>
+              <a:rPr lang="en-US" sz="1700" i="1" dirty="0">
+                <a:solidFill>
+                  <a:srgbClr val="FCDCED"/>
+                </a:solidFill>
+                <a:latin typeface="Abadi Extra Light" panose="020B0204020104020204" pitchFamily="34" charset="0"/>
+              </a:rPr>
+              <a:t>some</a:t>
+            </a:r>
+            <a:r>
+              <a:rPr lang="en-US" sz="1700" dirty="0">
+                <a:solidFill>
+                  <a:srgbClr val="FCDCED"/>
+                </a:solidFill>
+                <a:latin typeface="Abadi Extra Light" panose="020B0204020104020204" pitchFamily="34" charset="0"/>
+              </a:rPr>
+              <a:t> characterization of how words are positioned relative to each other.</a:t>
             </a:r>
           </a:p>
           <a:p>
@@ -17151,7 +17964,7 @@
               <a:buSzPct val="75000"/>
               <a:buNone/>
             </a:pPr>
-            <a:endParaRPr lang="en-US" sz="800" dirty="0">
+            <a:endParaRPr lang="en-US" sz="1700" dirty="0">
               <a:solidFill>
                 <a:schemeClr val="accent1">
                   <a:lumMod val="20000"/>
@@ -17165,10 +17978,10 @@
       </p:sp>
       <p:pic>
         <p:nvPicPr>
-          <p:cNvPr id="5" name="Picture 4">
+          <p:cNvPr id="6" name="Picture 5">
             <a:extLst>
               <a:ext uri="{FF2B5EF4-FFF2-40B4-BE49-F238E27FC236}">
-                <a16:creationId xmlns:a16="http://schemas.microsoft.com/office/drawing/2014/main" id="{61CF85AF-E170-4CE3-A796-FDB5473D6B60}"/>
+                <a16:creationId xmlns:a16="http://schemas.microsoft.com/office/drawing/2014/main" id="{5CAB6DD5-CD00-4435-9D16-2C6929270C1E}"/>
               </a:ext>
             </a:extLst>
           </p:cNvPr>
@@ -17185,38 +17998,8 @@
         </p:blipFill>
         <p:spPr>
           <a:xfrm>
-            <a:off x="5604959" y="1418253"/>
-            <a:ext cx="6101849" cy="1371129"/>
-          </a:xfrm>
-          <a:prstGeom prst="rect">
-            <a:avLst/>
-          </a:prstGeom>
-        </p:spPr>
-      </p:pic>
-      <p:pic>
-        <p:nvPicPr>
-          <p:cNvPr id="7" name="Picture 6">
-            <a:extLst>
-              <a:ext uri="{FF2B5EF4-FFF2-40B4-BE49-F238E27FC236}">
-                <a16:creationId xmlns:a16="http://schemas.microsoft.com/office/drawing/2014/main" id="{F539068E-7230-4E6B-95DD-2F223A2763FA}"/>
-              </a:ext>
-            </a:extLst>
-          </p:cNvPr>
-          <p:cNvPicPr>
-            <a:picLocks noChangeAspect="1"/>
-          </p:cNvPicPr>
-          <p:nvPr/>
-        </p:nvPicPr>
-        <p:blipFill>
-          <a:blip r:embed="rId3"/>
-          <a:stretch>
-            <a:fillRect/>
-          </a:stretch>
-        </p:blipFill>
-        <p:spPr>
-          <a:xfrm>
-            <a:off x="5768830" y="3112078"/>
-            <a:ext cx="6048375" cy="3238500"/>
+            <a:off x="5516274" y="2550253"/>
+            <a:ext cx="6206294" cy="3598878"/>
           </a:xfrm>
           <a:prstGeom prst="rect">
             <a:avLst/>
@@ -17268,7 +18051,7 @@
         <p:spPr>
           <a:xfrm>
             <a:off x="485191" y="1418253"/>
-            <a:ext cx="5200581" cy="5066436"/>
+            <a:ext cx="5076709" cy="5066436"/>
           </a:xfrm>
           <a:prstGeom prst="rect">
             <a:avLst/>
@@ -17322,8 +18105,8 @@
         </p:nvSpPr>
         <p:spPr>
           <a:xfrm>
-            <a:off x="701343" y="618259"/>
-            <a:ext cx="7149566" cy="706964"/>
+            <a:off x="701342" y="618259"/>
+            <a:ext cx="8248693" cy="706964"/>
           </a:xfrm>
         </p:spPr>
         <p:txBody>
@@ -17334,7 +18117,7 @@
               <a:rPr lang="en-US" dirty="0">
                 <a:latin typeface="Folks-Light" panose="02000403020000020004" pitchFamily="2" charset="0"/>
               </a:rPr>
-              <a:t>R/ASKWOMEN</a:t>
+              <a:t>MODELING WITH LOGISTIC REGRESSION</a:t>
             </a:r>
           </a:p>
         </p:txBody>
@@ -17357,20 +18140,17 @@
         </p:nvSpPr>
         <p:spPr>
           <a:xfrm>
-            <a:off x="628074" y="1681018"/>
-            <a:ext cx="4904508" cy="4636655"/>
+            <a:off x="666755" y="1738234"/>
+            <a:ext cx="4688416" cy="4560230"/>
           </a:xfrm>
         </p:spPr>
         <p:txBody>
           <a:bodyPr>
-            <a:noAutofit/>
+            <a:normAutofit/>
           </a:bodyPr>
           <a:lstStyle/>
           <a:p>
             <a:pPr>
-              <a:spcAft>
-                <a:spcPts val="600"/>
-              </a:spcAft>
               <a:buClr>
                 <a:schemeClr val="bg1"/>
               </a:buClr>
@@ -17379,20 +18159,35 @@
               <a:buChar char="v"/>
             </a:pPr>
             <a:r>
-              <a:rPr lang="en-US" sz="1200" dirty="0">
-                <a:solidFill>
-                  <a:srgbClr val="FCDCED"/>
-                </a:solidFill>
-                <a:latin typeface="Abadi Extra Light" panose="020B0204020104020204" pitchFamily="34" charset="0"/>
-              </a:rPr>
-              <a:t>"My boyfriend! I love his natural body scent.“</a:t>
+              <a:rPr lang="en-US" sz="1600" b="1" dirty="0">
+                <a:solidFill>
+                  <a:srgbClr val="FCDCED"/>
+                </a:solidFill>
+                <a:latin typeface="Abadi Extra Light" panose="020B0204020104020204" pitchFamily="34" charset="0"/>
+              </a:rPr>
+              <a:t>Logistic Regression </a:t>
+            </a:r>
+            <a:r>
+              <a:rPr lang="en-US" sz="1600" dirty="0">
+                <a:solidFill>
+                  <a:srgbClr val="FCDCED"/>
+                </a:solidFill>
+                <a:latin typeface="Abadi Extra Light" panose="020B0204020104020204" pitchFamily="34" charset="0"/>
+              </a:rPr>
+              <a:t>is a classic technique in large-scale classification problems, that has the advantage of being highly </a:t>
+            </a:r>
+            <a:r>
+              <a:rPr lang="en-US" sz="1600" b="1" dirty="0">
+                <a:solidFill>
+                  <a:srgbClr val="FCDCED"/>
+                </a:solidFill>
+                <a:latin typeface="Abadi Extra Light" panose="020B0204020104020204" pitchFamily="34" charset="0"/>
+              </a:rPr>
+              <a:t>interpretable.  </a:t>
             </a:r>
           </a:p>
           <a:p>
             <a:pPr>
-              <a:spcAft>
-                <a:spcPts val="600"/>
-              </a:spcAft>
               <a:buClr>
                 <a:schemeClr val="bg1"/>
               </a:buClr>
@@ -17401,20 +18196,17 @@
               <a:buChar char="v"/>
             </a:pPr>
             <a:r>
-              <a:rPr lang="en-US" sz="1200" dirty="0">
-                <a:solidFill>
-                  <a:srgbClr val="FCDCED"/>
-                </a:solidFill>
-                <a:latin typeface="Abadi Extra Light" panose="020B0204020104020204" pitchFamily="34" charset="0"/>
-              </a:rPr>
-              <a:t>"Cleanse, tone, moisturize, eye primer, shadow, liner, powder foundation, highlight, blush, setting spray, eyebrows, lipstick. Sometimes mascara, although I mostly hate it."</a:t>
+              <a:rPr lang="en-US" sz="1600" dirty="0">
+                <a:solidFill>
+                  <a:srgbClr val="FCDCED"/>
+                </a:solidFill>
+                <a:latin typeface="Abadi Extra Light" panose="020B0204020104020204" pitchFamily="34" charset="0"/>
+              </a:rPr>
+              <a:t>We can look at which words or n-grams the model associates most to a gender.  We can also look at which comments are easiest for it to gender-identify</a:t>
             </a:r>
           </a:p>
           <a:p>
             <a:pPr>
-              <a:spcAft>
-                <a:spcPts val="600"/>
-              </a:spcAft>
               <a:buClr>
                 <a:schemeClr val="bg1"/>
               </a:buClr>
@@ -17423,20 +18215,44 @@
               <a:buChar char="v"/>
             </a:pPr>
             <a:r>
-              <a:rPr lang="en-US" sz="1200" dirty="0">
-                <a:solidFill>
-                  <a:srgbClr val="FCDCED"/>
-                </a:solidFill>
-                <a:latin typeface="Abadi Extra Light" panose="020B0204020104020204" pitchFamily="34" charset="0"/>
-              </a:rPr>
-              <a:t>"My boyfriend wears vintage black and it's so freaking sexy lol. I rarely wear perfume, I prefer natural smells or sweet smells if I do though, pink sugar was my jam in high school lol. I mostly just use lavender and fruity smelling soaps and it's not overpowering but I still smell delicious lol"</a:t>
+              <a:rPr lang="en-US" sz="1600" dirty="0">
+                <a:solidFill>
+                  <a:srgbClr val="FCDCED"/>
+                </a:solidFill>
+                <a:latin typeface="Abadi Extra Light" panose="020B0204020104020204" pitchFamily="34" charset="0"/>
+              </a:rPr>
+              <a:t>We use </a:t>
+            </a:r>
+            <a:r>
+              <a:rPr lang="en-US" sz="1600" b="1" dirty="0" err="1">
+                <a:solidFill>
+                  <a:srgbClr val="FCDCED"/>
+                </a:solidFill>
+                <a:latin typeface="Abadi Extra Light" panose="020B0204020104020204" pitchFamily="34" charset="0"/>
+              </a:rPr>
+              <a:t>GridSearch</a:t>
+            </a:r>
+            <a:r>
+              <a:rPr lang="en-US" sz="1600" b="1" dirty="0">
+                <a:solidFill>
+                  <a:srgbClr val="FCDCED"/>
+                </a:solidFill>
+                <a:latin typeface="Abadi Extra Light" panose="020B0204020104020204" pitchFamily="34" charset="0"/>
+              </a:rPr>
+              <a:t> </a:t>
+            </a:r>
+            <a:r>
+              <a:rPr lang="en-US" sz="1600" dirty="0">
+                <a:solidFill>
+                  <a:srgbClr val="FCDCED"/>
+                </a:solidFill>
+                <a:latin typeface="Abadi Extra Light" panose="020B0204020104020204" pitchFamily="34" charset="0"/>
+              </a:rPr>
+              <a:t>to look at different combinations of vectorizer options and Logistic Regression options, and find the best performing fit.</a:t>
             </a:r>
           </a:p>
           <a:p>
             <a:pPr>
-              <a:spcAft>
-                <a:spcPts val="600"/>
-              </a:spcAft>
               <a:buClr>
                 <a:schemeClr val="bg1"/>
               </a:buClr>
@@ -17445,20 +18261,53 @@
               <a:buChar char="v"/>
             </a:pPr>
             <a:r>
-              <a:rPr lang="en-US" sz="1200" dirty="0">
-                <a:solidFill>
-                  <a:srgbClr val="FCDCED"/>
-                </a:solidFill>
-                <a:latin typeface="Abadi Extra Light" panose="020B0204020104020204" pitchFamily="34" charset="0"/>
-              </a:rPr>
-              <a:t>"My boobs grew and hurt in ways I'd never known before and then I started getting really bad cramps but no period. So I took the test while at work and it was positive. A tiny part of me was very excited but I was mostly sad and scared. I have severe endometriosis and was told if I ever got pregnant that the baby would die. So I spoke with my husband and the doctor and we agreed (very reluctantly on our part) on having a medical abortion. That was last July. I switched doctors early this year and was told there's no reason I wouldn't be able to have children. I'd just have to be on bed rest and monitored very closely. I could have had a baby by now and it makes me sad every single day."</a:t>
+              <a:rPr lang="en-US" sz="1600" dirty="0">
+                <a:solidFill>
+                  <a:srgbClr val="FCDCED"/>
+                </a:solidFill>
+                <a:latin typeface="Abadi Extra Light" panose="020B0204020104020204" pitchFamily="34" charset="0"/>
+              </a:rPr>
+              <a:t>On new data, our model predicts the correct gender </a:t>
+            </a:r>
+            <a:r>
+              <a:rPr lang="en-US" sz="1600" b="1" dirty="0">
+                <a:solidFill>
+                  <a:srgbClr val="FCDCED"/>
+                </a:solidFill>
+                <a:latin typeface="Abadi Extra Light" panose="020B0204020104020204" pitchFamily="34" charset="0"/>
+              </a:rPr>
+              <a:t>70.5%</a:t>
+            </a:r>
+            <a:r>
+              <a:rPr lang="en-US" sz="1600" dirty="0">
+                <a:solidFill>
+                  <a:srgbClr val="FCDCED"/>
+                </a:solidFill>
+                <a:latin typeface="Abadi Extra Light" panose="020B0204020104020204" pitchFamily="34" charset="0"/>
+              </a:rPr>
+              <a:t> of the time (baseline accuracy was </a:t>
+            </a:r>
+            <a:r>
+              <a:rPr lang="en-US" sz="1600" b="1" dirty="0">
+                <a:solidFill>
+                  <a:srgbClr val="FCDCED"/>
+                </a:solidFill>
+                <a:latin typeface="Abadi Extra Light" panose="020B0204020104020204" pitchFamily="34" charset="0"/>
+              </a:rPr>
+              <a:t>53.9%</a:t>
+            </a:r>
+            <a:r>
+              <a:rPr lang="en-US" sz="1600" dirty="0">
+                <a:solidFill>
+                  <a:srgbClr val="FCDCED"/>
+                </a:solidFill>
+                <a:latin typeface="Abadi Extra Light" panose="020B0204020104020204" pitchFamily="34" charset="0"/>
+              </a:rPr>
+              <a:t>)!  This beats Naïve Bayes and Random Forest models.</a:t>
             </a:r>
           </a:p>
           <a:p>
             <a:pPr>
-              <a:spcAft>
-                <a:spcPts val="600"/>
-              </a:spcAft>
               <a:buClr>
                 <a:schemeClr val="bg1"/>
               </a:buClr>
@@ -17467,15 +18316,62 @@
               <a:buChar char="v"/>
             </a:pPr>
             <a:r>
-              <a:rPr lang="en-US" sz="1200" dirty="0">
-                <a:solidFill>
-                  <a:srgbClr val="FCDCED"/>
-                </a:solidFill>
-                <a:latin typeface="Abadi Extra Light" panose="020B0204020104020204" pitchFamily="34" charset="0"/>
-              </a:rPr>
-              <a:t>"Cats Zumba My husband Reselling designer clothing"</a:t>
-            </a:r>
-            <a:endParaRPr lang="en-US" sz="1200" dirty="0">
+              <a:rPr lang="en-US" sz="1600" dirty="0">
+                <a:solidFill>
+                  <a:srgbClr val="FCDCED"/>
+                </a:solidFill>
+                <a:latin typeface="Abadi Extra Light" panose="020B0204020104020204" pitchFamily="34" charset="0"/>
+              </a:rPr>
+              <a:t>The </a:t>
+            </a:r>
+            <a:r>
+              <a:rPr lang="en-US" sz="1600" b="1" dirty="0">
+                <a:solidFill>
+                  <a:srgbClr val="FCDCED"/>
+                </a:solidFill>
+                <a:latin typeface="Abadi Extra Light" panose="020B0204020104020204" pitchFamily="34" charset="0"/>
+              </a:rPr>
+              <a:t>confusion matrix </a:t>
+            </a:r>
+            <a:r>
+              <a:rPr lang="en-US" sz="1600" dirty="0">
+                <a:solidFill>
+                  <a:srgbClr val="FCDCED"/>
+                </a:solidFill>
+                <a:latin typeface="Abadi Extra Light" panose="020B0204020104020204" pitchFamily="34" charset="0"/>
+              </a:rPr>
+              <a:t>(right) shows that male comments are harder for the model to identify than female comments.</a:t>
+            </a:r>
+          </a:p>
+          <a:p>
+            <a:pPr>
+              <a:buClr>
+                <a:schemeClr val="bg1"/>
+              </a:buClr>
+              <a:buSzPct val="75000"/>
+              <a:buFont typeface="Wingdings" panose="05000000000000000000" pitchFamily="2" charset="2"/>
+              <a:buChar char="v"/>
+            </a:pPr>
+            <a:endParaRPr lang="en-US" sz="1600" dirty="0">
+              <a:solidFill>
+                <a:srgbClr val="FCDCED"/>
+              </a:solidFill>
+              <a:latin typeface="Abadi Extra Light" panose="020B0204020104020204" pitchFamily="34" charset="0"/>
+            </a:endParaRPr>
+          </a:p>
+          <a:p>
+            <a:pPr>
+              <a:buClr>
+                <a:schemeClr val="bg1"/>
+              </a:buClr>
+              <a:buSzPct val="75000"/>
+              <a:buFont typeface="Wingdings" panose="05000000000000000000" pitchFamily="2" charset="2"/>
+              <a:buChar char="v"/>
+            </a:pPr>
+            <a:endParaRPr lang="en-US" sz="1600" dirty="0">
+              <a:solidFill>
+                <a:srgbClr val="FCDCED"/>
+              </a:solidFill>
               <a:latin typeface="Abadi Extra Light" panose="020B0204020104020204" pitchFamily="34" charset="0"/>
             </a:endParaRPr>
           </a:p>
@@ -17483,10 +18379,10 @@
       </p:sp>
       <p:pic>
         <p:nvPicPr>
-          <p:cNvPr id="8" name="Picture 7">
+          <p:cNvPr id="7" name="Picture 6">
             <a:extLst>
               <a:ext uri="{FF2B5EF4-FFF2-40B4-BE49-F238E27FC236}">
-                <a16:creationId xmlns:a16="http://schemas.microsoft.com/office/drawing/2014/main" id="{16DD8665-C6C7-4FFC-B1DF-969BF3DA6D9E}"/>
+                <a16:creationId xmlns:a16="http://schemas.microsoft.com/office/drawing/2014/main" id="{F539068E-7230-4E6B-95DD-2F223A2763FA}"/>
               </a:ext>
             </a:extLst>
           </p:cNvPr>
@@ -17503,18 +18399,70 @@
         </p:blipFill>
         <p:spPr>
           <a:xfrm>
-            <a:off x="5685773" y="410257"/>
-            <a:ext cx="6337940" cy="6235024"/>
+            <a:off x="5722661" y="2541627"/>
+            <a:ext cx="6048375" cy="3238500"/>
           </a:xfrm>
           <a:prstGeom prst="rect">
             <a:avLst/>
           </a:prstGeom>
         </p:spPr>
       </p:pic>
+      <p:sp>
+        <p:nvSpPr>
+          <p:cNvPr id="6" name="Rectangle 5">
+            <a:extLst>
+              <a:ext uri="{FF2B5EF4-FFF2-40B4-BE49-F238E27FC236}">
+                <a16:creationId xmlns:a16="http://schemas.microsoft.com/office/drawing/2014/main" id="{461E3CC4-AAD3-4E56-9E3A-2E6B5C46ED0A}"/>
+              </a:ext>
+            </a:extLst>
+          </p:cNvPr>
+          <p:cNvSpPr/>
+          <p:nvPr/>
+        </p:nvSpPr>
+        <p:spPr>
+          <a:xfrm>
+            <a:off x="8738459" y="2944536"/>
+            <a:ext cx="847288" cy="696286"/>
+          </a:xfrm>
+          <a:prstGeom prst="rect">
+            <a:avLst/>
+          </a:prstGeom>
+          <a:noFill/>
+          <a:ln w="57150">
+            <a:solidFill>
+              <a:srgbClr val="FF0000"/>
+            </a:solidFill>
+          </a:ln>
+        </p:spPr>
+        <p:style>
+          <a:lnRef idx="2">
+            <a:schemeClr val="accent1">
+              <a:shade val="50000"/>
+            </a:schemeClr>
+          </a:lnRef>
+          <a:fillRef idx="1">
+            <a:schemeClr val="accent1"/>
+          </a:fillRef>
+          <a:effectRef idx="0">
+            <a:schemeClr val="accent1"/>
+          </a:effectRef>
+          <a:fontRef idx="minor">
+            <a:schemeClr val="lt1"/>
+          </a:fontRef>
+        </p:style>
+        <p:txBody>
+          <a:bodyPr rtlCol="0" anchor="ctr"/>
+          <a:lstStyle/>
+          <a:p>
+            <a:pPr algn="ctr"/>
+            <a:endParaRPr lang="en-US"/>
+          </a:p>
+        </p:txBody>
+      </p:sp>
     </p:spTree>
     <p:extLst>
       <p:ext uri="{BB962C8B-B14F-4D97-AF65-F5344CB8AC3E}">
-        <p14:creationId xmlns:p14="http://schemas.microsoft.com/office/powerpoint/2010/main" val="949863280"/>
+        <p14:creationId xmlns:p14="http://schemas.microsoft.com/office/powerpoint/2010/main" val="2521292726"/>
       </p:ext>
     </p:extLst>
   </p:cSld>
@@ -17610,7 +18558,7 @@
         </p:nvSpPr>
         <p:spPr>
           <a:xfrm>
-            <a:off x="701343" y="618259"/>
+            <a:off x="703574" y="617721"/>
             <a:ext cx="7149566" cy="706964"/>
           </a:xfrm>
         </p:spPr>
@@ -17622,7 +18570,19 @@
               <a:rPr lang="en-US" dirty="0">
                 <a:latin typeface="Folks-Light" panose="02000403020000020004" pitchFamily="2" charset="0"/>
               </a:rPr>
-              <a:t>R/ASKWOMEN</a:t>
+              <a:t>R/ASKWOMEN </a:t>
+            </a:r>
+            <a:r>
+              <a:rPr lang="en-US" sz="1600" dirty="0">
+                <a:solidFill>
+                  <a:schemeClr val="accent1">
+                    <a:lumMod val="40000"/>
+                    <a:lumOff val="60000"/>
+                  </a:schemeClr>
+                </a:solidFill>
+                <a:latin typeface="Folks-Light" panose="02000403020000020004" pitchFamily="2" charset="0"/>
+              </a:rPr>
+              <a:t>DEAD GIVEAWAYS</a:t>
             </a:r>
           </a:p>
         </p:txBody>
@@ -17645,8 +18605,8 @@
         </p:nvSpPr>
         <p:spPr>
           <a:xfrm>
-            <a:off x="873371" y="1889164"/>
-            <a:ext cx="4456011" cy="4124614"/>
+            <a:off x="628074" y="1681018"/>
+            <a:ext cx="4904508" cy="4636655"/>
           </a:xfrm>
         </p:spPr>
         <p:txBody>
@@ -17655,149 +18615,115 @@
           </a:bodyPr>
           <a:lstStyle/>
           <a:p>
-            <a:pPr marL="0" indent="0">
+            <a:pPr>
+              <a:spcAft>
+                <a:spcPts val="600"/>
+              </a:spcAft>
               <a:buClr>
                 <a:schemeClr val="bg1"/>
               </a:buClr>
               <a:buSzPct val="75000"/>
-              <a:buNone/>
+              <a:buFont typeface="Wingdings" panose="05000000000000000000" pitchFamily="2" charset="2"/>
+              <a:buChar char="v"/>
             </a:pPr>
             <a:r>
-              <a:rPr lang="en-US" sz="1500" dirty="0">
-                <a:solidFill>
-                  <a:srgbClr val="FCDCED"/>
-                </a:solidFill>
-                <a:latin typeface="Abadi Extra Light" panose="020B0204020104020204" pitchFamily="34" charset="0"/>
-              </a:rPr>
-              <a:t>“I’m a graphic designer. For my senior show I had to showcase my work in a gallery. So I went to a few print shops and talked to managers about their quality and printing process. One print shop I went with </a:t>
-            </a:r>
-            <a:r>
-              <a:rPr lang="en-US" sz="1500" b="1" u="sng" dirty="0">
-                <a:solidFill>
-                  <a:srgbClr val="FCDCED"/>
-                </a:solidFill>
-                <a:latin typeface="Abadi Extra Light" panose="020B0204020104020204" pitchFamily="34" charset="0"/>
-              </a:rPr>
-              <a:t>my boyfriend </a:t>
-            </a:r>
-            <a:r>
-              <a:rPr lang="en-US" sz="1500" dirty="0">
-                <a:solidFill>
-                  <a:srgbClr val="FCDCED"/>
-                </a:solidFill>
-                <a:latin typeface="Abadi Extra Light" panose="020B0204020104020204" pitchFamily="34" charset="0"/>
-              </a:rPr>
-              <a:t>after lunch, and we walked in and </a:t>
-            </a:r>
-            <a:r>
-              <a:rPr lang="en-US" sz="1500" b="1" u="sng" dirty="0">
-                <a:solidFill>
-                  <a:srgbClr val="FCDCED"/>
-                </a:solidFill>
-                <a:latin typeface="Abadi Extra Light" panose="020B0204020104020204" pitchFamily="34" charset="0"/>
-              </a:rPr>
-              <a:t>my boyfriend </a:t>
-            </a:r>
-            <a:r>
-              <a:rPr lang="en-US" sz="1500" dirty="0">
-                <a:solidFill>
-                  <a:srgbClr val="FCDCED"/>
-                </a:solidFill>
-                <a:latin typeface="Abadi Extra Light" panose="020B0204020104020204" pitchFamily="34" charset="0"/>
-              </a:rPr>
-              <a:t>stood behind me while I talked to the manager. I asked a few questions but the manager would direct his answer to </a:t>
-            </a:r>
-            <a:r>
-              <a:rPr lang="en-US" sz="1500" b="1" u="sng" dirty="0">
-                <a:solidFill>
-                  <a:srgbClr val="FCDCED"/>
-                </a:solidFill>
-                <a:latin typeface="Abadi Extra Light" panose="020B0204020104020204" pitchFamily="34" charset="0"/>
-              </a:rPr>
-              <a:t>my boyfriend</a:t>
-            </a:r>
-            <a:r>
-              <a:rPr lang="en-US" sz="1500" dirty="0">
-                <a:solidFill>
-                  <a:srgbClr val="FCDCED"/>
-                </a:solidFill>
-                <a:latin typeface="Abadi Extra Light" panose="020B0204020104020204" pitchFamily="34" charset="0"/>
-              </a:rPr>
-              <a:t>. And even asked </a:t>
-            </a:r>
-            <a:r>
-              <a:rPr lang="en-US" sz="1500" b="1" u="sng" dirty="0">
-                <a:solidFill>
-                  <a:srgbClr val="FCDCED"/>
-                </a:solidFill>
-                <a:latin typeface="Abadi Extra Light" panose="020B0204020104020204" pitchFamily="34" charset="0"/>
-              </a:rPr>
-              <a:t>my boyfriend </a:t>
-            </a:r>
-            <a:r>
-              <a:rPr lang="en-US" sz="1500" dirty="0">
-                <a:solidFill>
-                  <a:srgbClr val="FCDCED"/>
-                </a:solidFill>
-                <a:latin typeface="Abadi Extra Light" panose="020B0204020104020204" pitchFamily="34" charset="0"/>
-              </a:rPr>
-              <a:t>if he wanted a quote. </a:t>
-            </a:r>
-            <a:r>
-              <a:rPr lang="en-US" sz="1500" b="1" u="sng" dirty="0">
-                <a:solidFill>
-                  <a:srgbClr val="FCDCED"/>
-                </a:solidFill>
-                <a:latin typeface="Abadi Extra Light" panose="020B0204020104020204" pitchFamily="34" charset="0"/>
-              </a:rPr>
-              <a:t>My boyfriend </a:t>
-            </a:r>
-            <a:r>
-              <a:rPr lang="en-US" sz="1500" dirty="0">
-                <a:solidFill>
-                  <a:srgbClr val="FCDCED"/>
-                </a:solidFill>
-                <a:latin typeface="Abadi Extra Light" panose="020B0204020104020204" pitchFamily="34" charset="0"/>
-              </a:rPr>
-              <a:t>said “you need to talk to her, it’s her project and her money” and </a:t>
-            </a:r>
-            <a:r>
-              <a:rPr lang="en-US" sz="1500" b="1" u="sng" dirty="0">
-                <a:solidFill>
-                  <a:srgbClr val="FCDCED"/>
-                </a:solidFill>
-                <a:latin typeface="Abadi Extra Light" panose="020B0204020104020204" pitchFamily="34" charset="0"/>
-              </a:rPr>
-              <a:t>my boyfriend </a:t>
-            </a:r>
-            <a:r>
-              <a:rPr lang="en-US" sz="1500" dirty="0">
-                <a:solidFill>
-                  <a:srgbClr val="FCDCED"/>
-                </a:solidFill>
-                <a:latin typeface="Abadi Extra Light" panose="020B0204020104020204" pitchFamily="34" charset="0"/>
-              </a:rPr>
-              <a:t>went and sat down behind me. I continued asking about color quality, and asked what happens if I’m not happy with the outcome, and the manager laughed and said “well it’s not like picking wallpaper for the kitchen sweetheart” and looked at </a:t>
-            </a:r>
-            <a:r>
-              <a:rPr lang="en-US" sz="1500" b="1" u="sng" dirty="0">
-                <a:solidFill>
-                  <a:srgbClr val="FCDCED"/>
-                </a:solidFill>
-                <a:latin typeface="Abadi Extra Light" panose="020B0204020104020204" pitchFamily="34" charset="0"/>
-              </a:rPr>
-              <a:t>my boyfriend </a:t>
-            </a:r>
-            <a:r>
-              <a:rPr lang="en-US" sz="1500" dirty="0">
-                <a:solidFill>
-                  <a:srgbClr val="FCDCED"/>
-                </a:solidFill>
-                <a:latin typeface="Abadi Extra Light" panose="020B0204020104020204" pitchFamily="34" charset="0"/>
-              </a:rPr>
-              <a:t>for approval on his joke. He didn’t get approval and we left.”</a:t>
-            </a:r>
-            <a:endParaRPr lang="en-US" sz="1500" dirty="0">
+              <a:rPr lang="en-US" sz="1200" dirty="0">
+                <a:solidFill>
+                  <a:srgbClr val="FCDCED"/>
+                </a:solidFill>
+                <a:latin typeface="Abadi Extra Light" panose="020B0204020104020204" pitchFamily="34" charset="0"/>
+              </a:rPr>
+              <a:t>"My boyfriend! I love his natural body scent.“</a:t>
+            </a:r>
+          </a:p>
+          <a:p>
+            <a:pPr>
+              <a:spcAft>
+                <a:spcPts val="600"/>
+              </a:spcAft>
+              <a:buClr>
+                <a:schemeClr val="bg1"/>
+              </a:buClr>
+              <a:buSzPct val="75000"/>
+              <a:buFont typeface="Wingdings" panose="05000000000000000000" pitchFamily="2" charset="2"/>
+              <a:buChar char="v"/>
+            </a:pPr>
+            <a:r>
+              <a:rPr lang="en-US" sz="1200" dirty="0">
+                <a:solidFill>
+                  <a:srgbClr val="FCDCED"/>
+                </a:solidFill>
+                <a:latin typeface="Abadi Extra Light" panose="020B0204020104020204" pitchFamily="34" charset="0"/>
+              </a:rPr>
+              <a:t>"Cleanse, tone, moisturize, eye primer, shadow, liner, powder foundation, highlight, blush, setting spray, eyebrows, lipstick. Sometimes mascara, although I mostly hate it."</a:t>
+            </a:r>
+          </a:p>
+          <a:p>
+            <a:pPr>
+              <a:spcAft>
+                <a:spcPts val="600"/>
+              </a:spcAft>
+              <a:buClr>
+                <a:schemeClr val="bg1"/>
+              </a:buClr>
+              <a:buSzPct val="75000"/>
+              <a:buFont typeface="Wingdings" panose="05000000000000000000" pitchFamily="2" charset="2"/>
+              <a:buChar char="v"/>
+            </a:pPr>
+            <a:r>
+              <a:rPr lang="en-US" sz="1200" dirty="0">
+                <a:solidFill>
+                  <a:srgbClr val="FCDCED"/>
+                </a:solidFill>
+                <a:latin typeface="Abadi Extra Light" panose="020B0204020104020204" pitchFamily="34" charset="0"/>
+              </a:rPr>
+              <a:t>"My boyfriend wears vintage black and it's so freaking sexy lol. I rarely wear perfume, I prefer natural smells or sweet smells if I do though, pink sugar was my jam in high school lol. I mostly just use lavender and fruity smelling soaps and it's not overpowering but I still smell delicious lol"</a:t>
+            </a:r>
+          </a:p>
+          <a:p>
+            <a:pPr>
+              <a:spcAft>
+                <a:spcPts val="600"/>
+              </a:spcAft>
+              <a:buClr>
+                <a:schemeClr val="bg1"/>
+              </a:buClr>
+              <a:buSzPct val="75000"/>
+              <a:buFont typeface="Wingdings" panose="05000000000000000000" pitchFamily="2" charset="2"/>
+              <a:buChar char="v"/>
+            </a:pPr>
+            <a:r>
+              <a:rPr lang="en-US" sz="1200" dirty="0">
+                <a:solidFill>
+                  <a:srgbClr val="FCDCED"/>
+                </a:solidFill>
+                <a:latin typeface="Abadi Extra Light" panose="020B0204020104020204" pitchFamily="34" charset="0"/>
+              </a:rPr>
+              <a:t>"My boobs grew and hurt in ways I'd never known before and then I started getting really bad cramps but no period. So I took the test while at work and it was positive. A tiny part of me was very excited but I was mostly sad and scared. I have severe endometriosis and was told if I ever got pregnant that the baby would die. So I spoke with my husband and the doctor and we agreed (very reluctantly on our part) on having a medical abortion. That was last July. I switched doctors early this year and was told there's no reason I wouldn't be able to have children. I'd just have to be on bed rest and monitored very closely. I could have had a baby by now and it makes me sad every single day."</a:t>
+            </a:r>
+          </a:p>
+          <a:p>
+            <a:pPr>
+              <a:spcAft>
+                <a:spcPts val="600"/>
+              </a:spcAft>
+              <a:buClr>
+                <a:schemeClr val="bg1"/>
+              </a:buClr>
+              <a:buSzPct val="75000"/>
+              <a:buFont typeface="Wingdings" panose="05000000000000000000" pitchFamily="2" charset="2"/>
+              <a:buChar char="v"/>
+            </a:pPr>
+            <a:r>
+              <a:rPr lang="en-US" sz="1200" dirty="0">
+                <a:solidFill>
+                  <a:srgbClr val="FCDCED"/>
+                </a:solidFill>
+                <a:latin typeface="Abadi Extra Light" panose="020B0204020104020204" pitchFamily="34" charset="0"/>
+              </a:rPr>
+              <a:t>"Cats Zumba My husband Reselling designer clothing"</a:t>
+            </a:r>
+            <a:endParaRPr lang="en-US" sz="1200" dirty="0">
               <a:latin typeface="Abadi Extra Light" panose="020B0204020104020204" pitchFamily="34" charset="0"/>
             </a:endParaRPr>
           </a:p>
@@ -17836,7 +18762,7 @@
     </p:spTree>
     <p:extLst>
       <p:ext uri="{BB962C8B-B14F-4D97-AF65-F5344CB8AC3E}">
-        <p14:creationId xmlns:p14="http://schemas.microsoft.com/office/powerpoint/2010/main" val="2790969951"/>
+        <p14:creationId xmlns:p14="http://schemas.microsoft.com/office/powerpoint/2010/main" val="949863280"/>
       </p:ext>
     </p:extLst>
   </p:cSld>
@@ -17944,7 +18870,19 @@
               <a:rPr lang="en-US" dirty="0">
                 <a:latin typeface="Folks-Light" panose="02000403020000020004" pitchFamily="2" charset="0"/>
               </a:rPr>
-              <a:t>R/ASKWOMEN</a:t>
+              <a:t>R/ASKWOMEN </a:t>
+            </a:r>
+            <a:r>
+              <a:rPr lang="en-US" sz="1600" dirty="0">
+                <a:solidFill>
+                  <a:schemeClr val="accent1">
+                    <a:lumMod val="40000"/>
+                    <a:lumOff val="60000"/>
+                  </a:schemeClr>
+                </a:solidFill>
+                <a:latin typeface="Folks-Light" panose="02000403020000020004" pitchFamily="2" charset="0"/>
+              </a:rPr>
+              <a:t>REPEATS MATTER</a:t>
             </a:r>
           </a:p>
         </p:txBody>
@@ -17967,8 +18905,8 @@
         </p:nvSpPr>
         <p:spPr>
           <a:xfrm>
-            <a:off x="633227" y="1666924"/>
-            <a:ext cx="4904508" cy="4636655"/>
+            <a:off x="873371" y="1889164"/>
+            <a:ext cx="4456011" cy="4124614"/>
           </a:xfrm>
         </p:spPr>
         <p:txBody>
@@ -17977,226 +18915,149 @@
           </a:bodyPr>
           <a:lstStyle/>
           <a:p>
-            <a:pPr>
-              <a:spcAft>
-                <a:spcPts val="600"/>
-              </a:spcAft>
+            <a:pPr marL="0" indent="0">
               <a:buClr>
                 <a:schemeClr val="bg1"/>
               </a:buClr>
               <a:buSzPct val="75000"/>
-              <a:buFont typeface="Wingdings" panose="05000000000000000000" pitchFamily="2" charset="2"/>
-              <a:buChar char="v"/>
+              <a:buNone/>
             </a:pPr>
             <a:r>
-              <a:rPr lang="en-US" sz="2100" dirty="0">
-                <a:solidFill>
-                  <a:srgbClr val="FCDCED"/>
-                </a:solidFill>
-                <a:latin typeface="Abadi Extra Light" panose="020B0204020104020204" pitchFamily="34" charset="0"/>
-              </a:rPr>
-              <a:t>Transition cadence to further explanation: </a:t>
-            </a:r>
-          </a:p>
-          <a:p>
-            <a:pPr lvl="1">
-              <a:spcAft>
-                <a:spcPts val="600"/>
-              </a:spcAft>
-              <a:buClr>
-                <a:schemeClr val="bg1"/>
-              </a:buClr>
-              <a:buSzPct val="75000"/>
-              <a:buFont typeface="Wingdings" panose="05000000000000000000" pitchFamily="2" charset="2"/>
-              <a:buChar char="v"/>
-            </a:pPr>
-            <a:r>
-              <a:rPr lang="en-US" sz="1700" dirty="0">
-                <a:solidFill>
-                  <a:srgbClr val="FCDCED"/>
-                </a:solidFill>
-                <a:latin typeface="Abadi Extra Light" panose="020B0204020104020204" pitchFamily="34" charset="0"/>
-              </a:rPr>
-              <a:t>“and then”, “although”, “also”, “so”, “because”</a:t>
-            </a:r>
-          </a:p>
-          <a:p>
-            <a:pPr>
-              <a:spcAft>
-                <a:spcPts val="600"/>
-              </a:spcAft>
-              <a:buClr>
-                <a:schemeClr val="bg1"/>
-              </a:buClr>
-              <a:buSzPct val="75000"/>
-              <a:buFont typeface="Wingdings" panose="05000000000000000000" pitchFamily="2" charset="2"/>
-              <a:buChar char="v"/>
-            </a:pPr>
-            <a:r>
-              <a:rPr lang="en-US" sz="2100" dirty="0">
-                <a:solidFill>
-                  <a:srgbClr val="FCDCED"/>
-                </a:solidFill>
-                <a:latin typeface="Abadi Extra Light" panose="020B0204020104020204" pitchFamily="34" charset="0"/>
-              </a:rPr>
-              <a:t>Personal touch:  </a:t>
-            </a:r>
-          </a:p>
-          <a:p>
-            <a:pPr lvl="1">
-              <a:spcAft>
-                <a:spcPts val="600"/>
-              </a:spcAft>
-              <a:buClr>
-                <a:schemeClr val="bg1"/>
-              </a:buClr>
-              <a:buSzPct val="75000"/>
-              <a:buFont typeface="Wingdings" panose="05000000000000000000" pitchFamily="2" charset="2"/>
-              <a:buChar char="v"/>
-            </a:pPr>
-            <a:r>
-              <a:rPr lang="en-US" sz="1700" dirty="0">
-                <a:solidFill>
-                  <a:srgbClr val="FCDCED"/>
-                </a:solidFill>
-                <a:latin typeface="Abadi Extra Light" panose="020B0204020104020204" pitchFamily="34" charset="0"/>
-              </a:rPr>
-              <a:t>“ask me”, “how are you”, “please”, “feel”</a:t>
-            </a:r>
-          </a:p>
-          <a:p>
-            <a:pPr>
-              <a:spcAft>
-                <a:spcPts val="600"/>
-              </a:spcAft>
-              <a:buClr>
-                <a:schemeClr val="bg1"/>
-              </a:buClr>
-              <a:buSzPct val="75000"/>
-              <a:buFont typeface="Wingdings" panose="05000000000000000000" pitchFamily="2" charset="2"/>
-              <a:buChar char="v"/>
-            </a:pPr>
-            <a:r>
-              <a:rPr lang="en-US" sz="2100" dirty="0">
-                <a:solidFill>
-                  <a:srgbClr val="FCDCED"/>
-                </a:solidFill>
-                <a:latin typeface="Abadi Extra Light" panose="020B0204020104020204" pitchFamily="34" charset="0"/>
-              </a:rPr>
-              <a:t>Short and sweet casual language:  </a:t>
-            </a:r>
-          </a:p>
-          <a:p>
-            <a:pPr lvl="1">
-              <a:spcAft>
-                <a:spcPts val="600"/>
-              </a:spcAft>
-              <a:buClr>
-                <a:schemeClr val="bg1"/>
-              </a:buClr>
-              <a:buSzPct val="75000"/>
-              <a:buFont typeface="Wingdings" panose="05000000000000000000" pitchFamily="2" charset="2"/>
-              <a:buChar char="v"/>
-            </a:pPr>
-            <a:r>
-              <a:rPr lang="en-US" sz="1700" dirty="0">
-                <a:solidFill>
-                  <a:srgbClr val="FCDCED"/>
-                </a:solidFill>
-                <a:latin typeface="Abadi Extra Light" panose="020B0204020104020204" pitchFamily="34" charset="0"/>
-              </a:rPr>
-              <a:t>“super”, “ugh”, “comfy”, “cute”, “lol”, “yum” </a:t>
-            </a:r>
-          </a:p>
-          <a:p>
-            <a:pPr>
-              <a:spcAft>
-                <a:spcPts val="600"/>
-              </a:spcAft>
-              <a:buClr>
-                <a:schemeClr val="bg1"/>
-              </a:buClr>
-              <a:buSzPct val="75000"/>
-              <a:buFont typeface="Wingdings" panose="05000000000000000000" pitchFamily="2" charset="2"/>
-              <a:buChar char="v"/>
-            </a:pPr>
-            <a:r>
-              <a:rPr lang="en-US" sz="2100" dirty="0">
-                <a:solidFill>
-                  <a:srgbClr val="FCDCED"/>
-                </a:solidFill>
-                <a:latin typeface="Abadi Extra Light" panose="020B0204020104020204" pitchFamily="34" charset="0"/>
-              </a:rPr>
-              <a:t>Miscellaneous expressions:  </a:t>
-            </a:r>
-          </a:p>
-          <a:p>
-            <a:pPr lvl="1">
-              <a:spcAft>
-                <a:spcPts val="600"/>
-              </a:spcAft>
-              <a:buClr>
-                <a:schemeClr val="bg1"/>
-              </a:buClr>
-              <a:buSzPct val="75000"/>
-              <a:buFont typeface="Wingdings" panose="05000000000000000000" pitchFamily="2" charset="2"/>
-              <a:buChar char="v"/>
-            </a:pPr>
-            <a:r>
-              <a:rPr lang="en-US" sz="1700" dirty="0">
-                <a:solidFill>
-                  <a:srgbClr val="FCDCED"/>
-                </a:solidFill>
-                <a:latin typeface="Abadi Extra Light" panose="020B0204020104020204" pitchFamily="34" charset="0"/>
-              </a:rPr>
-              <a:t>“uncomplicated”, “killing my”, “lot more”, “obnoxious”, “would never”, “if someone”, “struggling”, ”my most”, “absolutely”, “nope”</a:t>
-            </a:r>
-          </a:p>
-          <a:p>
-            <a:pPr>
-              <a:spcAft>
-                <a:spcPts val="600"/>
-              </a:spcAft>
-              <a:buClr>
-                <a:schemeClr val="bg1"/>
-              </a:buClr>
-              <a:buSzPct val="75000"/>
-              <a:buFont typeface="Wingdings" panose="05000000000000000000" pitchFamily="2" charset="2"/>
-              <a:buChar char="v"/>
-            </a:pPr>
-            <a:endParaRPr lang="en-US" sz="2100" dirty="0">
-              <a:solidFill>
-                <a:srgbClr val="FCDCED"/>
-              </a:solidFill>
-              <a:latin typeface="Abadi Extra Light" panose="020B0204020104020204" pitchFamily="34" charset="0"/>
-            </a:endParaRPr>
-          </a:p>
-          <a:p>
-            <a:pPr>
-              <a:buClr>
-                <a:schemeClr val="bg1"/>
-              </a:buClr>
-              <a:buSzPct val="75000"/>
-              <a:buFont typeface="Wingdings" panose="05000000000000000000" pitchFamily="2" charset="2"/>
-              <a:buChar char="v"/>
-            </a:pPr>
-            <a:endParaRPr lang="en-US" dirty="0">
-              <a:latin typeface="Abadi Extra Light" panose="020B0204020104020204" pitchFamily="34" charset="0"/>
-            </a:endParaRPr>
-          </a:p>
-          <a:p>
-            <a:pPr>
-              <a:spcAft>
-                <a:spcPts val="600"/>
-              </a:spcAft>
-              <a:buClr>
-                <a:schemeClr val="bg1"/>
-              </a:buClr>
-              <a:buSzPct val="75000"/>
-              <a:buFont typeface="Wingdings" panose="05000000000000000000" pitchFamily="2" charset="2"/>
-              <a:buChar char="v"/>
-            </a:pPr>
-            <a:endParaRPr lang="en-US" sz="1200" dirty="0">
+              <a:rPr lang="en-US" sz="1500" dirty="0">
+                <a:solidFill>
+                  <a:srgbClr val="FCDCED"/>
+                </a:solidFill>
+                <a:latin typeface="Abadi Extra Light" panose="020B0204020104020204" pitchFamily="34" charset="0"/>
+              </a:rPr>
+              <a:t>“I’m a graphic designer. For my senior show I had to showcase my work in a gallery. So I went to a few print shops and talked to managers about their quality and printing process. One print shop I went with </a:t>
+            </a:r>
+            <a:r>
+              <a:rPr lang="en-US" sz="1500" b="1" u="sng" dirty="0">
+                <a:solidFill>
+                  <a:srgbClr val="FCDCED"/>
+                </a:solidFill>
+                <a:latin typeface="Abadi Extra Light" panose="020B0204020104020204" pitchFamily="34" charset="0"/>
+              </a:rPr>
+              <a:t>my boyfriend </a:t>
+            </a:r>
+            <a:r>
+              <a:rPr lang="en-US" sz="1500" dirty="0">
+                <a:solidFill>
+                  <a:srgbClr val="FCDCED"/>
+                </a:solidFill>
+                <a:latin typeface="Abadi Extra Light" panose="020B0204020104020204" pitchFamily="34" charset="0"/>
+              </a:rPr>
+              <a:t>after lunch, and we walked in and </a:t>
+            </a:r>
+            <a:r>
+              <a:rPr lang="en-US" sz="1500" b="1" u="sng" dirty="0">
+                <a:solidFill>
+                  <a:srgbClr val="FCDCED"/>
+                </a:solidFill>
+                <a:latin typeface="Abadi Extra Light" panose="020B0204020104020204" pitchFamily="34" charset="0"/>
+              </a:rPr>
+              <a:t>my boyfriend </a:t>
+            </a:r>
+            <a:r>
+              <a:rPr lang="en-US" sz="1500" dirty="0">
+                <a:solidFill>
+                  <a:srgbClr val="FCDCED"/>
+                </a:solidFill>
+                <a:latin typeface="Abadi Extra Light" panose="020B0204020104020204" pitchFamily="34" charset="0"/>
+              </a:rPr>
+              <a:t>stood behind me while I talked to the manager. I asked a few questions but the manager would direct his answer to </a:t>
+            </a:r>
+            <a:r>
+              <a:rPr lang="en-US" sz="1500" b="1" u="sng" dirty="0">
+                <a:solidFill>
+                  <a:srgbClr val="FCDCED"/>
+                </a:solidFill>
+                <a:latin typeface="Abadi Extra Light" panose="020B0204020104020204" pitchFamily="34" charset="0"/>
+              </a:rPr>
+              <a:t>my boyfriend</a:t>
+            </a:r>
+            <a:r>
+              <a:rPr lang="en-US" sz="1500" dirty="0">
+                <a:solidFill>
+                  <a:srgbClr val="FCDCED"/>
+                </a:solidFill>
+                <a:latin typeface="Abadi Extra Light" panose="020B0204020104020204" pitchFamily="34" charset="0"/>
+              </a:rPr>
+              <a:t>. And even asked </a:t>
+            </a:r>
+            <a:r>
+              <a:rPr lang="en-US" sz="1500" b="1" u="sng" dirty="0">
+                <a:solidFill>
+                  <a:srgbClr val="FCDCED"/>
+                </a:solidFill>
+                <a:latin typeface="Abadi Extra Light" panose="020B0204020104020204" pitchFamily="34" charset="0"/>
+              </a:rPr>
+              <a:t>my boyfriend </a:t>
+            </a:r>
+            <a:r>
+              <a:rPr lang="en-US" sz="1500" dirty="0">
+                <a:solidFill>
+                  <a:srgbClr val="FCDCED"/>
+                </a:solidFill>
+                <a:latin typeface="Abadi Extra Light" panose="020B0204020104020204" pitchFamily="34" charset="0"/>
+              </a:rPr>
+              <a:t>if he wanted a quote. </a:t>
+            </a:r>
+            <a:r>
+              <a:rPr lang="en-US" sz="1500" b="1" u="sng" dirty="0">
+                <a:solidFill>
+                  <a:srgbClr val="FCDCED"/>
+                </a:solidFill>
+                <a:latin typeface="Abadi Extra Light" panose="020B0204020104020204" pitchFamily="34" charset="0"/>
+              </a:rPr>
+              <a:t>My boyfriend </a:t>
+            </a:r>
+            <a:r>
+              <a:rPr lang="en-US" sz="1500" dirty="0">
+                <a:solidFill>
+                  <a:srgbClr val="FCDCED"/>
+                </a:solidFill>
+                <a:latin typeface="Abadi Extra Light" panose="020B0204020104020204" pitchFamily="34" charset="0"/>
+              </a:rPr>
+              <a:t>said “you need to talk to her, it’s her project and her money” and </a:t>
+            </a:r>
+            <a:r>
+              <a:rPr lang="en-US" sz="1500" b="1" u="sng" dirty="0">
+                <a:solidFill>
+                  <a:srgbClr val="FCDCED"/>
+                </a:solidFill>
+                <a:latin typeface="Abadi Extra Light" panose="020B0204020104020204" pitchFamily="34" charset="0"/>
+              </a:rPr>
+              <a:t>my boyfriend </a:t>
+            </a:r>
+            <a:r>
+              <a:rPr lang="en-US" sz="1500" dirty="0">
+                <a:solidFill>
+                  <a:srgbClr val="FCDCED"/>
+                </a:solidFill>
+                <a:latin typeface="Abadi Extra Light" panose="020B0204020104020204" pitchFamily="34" charset="0"/>
+              </a:rPr>
+              <a:t>went and sat down behind me. I continued asking about color quality, and asked what happens if I’m not happy with the outcome, and the manager laughed and said “well it’s not like picking wallpaper for the kitchen sweetheart” and looked at </a:t>
+            </a:r>
+            <a:r>
+              <a:rPr lang="en-US" sz="1500" b="1" u="sng" dirty="0">
+                <a:solidFill>
+                  <a:srgbClr val="FCDCED"/>
+                </a:solidFill>
+                <a:latin typeface="Abadi Extra Light" panose="020B0204020104020204" pitchFamily="34" charset="0"/>
+              </a:rPr>
+              <a:t>my boyfriend </a:t>
+            </a:r>
+            <a:r>
+              <a:rPr lang="en-US" sz="1500" dirty="0">
+                <a:solidFill>
+                  <a:srgbClr val="FCDCED"/>
+                </a:solidFill>
+                <a:latin typeface="Abadi Extra Light" panose="020B0204020104020204" pitchFamily="34" charset="0"/>
+              </a:rPr>
+              <a:t>for approval on his joke. He didn’t get approval and we left.”</a:t>
+            </a:r>
+            <a:endParaRPr lang="en-US" sz="1500" dirty="0">
               <a:latin typeface="Abadi Extra Light" panose="020B0204020104020204" pitchFamily="34" charset="0"/>
             </a:endParaRPr>
           </a:p>
@@ -18235,7 +19096,7 @@
     </p:spTree>
     <p:extLst>
       <p:ext uri="{BB962C8B-B14F-4D97-AF65-F5344CB8AC3E}">
-        <p14:creationId xmlns:p14="http://schemas.microsoft.com/office/powerpoint/2010/main" val="2238359159"/>
+        <p14:creationId xmlns:p14="http://schemas.microsoft.com/office/powerpoint/2010/main" val="2790969951"/>
       </p:ext>
     </p:extLst>
   </p:cSld>
@@ -18262,36 +19123,6 @@
           <a:chExt cx="0" cy="0"/>
         </a:xfrm>
       </p:grpSpPr>
-      <p:pic>
-        <p:nvPicPr>
-          <p:cNvPr id="6" name="Picture 5">
-            <a:extLst>
-              <a:ext uri="{FF2B5EF4-FFF2-40B4-BE49-F238E27FC236}">
-                <a16:creationId xmlns:a16="http://schemas.microsoft.com/office/drawing/2014/main" id="{863B093B-97E0-450D-82AF-E7A18F0FFB1E}"/>
-              </a:ext>
-            </a:extLst>
-          </p:cNvPr>
-          <p:cNvPicPr>
-            <a:picLocks noChangeAspect="1"/>
-          </p:cNvPicPr>
-          <p:nvPr/>
-        </p:nvPicPr>
-        <p:blipFill>
-          <a:blip r:embed="rId2"/>
-          <a:stretch>
-            <a:fillRect/>
-          </a:stretch>
-        </p:blipFill>
-        <p:spPr>
-          <a:xfrm>
-            <a:off x="5685773" y="410257"/>
-            <a:ext cx="6337940" cy="6235024"/>
-          </a:xfrm>
-          <a:prstGeom prst="rect">
-            <a:avLst/>
-          </a:prstGeom>
-        </p:spPr>
-      </p:pic>
       <p:sp>
         <p:nvSpPr>
           <p:cNvPr id="4" name="Rectangle 3">
@@ -18373,7 +19204,19 @@
               <a:rPr lang="en-US" dirty="0">
                 <a:latin typeface="Folks-Light" panose="02000403020000020004" pitchFamily="2" charset="0"/>
               </a:rPr>
-              <a:t>R/ASKMEN</a:t>
+              <a:t>R/ASKWOMEN </a:t>
+            </a:r>
+            <a:r>
+              <a:rPr lang="en-US" sz="1600" dirty="0">
+                <a:solidFill>
+                  <a:schemeClr val="accent1">
+                    <a:lumMod val="40000"/>
+                    <a:lumOff val="60000"/>
+                  </a:schemeClr>
+                </a:solidFill>
+                <a:latin typeface="Folks-Light" panose="02000403020000020004" pitchFamily="2" charset="0"/>
+              </a:rPr>
+              <a:t>LINGUISTIC PATTERNS</a:t>
             </a:r>
           </a:p>
         </p:txBody>
@@ -18396,13 +19239,13 @@
         </p:nvSpPr>
         <p:spPr>
           <a:xfrm>
-            <a:off x="618835" y="1736435"/>
-            <a:ext cx="4849091" cy="4580345"/>
+            <a:off x="633227" y="1666924"/>
+            <a:ext cx="4904508" cy="4636655"/>
           </a:xfrm>
         </p:spPr>
         <p:txBody>
           <a:bodyPr>
-            <a:normAutofit fontScale="62500" lnSpcReduction="20000"/>
+            <a:noAutofit/>
           </a:bodyPr>
           <a:lstStyle/>
           <a:p>
@@ -18424,7 +19267,29 @@
                 </a:solidFill>
                 <a:latin typeface="Abadi Extra Light" panose="020B0204020104020204" pitchFamily="34" charset="0"/>
               </a:rPr>
-              <a:t>She's my wife :)   </a:t>
+              <a:t>Transition cadence to further explanation: </a:t>
+            </a:r>
+          </a:p>
+          <a:p>
+            <a:pPr lvl="1">
+              <a:spcAft>
+                <a:spcPts val="600"/>
+              </a:spcAft>
+              <a:buClr>
+                <a:schemeClr val="bg1"/>
+              </a:buClr>
+              <a:buSzPct val="75000"/>
+              <a:buFont typeface="Wingdings" panose="05000000000000000000" pitchFamily="2" charset="2"/>
+              <a:buChar char="v"/>
+            </a:pPr>
+            <a:r>
+              <a:rPr lang="en-US" sz="1700" dirty="0">
+                <a:solidFill>
+                  <a:srgbClr val="FCDCED"/>
+                </a:solidFill>
+                <a:latin typeface="Abadi Extra Light" panose="020B0204020104020204" pitchFamily="34" charset="0"/>
+              </a:rPr>
+              <a:t>“and then”, “although”, “also”, “so”, “because”</a:t>
             </a:r>
           </a:p>
           <a:p>
@@ -18446,7 +19311,29 @@
                 </a:solidFill>
                 <a:latin typeface="Abadi Extra Light" panose="020B0204020104020204" pitchFamily="34" charset="0"/>
               </a:rPr>
-              <a:t>"Dated like a 9.5/10. She was a child model but couldn't continue as she got older because she was only like 5'8" or some shit. Blonde, size 0, conventionally attractive in pretty much every way. A lot of it is a ton of fun. People are in awe of your seductive prowess, you can lose arguments and say you're going to go bang your ex-model girlfriend as you walk away from your defeat. Its worth doing once in your life if you can."</a:t>
+              <a:t>Personal touch:  </a:t>
+            </a:r>
+          </a:p>
+          <a:p>
+            <a:pPr lvl="1">
+              <a:spcAft>
+                <a:spcPts val="600"/>
+              </a:spcAft>
+              <a:buClr>
+                <a:schemeClr val="bg1"/>
+              </a:buClr>
+              <a:buSzPct val="75000"/>
+              <a:buFont typeface="Wingdings" panose="05000000000000000000" pitchFamily="2" charset="2"/>
+              <a:buChar char="v"/>
+            </a:pPr>
+            <a:r>
+              <a:rPr lang="en-US" sz="1700" dirty="0">
+                <a:solidFill>
+                  <a:srgbClr val="FCDCED"/>
+                </a:solidFill>
+                <a:latin typeface="Abadi Extra Light" panose="020B0204020104020204" pitchFamily="34" charset="0"/>
+              </a:rPr>
+              <a:t>“ask me”, “how are you”, “please”, “feel”</a:t>
             </a:r>
           </a:p>
           <a:p>
@@ -18468,7 +19355,29 @@
                 </a:solidFill>
                 <a:latin typeface="Abadi Extra Light" panose="020B0204020104020204" pitchFamily="34" charset="0"/>
               </a:rPr>
-              <a:t>“Hands, beard, shoulders, head, chest”</a:t>
+              <a:t>Short and sweet casual language:  </a:t>
+            </a:r>
+          </a:p>
+          <a:p>
+            <a:pPr lvl="1">
+              <a:spcAft>
+                <a:spcPts val="600"/>
+              </a:spcAft>
+              <a:buClr>
+                <a:schemeClr val="bg1"/>
+              </a:buClr>
+              <a:buSzPct val="75000"/>
+              <a:buFont typeface="Wingdings" panose="05000000000000000000" pitchFamily="2" charset="2"/>
+              <a:buChar char="v"/>
+            </a:pPr>
+            <a:r>
+              <a:rPr lang="en-US" sz="1700" dirty="0">
+                <a:solidFill>
+                  <a:srgbClr val="FCDCED"/>
+                </a:solidFill>
+                <a:latin typeface="Abadi Extra Light" panose="020B0204020104020204" pitchFamily="34" charset="0"/>
+              </a:rPr>
+              <a:t>“super”, “ugh”, “comfy”, “cute”, “lol”, “yum” </a:t>
             </a:r>
           </a:p>
           <a:p>
@@ -18490,7 +19399,29 @@
                 </a:solidFill>
                 <a:latin typeface="Abadi Extra Light" panose="020B0204020104020204" pitchFamily="34" charset="0"/>
               </a:rPr>
-              <a:t>"Usually, you are attracted to the person before you find out she is taken. Been in the situation before. You want her to be attracted to you, but at the same time you don't want her to cheat on her dude. "If she cheats with you, she will cheat on you". Ironically, her loyalty attracts you to her even more. (In my case at least). Even worse is when you get mixed signals."</a:t>
+              <a:t>Miscellaneous expressions:  </a:t>
+            </a:r>
+          </a:p>
+          <a:p>
+            <a:pPr lvl="1">
+              <a:spcAft>
+                <a:spcPts val="600"/>
+              </a:spcAft>
+              <a:buClr>
+                <a:schemeClr val="bg1"/>
+              </a:buClr>
+              <a:buSzPct val="75000"/>
+              <a:buFont typeface="Wingdings" panose="05000000000000000000" pitchFamily="2" charset="2"/>
+              <a:buChar char="v"/>
+            </a:pPr>
+            <a:r>
+              <a:rPr lang="en-US" sz="1700" dirty="0">
+                <a:solidFill>
+                  <a:srgbClr val="FCDCED"/>
+                </a:solidFill>
+                <a:latin typeface="Abadi Extra Light" panose="020B0204020104020204" pitchFamily="34" charset="0"/>
+              </a:rPr>
+              <a:t>“uncomplicated”, “killing my”, “lot more”, “obnoxious”, “would never”, “if someone”, “struggling”, ”my most”, “absolutely”, “nope”</a:t>
             </a:r>
           </a:p>
           <a:p>
@@ -18505,15 +19436,25 @@
               <a:buFont typeface="Wingdings" panose="05000000000000000000" pitchFamily="2" charset="2"/>
               <a:buChar char="v"/>
             </a:pPr>
-            <a:r>
-              <a:rPr lang="en-US" sz="2100" dirty="0">
-                <a:solidFill>
-                  <a:srgbClr val="FCDCED"/>
-                </a:solidFill>
-                <a:latin typeface="Abadi Extra Light" panose="020B0204020104020204" pitchFamily="34" charset="0"/>
-              </a:rPr>
-              <a:t>"Start with a physical change. Get a good haircut. Put some time into grooming yourself. Shave or trim your beard if you’ve got one. Buy some good cologne for when you go out. Start a work out routine and stick to it even when you don’t want to. Doesn’t have to be anything crazy, it could just be sit ups and push ups.“</a:t>
-            </a:r>
+            <a:endParaRPr lang="en-US" sz="2100" dirty="0">
+              <a:solidFill>
+                <a:srgbClr val="FCDCED"/>
+              </a:solidFill>
+              <a:latin typeface="Abadi Extra Light" panose="020B0204020104020204" pitchFamily="34" charset="0"/>
+            </a:endParaRPr>
+          </a:p>
+          <a:p>
+            <a:pPr>
+              <a:buClr>
+                <a:schemeClr val="bg1"/>
+              </a:buClr>
+              <a:buSzPct val="75000"/>
+              <a:buFont typeface="Wingdings" panose="05000000000000000000" pitchFamily="2" charset="2"/>
+              <a:buChar char="v"/>
+            </a:pPr>
+            <a:endParaRPr lang="en-US" dirty="0">
+              <a:latin typeface="Abadi Extra Light" panose="020B0204020104020204" pitchFamily="34" charset="0"/>
+            </a:endParaRPr>
           </a:p>
           <a:p>
             <a:pPr>
@@ -18527,35 +19468,46 @@
               <a:buFont typeface="Wingdings" panose="05000000000000000000" pitchFamily="2" charset="2"/>
               <a:buChar char="v"/>
             </a:pPr>
-            <a:r>
-              <a:rPr lang="en-US" sz="2100" dirty="0">
-                <a:solidFill>
-                  <a:srgbClr val="FCDCED"/>
-                </a:solidFill>
-                <a:latin typeface="Abadi Extra Light" panose="020B0204020104020204" pitchFamily="34" charset="0"/>
-              </a:rPr>
-              <a:t>"Tickling my wife drives her crazy."</a:t>
-            </a:r>
-          </a:p>
-          <a:p>
-            <a:pPr>
-              <a:buClr>
-                <a:schemeClr val="bg1"/>
-              </a:buClr>
-              <a:buSzPct val="75000"/>
-              <a:buFont typeface="Wingdings" panose="05000000000000000000" pitchFamily="2" charset="2"/>
-              <a:buChar char="v"/>
-            </a:pPr>
-            <a:endParaRPr lang="en-US" dirty="0">
+            <a:endParaRPr lang="en-US" sz="1200" dirty="0">
               <a:latin typeface="Abadi Extra Light" panose="020B0204020104020204" pitchFamily="34" charset="0"/>
             </a:endParaRPr>
           </a:p>
         </p:txBody>
       </p:sp>
+      <p:pic>
+        <p:nvPicPr>
+          <p:cNvPr id="8" name="Picture 7">
+            <a:extLst>
+              <a:ext uri="{FF2B5EF4-FFF2-40B4-BE49-F238E27FC236}">
+                <a16:creationId xmlns:a16="http://schemas.microsoft.com/office/drawing/2014/main" id="{16DD8665-C6C7-4FFC-B1DF-969BF3DA6D9E}"/>
+              </a:ext>
+            </a:extLst>
+          </p:cNvPr>
+          <p:cNvPicPr>
+            <a:picLocks noChangeAspect="1"/>
+          </p:cNvPicPr>
+          <p:nvPr/>
+        </p:nvPicPr>
+        <p:blipFill>
+          <a:blip r:embed="rId2"/>
+          <a:stretch>
+            <a:fillRect/>
+          </a:stretch>
+        </p:blipFill>
+        <p:spPr>
+          <a:xfrm>
+            <a:off x="5685773" y="410257"/>
+            <a:ext cx="6337940" cy="6235024"/>
+          </a:xfrm>
+          <a:prstGeom prst="rect">
+            <a:avLst/>
+          </a:prstGeom>
+        </p:spPr>
+      </p:pic>
     </p:spTree>
     <p:extLst>
       <p:ext uri="{BB962C8B-B14F-4D97-AF65-F5344CB8AC3E}">
-        <p14:creationId xmlns:p14="http://schemas.microsoft.com/office/powerpoint/2010/main" val="993618477"/>
+        <p14:creationId xmlns:p14="http://schemas.microsoft.com/office/powerpoint/2010/main" val="2238359159"/>
       </p:ext>
     </p:extLst>
   </p:cSld>
@@ -18693,7 +19645,19 @@
               <a:rPr lang="en-US" dirty="0">
                 <a:latin typeface="Folks-Light" panose="02000403020000020004" pitchFamily="2" charset="0"/>
               </a:rPr>
-              <a:t>R/ASKMEN</a:t>
+              <a:t>R/ASKMEN </a:t>
+            </a:r>
+            <a:r>
+              <a:rPr lang="en-US" sz="1600" dirty="0">
+                <a:solidFill>
+                  <a:schemeClr val="accent1">
+                    <a:lumMod val="40000"/>
+                    <a:lumOff val="60000"/>
+                  </a:schemeClr>
+                </a:solidFill>
+                <a:latin typeface="Folks-Light" panose="02000403020000020004" pitchFamily="2" charset="0"/>
+              </a:rPr>
+              <a:t>DEAD GIVEAWAYS</a:t>
             </a:r>
           </a:p>
         </p:txBody>
@@ -18716,13 +19680,13 @@
         </p:nvSpPr>
         <p:spPr>
           <a:xfrm>
-            <a:off x="701343" y="1773381"/>
+            <a:off x="618835" y="1736435"/>
             <a:ext cx="4849091" cy="4580345"/>
           </a:xfrm>
         </p:spPr>
         <p:txBody>
           <a:bodyPr>
-            <a:normAutofit fontScale="92500" lnSpcReduction="10000"/>
+            <a:normAutofit fontScale="62500" lnSpcReduction="20000"/>
           </a:bodyPr>
           <a:lstStyle/>
           <a:p>
@@ -18744,29 +19708,7 @@
                 </a:solidFill>
                 <a:latin typeface="Abadi Extra Light" panose="020B0204020104020204" pitchFamily="34" charset="0"/>
               </a:rPr>
-              <a:t>Casual male language:</a:t>
-            </a:r>
-          </a:p>
-          <a:p>
-            <a:pPr lvl="1">
-              <a:spcAft>
-                <a:spcPts val="600"/>
-              </a:spcAft>
-              <a:buClr>
-                <a:schemeClr val="bg1"/>
-              </a:buClr>
-              <a:buSzPct val="75000"/>
-              <a:buFont typeface="Wingdings" panose="05000000000000000000" pitchFamily="2" charset="2"/>
-              <a:buChar char="v"/>
-            </a:pPr>
-            <a:r>
-              <a:rPr lang="en-US" sz="1900" dirty="0">
-                <a:solidFill>
-                  <a:srgbClr val="FCDCED"/>
-                </a:solidFill>
-                <a:latin typeface="Abadi Extra Light" panose="020B0204020104020204" pitchFamily="34" charset="0"/>
-              </a:rPr>
-              <a:t>“at it”, “down to”, “got to”, “me and my”, “the ones”, “do something”</a:t>
+              <a:t>She's my wife :)   </a:t>
             </a:r>
           </a:p>
           <a:p>
@@ -18788,47 +19730,7 @@
                 </a:solidFill>
                 <a:latin typeface="Abadi Extra Light" panose="020B0204020104020204" pitchFamily="34" charset="0"/>
               </a:rPr>
-              <a:t>Testosterone/</a:t>
-            </a:r>
-            <a:r>
-              <a:rPr lang="en-US" sz="2100" dirty="0" err="1">
-                <a:solidFill>
-                  <a:srgbClr val="FCDCED"/>
-                </a:solidFill>
-                <a:latin typeface="Abadi Extra Light" panose="020B0204020104020204" pitchFamily="34" charset="0"/>
-              </a:rPr>
-              <a:t>hardo</a:t>
-            </a:r>
-            <a:r>
-              <a:rPr lang="en-US" sz="2100" dirty="0">
-                <a:solidFill>
-                  <a:srgbClr val="FCDCED"/>
-                </a:solidFill>
-                <a:latin typeface="Abadi Extra Light" panose="020B0204020104020204" pitchFamily="34" charset="0"/>
-              </a:rPr>
-              <a:t> language:  </a:t>
-            </a:r>
-          </a:p>
-          <a:p>
-            <a:pPr lvl="1">
-              <a:spcAft>
-                <a:spcPts val="600"/>
-              </a:spcAft>
-              <a:buClr>
-                <a:schemeClr val="bg1"/>
-              </a:buClr>
-              <a:buSzPct val="75000"/>
-              <a:buFont typeface="Wingdings" panose="05000000000000000000" pitchFamily="2" charset="2"/>
-              <a:buChar char="v"/>
-            </a:pPr>
-            <a:r>
-              <a:rPr lang="en-US" sz="1900" dirty="0">
-                <a:solidFill>
-                  <a:srgbClr val="FCDCED"/>
-                </a:solidFill>
-                <a:latin typeface="Abadi Extra Light" panose="020B0204020104020204" pitchFamily="34" charset="0"/>
-              </a:rPr>
-              <a:t>“crew”, ”beast”, “built”, “hero”, “bro”</a:t>
+              <a:t>"Dated like a 9.5/10. She was a child model but couldn't continue as she got older because she was only like 5'8" or some shit. Blonde, size 0, conventionally attractive in pretty much every way. A lot of it is a ton of fun. People are in awe of your seductive prowess, you can lose arguments and say you're going to go bang your ex-model girlfriend as you walk away from your defeat. Its worth doing once in your life if you can."</a:t>
             </a:r>
           </a:p>
           <a:p>
@@ -18850,36 +19752,8 @@
                 </a:solidFill>
                 <a:latin typeface="Abadi Extra Light" panose="020B0204020104020204" pitchFamily="34" charset="0"/>
               </a:rPr>
-              <a:t>Impersonal/analytical language:</a:t>
-            </a:r>
-          </a:p>
-          <a:p>
-            <a:pPr lvl="1">
-              <a:spcAft>
-                <a:spcPts val="600"/>
-              </a:spcAft>
-              <a:buClr>
-                <a:schemeClr val="bg1"/>
-              </a:buClr>
-              <a:buSzPct val="75000"/>
-              <a:buFont typeface="Wingdings" panose="05000000000000000000" pitchFamily="2" charset="2"/>
-              <a:buChar char="v"/>
-            </a:pPr>
-            <a:r>
-              <a:rPr lang="en-US" sz="1900" dirty="0">
-                <a:solidFill>
-                  <a:srgbClr val="FCDCED"/>
-                </a:solidFill>
-                <a:latin typeface="Abadi Extra Light" panose="020B0204020104020204" pitchFamily="34" charset="0"/>
-              </a:rPr>
-              <a:t>“more that”, “than was”, “perhaps”, “may”,  “if so”, “contact with”, “however” </a:t>
-            </a:r>
-            <a:endParaRPr lang="en-US" sz="2100" dirty="0">
-              <a:solidFill>
-                <a:srgbClr val="FCDCED"/>
-              </a:solidFill>
-              <a:latin typeface="Abadi Extra Light" panose="020B0204020104020204" pitchFamily="34" charset="0"/>
-            </a:endParaRPr>
+              <a:t>“Hands, beard, shoulders, head, chest”</a:t>
+            </a:r>
           </a:p>
           <a:p>
             <a:pPr>
@@ -18900,29 +19774,7 @@
                 </a:solidFill>
                 <a:latin typeface="Abadi Extra Light" panose="020B0204020104020204" pitchFamily="34" charset="0"/>
               </a:rPr>
-              <a:t>Language that subtly dis-individualizes women:</a:t>
-            </a:r>
-          </a:p>
-          <a:p>
-            <a:pPr lvl="1">
-              <a:spcAft>
-                <a:spcPts val="600"/>
-              </a:spcAft>
-              <a:buClr>
-                <a:schemeClr val="bg1"/>
-              </a:buClr>
-              <a:buSzPct val="75000"/>
-              <a:buFont typeface="Wingdings" panose="05000000000000000000" pitchFamily="2" charset="2"/>
-              <a:buChar char="v"/>
-            </a:pPr>
-            <a:r>
-              <a:rPr lang="en-US" sz="1900" dirty="0">
-                <a:solidFill>
-                  <a:srgbClr val="FCDCED"/>
-                </a:solidFill>
-                <a:latin typeface="Abadi Extra Light" panose="020B0204020104020204" pitchFamily="34" charset="0"/>
-              </a:rPr>
-              <a:t>“the women”, “women that”, “feminists”</a:t>
+              <a:t>"Usually, you are attracted to the person before you find out she is taken. Been in the situation before. You want her to be attracted to you, but at the same time you don't want her to cheat on her dude. "If she cheats with you, she will cheat on you". Ironically, her loyalty attracts you to her even more. (In my case at least). Even worse is when you get mixed signals."</a:t>
             </a:r>
           </a:p>
           <a:p>
@@ -18937,12 +19789,37 @@
               <a:buFont typeface="Wingdings" panose="05000000000000000000" pitchFamily="2" charset="2"/>
               <a:buChar char="v"/>
             </a:pPr>
-            <a:endParaRPr lang="en-US" sz="2100" dirty="0">
-              <a:solidFill>
-                <a:srgbClr val="FCDCED"/>
-              </a:solidFill>
-              <a:latin typeface="Abadi Extra Light" panose="020B0204020104020204" pitchFamily="34" charset="0"/>
-            </a:endParaRPr>
+            <a:r>
+              <a:rPr lang="en-US" sz="2100" dirty="0">
+                <a:solidFill>
+                  <a:srgbClr val="FCDCED"/>
+                </a:solidFill>
+                <a:latin typeface="Abadi Extra Light" panose="020B0204020104020204" pitchFamily="34" charset="0"/>
+              </a:rPr>
+              <a:t>"Start with a physical change. Get a good haircut. Put some time into grooming yourself. Shave or trim your beard if you’ve got one. Buy some good cologne for when you go out. Start a work out routine and stick to it even when you don’t want to. Doesn’t have to be anything crazy, it could just be sit ups and push ups.“</a:t>
+            </a:r>
+          </a:p>
+          <a:p>
+            <a:pPr>
+              <a:spcAft>
+                <a:spcPts val="600"/>
+              </a:spcAft>
+              <a:buClr>
+                <a:schemeClr val="bg1"/>
+              </a:buClr>
+              <a:buSzPct val="75000"/>
+              <a:buFont typeface="Wingdings" panose="05000000000000000000" pitchFamily="2" charset="2"/>
+              <a:buChar char="v"/>
+            </a:pPr>
+            <a:r>
+              <a:rPr lang="en-US" sz="2100" dirty="0">
+                <a:solidFill>
+                  <a:srgbClr val="FCDCED"/>
+                </a:solidFill>
+                <a:latin typeface="Abadi Extra Light" panose="020B0204020104020204" pitchFamily="34" charset="0"/>
+              </a:rPr>
+              <a:t>"Tickling my wife drives her crazy."</a:t>
+            </a:r>
           </a:p>
           <a:p>
             <a:pPr>
@@ -18962,7 +19839,7 @@
     </p:spTree>
     <p:extLst>
       <p:ext uri="{BB962C8B-B14F-4D97-AF65-F5344CB8AC3E}">
-        <p14:creationId xmlns:p14="http://schemas.microsoft.com/office/powerpoint/2010/main" val="161934225"/>
+        <p14:creationId xmlns:p14="http://schemas.microsoft.com/office/powerpoint/2010/main" val="993618477"/>
       </p:ext>
     </p:extLst>
   </p:cSld>
